--- a/2nd_project/ppt/XEXYMIX_GUIDE.pptx
+++ b/2nd_project/ppt/XEXYMIX_GUIDE.pptx
@@ -5,7 +5,7 @@
     <p:sldMasterId id="2147483648" r:id="rId1"/>
   </p:sldMasterIdLst>
   <p:notesMasterIdLst>
-    <p:notesMasterId r:id="rId8"/>
+    <p:notesMasterId r:id="rId15"/>
   </p:notesMasterIdLst>
   <p:sldIdLst>
     <p:sldId id="256" r:id="rId2"/>
@@ -13,7 +13,14 @@
     <p:sldId id="284" r:id="rId4"/>
     <p:sldId id="266" r:id="rId5"/>
     <p:sldId id="257" r:id="rId6"/>
-    <p:sldId id="283" r:id="rId7"/>
+    <p:sldId id="287" r:id="rId7"/>
+    <p:sldId id="286" r:id="rId8"/>
+    <p:sldId id="285" r:id="rId9"/>
+    <p:sldId id="288" r:id="rId10"/>
+    <p:sldId id="289" r:id="rId11"/>
+    <p:sldId id="292" r:id="rId12"/>
+    <p:sldId id="293" r:id="rId13"/>
+    <p:sldId id="283" r:id="rId14"/>
   </p:sldIdLst>
   <p:sldSz cx="12192000" cy="6858000"/>
   <p:notesSz cx="6858000" cy="9144000"/>
@@ -1045,7 +1052,7 @@
           <a:p>
             <a:fld id="{C8C18358-1254-45A7-89FD-DE79F1EBB50D}" type="datetimeFigureOut">
               <a:rPr lang="ko-KR" altLang="en-US" smtClean="0"/>
-              <a:t>2023-12-08</a:t>
+              <a:t>2024-01-09</a:t>
             </a:fld>
             <a:endParaRPr lang="ko-KR" altLang="en-US"/>
           </a:p>
@@ -5227,15 +5234,11 @@
           <a:p>
             <a:r>
               <a:rPr lang="en-US" altLang="ko-KR" dirty="0"/>
-              <a:t> FRONTEND </a:t>
+              <a:t> </a:t>
             </a:r>
             <a:r>
               <a:rPr lang="en-US" altLang="ko-KR" dirty="0" smtClean="0"/>
-              <a:t>2nd </a:t>
-            </a:r>
-            <a:r>
-              <a:rPr lang="en-US" altLang="ko-KR" dirty="0"/>
-              <a:t>PROJECT</a:t>
+              <a:t>XEXYMIX CLONE PAGE GUIDE</a:t>
             </a:r>
             <a:endParaRPr lang="ko-KR" altLang="en-US" dirty="0"/>
           </a:p>
@@ -5485,6 +5488,3074 @@
     <p:extLst>
       <p:ext uri="{BB962C8B-B14F-4D97-AF65-F5344CB8AC3E}">
         <p14:creationId xmlns:p14="http://schemas.microsoft.com/office/powerpoint/2010/main" val="1368978434"/>
+      </p:ext>
+    </p:extLst>
+  </p:cSld>
+  <p:clrMapOvr>
+    <a:masterClrMapping/>
+  </p:clrMapOvr>
+  <p:timing>
+    <p:tnLst>
+      <p:par>
+        <p:cTn id="1" dur="indefinite" restart="never" nodeType="tmRoot"/>
+      </p:par>
+    </p:tnLst>
+  </p:timing>
+</p:sld>
+</file>
+
+<file path=ppt/slides/slide10.xml><?xml version="1.0" encoding="utf-8"?>
+<p:sld xmlns:a="http://schemas.openxmlformats.org/drawingml/2006/main" xmlns:r="http://schemas.openxmlformats.org/officeDocument/2006/relationships" xmlns:p="http://schemas.openxmlformats.org/presentationml/2006/main">
+  <p:cSld>
+    <p:spTree>
+      <p:nvGrpSpPr>
+        <p:cNvPr id="1" name=""/>
+        <p:cNvGrpSpPr/>
+        <p:nvPr/>
+      </p:nvGrpSpPr>
+      <p:grpSpPr>
+        <a:xfrm>
+          <a:off x="0" y="0"/>
+          <a:ext cx="0" cy="0"/>
+          <a:chOff x="0" y="0"/>
+          <a:chExt cx="0" cy="0"/>
+        </a:xfrm>
+      </p:grpSpPr>
+      <p:sp>
+        <p:nvSpPr>
+          <p:cNvPr id="17" name="제목 16">
+            <a:extLst>
+              <a:ext uri="{FF2B5EF4-FFF2-40B4-BE49-F238E27FC236}">
+                <a16:creationId xmlns:a16="http://schemas.microsoft.com/office/drawing/2014/main" id="{538766AC-5FB7-41CD-BE08-06DE8DBE4BB2}"/>
+              </a:ext>
+            </a:extLst>
+          </p:cNvPr>
+          <p:cNvSpPr>
+            <a:spLocks noGrp="1"/>
+          </p:cNvSpPr>
+          <p:nvPr>
+            <p:ph type="title"/>
+          </p:nvPr>
+        </p:nvSpPr>
+        <p:spPr>
+          <a:xfrm>
+            <a:off x="596246" y="661615"/>
+            <a:ext cx="7167362" cy="511062"/>
+          </a:xfrm>
+          <a:solidFill>
+            <a:srgbClr val="262626"/>
+          </a:solidFill>
+        </p:spPr>
+        <p:txBody>
+          <a:bodyPr/>
+          <a:lstStyle/>
+          <a:p>
+            <a:pPr lvl="0"/>
+            <a:r>
+              <a:rPr lang="en-US" altLang="ko-KR" dirty="0"/>
+              <a:t>REST API</a:t>
+            </a:r>
+            <a:endParaRPr lang="en-US" altLang="ko-KR" sz="2000" dirty="0">
+              <a:ln>
+                <a:solidFill>
+                  <a:srgbClr val="4472C4">
+                    <a:alpha val="0"/>
+                  </a:srgbClr>
+                </a:solidFill>
+              </a:ln>
+              <a:solidFill>
+                <a:prstClr val="white"/>
+              </a:solidFill>
+            </a:endParaRPr>
+          </a:p>
+        </p:txBody>
+      </p:sp>
+      <p:sp>
+        <p:nvSpPr>
+          <p:cNvPr id="20" name="슬라이드 번호 개체 틀 19">
+            <a:extLst>
+              <a:ext uri="{FF2B5EF4-FFF2-40B4-BE49-F238E27FC236}">
+                <a16:creationId xmlns:a16="http://schemas.microsoft.com/office/drawing/2014/main" id="{5D10BEF8-C3D2-456C-86E5-CDB9D8098737}"/>
+              </a:ext>
+            </a:extLst>
+          </p:cNvPr>
+          <p:cNvSpPr>
+            <a:spLocks noGrp="1"/>
+          </p:cNvSpPr>
+          <p:nvPr>
+            <p:ph type="sldNum" sz="quarter" idx="12"/>
+          </p:nvPr>
+        </p:nvSpPr>
+        <p:spPr>
+          <a:xfrm>
+            <a:off x="11515883" y="6535564"/>
+            <a:ext cx="406242" cy="223838"/>
+          </a:xfrm>
+        </p:spPr>
+        <p:txBody>
+          <a:bodyPr/>
+          <a:lstStyle/>
+          <a:p>
+            <a:fld id="{143BF621-4FC3-44DB-97C1-2906C2BBA181}" type="slidenum">
+              <a:rPr lang="en-US" altLang="ko-KR" sz="900" b="1" smtClean="0"/>
+              <a:pPr/>
+              <a:t>10</a:t>
+            </a:fld>
+            <a:endParaRPr lang="en-US" sz="900" b="1"/>
+          </a:p>
+        </p:txBody>
+      </p:sp>
+      <p:sp>
+        <p:nvSpPr>
+          <p:cNvPr id="22" name="텍스트 개체 틀 21">
+            <a:extLst>
+              <a:ext uri="{FF2B5EF4-FFF2-40B4-BE49-F238E27FC236}">
+                <a16:creationId xmlns:a16="http://schemas.microsoft.com/office/drawing/2014/main" id="{39A03912-2C30-4A1E-A949-CCA2FA1B86AF}"/>
+              </a:ext>
+            </a:extLst>
+          </p:cNvPr>
+          <p:cNvSpPr>
+            <a:spLocks noGrp="1"/>
+          </p:cNvSpPr>
+          <p:nvPr>
+            <p:ph type="body" sz="quarter" idx="14"/>
+          </p:nvPr>
+        </p:nvSpPr>
+        <p:spPr>
+          <a:xfrm>
+            <a:off x="632162" y="204825"/>
+            <a:ext cx="2365038" cy="334963"/>
+          </a:xfrm>
+        </p:spPr>
+        <p:txBody>
+          <a:bodyPr/>
+          <a:lstStyle/>
+          <a:p>
+            <a:r>
+              <a:rPr lang="en-US" altLang="ko-KR" sz="1600"/>
+              <a:t> </a:t>
+            </a:r>
+            <a:r>
+              <a:rPr lang="ko-KR" altLang="en-US" sz="1600"/>
+              <a:t>사이트 구현</a:t>
+            </a:r>
+            <a:endParaRPr lang="en-US" altLang="ko-KR" sz="1600"/>
+          </a:p>
+        </p:txBody>
+      </p:sp>
+      <p:cxnSp>
+        <p:nvCxnSpPr>
+          <p:cNvPr id="16" name="직선 연결선 15">
+            <a:extLst>
+              <a:ext uri="{FF2B5EF4-FFF2-40B4-BE49-F238E27FC236}">
+                <a16:creationId xmlns:a16="http://schemas.microsoft.com/office/drawing/2014/main" id="{556817DD-8257-448B-A648-6DCF78476E78}"/>
+              </a:ext>
+            </a:extLst>
+          </p:cNvPr>
+          <p:cNvCxnSpPr>
+            <a:cxnSpLocks/>
+          </p:cNvCxnSpPr>
+          <p:nvPr/>
+        </p:nvCxnSpPr>
+        <p:spPr>
+          <a:xfrm flipV="1">
+            <a:off x="596246" y="1791510"/>
+            <a:ext cx="10999508" cy="1"/>
+          </a:xfrm>
+          <a:prstGeom prst="line">
+            <a:avLst/>
+          </a:prstGeom>
+          <a:ln>
+            <a:solidFill>
+              <a:schemeClr val="bg1">
+                <a:alpha val="12000"/>
+              </a:schemeClr>
+            </a:solidFill>
+          </a:ln>
+        </p:spPr>
+        <p:style>
+          <a:lnRef idx="1">
+            <a:schemeClr val="accent1"/>
+          </a:lnRef>
+          <a:fillRef idx="0">
+            <a:schemeClr val="accent1"/>
+          </a:fillRef>
+          <a:effectRef idx="0">
+            <a:schemeClr val="accent1"/>
+          </a:effectRef>
+          <a:fontRef idx="minor">
+            <a:schemeClr val="tx1"/>
+          </a:fontRef>
+        </p:style>
+      </p:cxnSp>
+      <p:grpSp>
+        <p:nvGrpSpPr>
+          <p:cNvPr id="34" name="그룹 33">
+            <a:extLst>
+              <a:ext uri="{FF2B5EF4-FFF2-40B4-BE49-F238E27FC236}">
+                <a16:creationId xmlns:a16="http://schemas.microsoft.com/office/drawing/2014/main" id="{3CF7C648-1203-46CD-B1B5-FBCCE76BF946}"/>
+              </a:ext>
+            </a:extLst>
+          </p:cNvPr>
+          <p:cNvGrpSpPr/>
+          <p:nvPr/>
+        </p:nvGrpSpPr>
+        <p:grpSpPr>
+          <a:xfrm>
+            <a:off x="11861799" y="3029566"/>
+            <a:ext cx="101602" cy="798867"/>
+            <a:chOff x="11861799" y="3018615"/>
+            <a:chExt cx="101602" cy="798867"/>
+          </a:xfrm>
+        </p:grpSpPr>
+        <p:sp>
+          <p:nvSpPr>
+            <p:cNvPr id="24" name="타원 23">
+              <a:extLst>
+                <a:ext uri="{FF2B5EF4-FFF2-40B4-BE49-F238E27FC236}">
+                  <a16:creationId xmlns:a16="http://schemas.microsoft.com/office/drawing/2014/main" id="{015AF492-935E-4469-A4B0-E0076A79857E}"/>
+                </a:ext>
+              </a:extLst>
+            </p:cNvPr>
+            <p:cNvSpPr/>
+            <p:nvPr/>
+          </p:nvSpPr>
+          <p:spPr>
+            <a:xfrm>
+              <a:off x="11861799" y="3018615"/>
+              <a:ext cx="101602" cy="101601"/>
+            </a:xfrm>
+            <a:prstGeom prst="roundRect">
+              <a:avLst/>
+            </a:prstGeom>
+            <a:solidFill>
+              <a:schemeClr val="bg1"/>
+            </a:solidFill>
+            <a:ln>
+              <a:noFill/>
+            </a:ln>
+          </p:spPr>
+          <p:style>
+            <a:lnRef idx="2">
+              <a:schemeClr val="accent1">
+                <a:shade val="50000"/>
+              </a:schemeClr>
+            </a:lnRef>
+            <a:fillRef idx="1">
+              <a:schemeClr val="accent1"/>
+            </a:fillRef>
+            <a:effectRef idx="0">
+              <a:schemeClr val="accent1"/>
+            </a:effectRef>
+            <a:fontRef idx="minor">
+              <a:schemeClr val="lt1"/>
+            </a:fontRef>
+          </p:style>
+          <p:txBody>
+            <a:bodyPr rtlCol="0" anchor="ctr"/>
+            <a:lstStyle/>
+            <a:p>
+              <a:pPr algn="ctr"/>
+              <a:endParaRPr lang="ko-KR" altLang="en-US"/>
+            </a:p>
+          </p:txBody>
+        </p:sp>
+        <p:sp>
+          <p:nvSpPr>
+            <p:cNvPr id="28" name="타원 27">
+              <a:extLst>
+                <a:ext uri="{FF2B5EF4-FFF2-40B4-BE49-F238E27FC236}">
+                  <a16:creationId xmlns:a16="http://schemas.microsoft.com/office/drawing/2014/main" id="{FF1CB2F4-25B4-4DEE-A3B8-FD46D262F40F}"/>
+                </a:ext>
+              </a:extLst>
+            </p:cNvPr>
+            <p:cNvSpPr/>
+            <p:nvPr/>
+          </p:nvSpPr>
+          <p:spPr>
+            <a:xfrm>
+              <a:off x="11861799" y="3251037"/>
+              <a:ext cx="101602" cy="101601"/>
+            </a:xfrm>
+            <a:prstGeom prst="roundRect">
+              <a:avLst/>
+            </a:prstGeom>
+            <a:solidFill>
+              <a:schemeClr val="tx1">
+                <a:lumMod val="65000"/>
+                <a:lumOff val="35000"/>
+              </a:schemeClr>
+            </a:solidFill>
+            <a:ln>
+              <a:noFill/>
+            </a:ln>
+          </p:spPr>
+          <p:style>
+            <a:lnRef idx="2">
+              <a:schemeClr val="accent1">
+                <a:shade val="50000"/>
+              </a:schemeClr>
+            </a:lnRef>
+            <a:fillRef idx="1">
+              <a:schemeClr val="accent1"/>
+            </a:fillRef>
+            <a:effectRef idx="0">
+              <a:schemeClr val="accent1"/>
+            </a:effectRef>
+            <a:fontRef idx="minor">
+              <a:schemeClr val="lt1"/>
+            </a:fontRef>
+          </p:style>
+          <p:txBody>
+            <a:bodyPr rtlCol="0" anchor="ctr"/>
+            <a:lstStyle/>
+            <a:p>
+              <a:pPr algn="ctr"/>
+              <a:endParaRPr lang="ko-KR" altLang="en-US"/>
+            </a:p>
+          </p:txBody>
+        </p:sp>
+        <p:sp>
+          <p:nvSpPr>
+            <p:cNvPr id="30" name="타원 29">
+              <a:extLst>
+                <a:ext uri="{FF2B5EF4-FFF2-40B4-BE49-F238E27FC236}">
+                  <a16:creationId xmlns:a16="http://schemas.microsoft.com/office/drawing/2014/main" id="{C46557B9-CC12-487D-A0EA-5BB155CF10CE}"/>
+                </a:ext>
+              </a:extLst>
+            </p:cNvPr>
+            <p:cNvSpPr/>
+            <p:nvPr/>
+          </p:nvSpPr>
+          <p:spPr>
+            <a:xfrm>
+              <a:off x="11861799" y="3483459"/>
+              <a:ext cx="101602" cy="101601"/>
+            </a:xfrm>
+            <a:prstGeom prst="roundRect">
+              <a:avLst/>
+            </a:prstGeom>
+            <a:solidFill>
+              <a:schemeClr val="tx1">
+                <a:lumMod val="65000"/>
+                <a:lumOff val="35000"/>
+              </a:schemeClr>
+            </a:solidFill>
+            <a:ln>
+              <a:noFill/>
+            </a:ln>
+          </p:spPr>
+          <p:style>
+            <a:lnRef idx="2">
+              <a:schemeClr val="accent1">
+                <a:shade val="50000"/>
+              </a:schemeClr>
+            </a:lnRef>
+            <a:fillRef idx="1">
+              <a:schemeClr val="accent1"/>
+            </a:fillRef>
+            <a:effectRef idx="0">
+              <a:schemeClr val="accent1"/>
+            </a:effectRef>
+            <a:fontRef idx="minor">
+              <a:schemeClr val="lt1"/>
+            </a:fontRef>
+          </p:style>
+          <p:txBody>
+            <a:bodyPr rtlCol="0" anchor="ctr"/>
+            <a:lstStyle/>
+            <a:p>
+              <a:pPr algn="ctr"/>
+              <a:endParaRPr lang="ko-KR" altLang="en-US"/>
+            </a:p>
+          </p:txBody>
+        </p:sp>
+        <p:sp>
+          <p:nvSpPr>
+            <p:cNvPr id="31" name="타원 30">
+              <a:extLst>
+                <a:ext uri="{FF2B5EF4-FFF2-40B4-BE49-F238E27FC236}">
+                  <a16:creationId xmlns:a16="http://schemas.microsoft.com/office/drawing/2014/main" id="{CAD48EAD-D539-41BD-827F-65448A29B3E7}"/>
+                </a:ext>
+              </a:extLst>
+            </p:cNvPr>
+            <p:cNvSpPr/>
+            <p:nvPr/>
+          </p:nvSpPr>
+          <p:spPr>
+            <a:xfrm>
+              <a:off x="11861799" y="3715881"/>
+              <a:ext cx="101602" cy="101601"/>
+            </a:xfrm>
+            <a:prstGeom prst="roundRect">
+              <a:avLst/>
+            </a:prstGeom>
+            <a:solidFill>
+              <a:schemeClr val="tx1">
+                <a:lumMod val="65000"/>
+                <a:lumOff val="35000"/>
+              </a:schemeClr>
+            </a:solidFill>
+            <a:ln>
+              <a:noFill/>
+            </a:ln>
+          </p:spPr>
+          <p:style>
+            <a:lnRef idx="2">
+              <a:schemeClr val="accent1">
+                <a:shade val="50000"/>
+              </a:schemeClr>
+            </a:lnRef>
+            <a:fillRef idx="1">
+              <a:schemeClr val="accent1"/>
+            </a:fillRef>
+            <a:effectRef idx="0">
+              <a:schemeClr val="accent1"/>
+            </a:effectRef>
+            <a:fontRef idx="minor">
+              <a:schemeClr val="lt1"/>
+            </a:fontRef>
+          </p:style>
+          <p:txBody>
+            <a:bodyPr rtlCol="0" anchor="ctr"/>
+            <a:lstStyle/>
+            <a:p>
+              <a:pPr algn="ctr"/>
+              <a:endParaRPr lang="ko-KR" altLang="en-US"/>
+            </a:p>
+          </p:txBody>
+        </p:sp>
+      </p:grpSp>
+      <p:sp>
+        <p:nvSpPr>
+          <p:cNvPr id="59" name="텍스트 개체 틀 9">
+            <a:extLst>
+              <a:ext uri="{FF2B5EF4-FFF2-40B4-BE49-F238E27FC236}">
+                <a16:creationId xmlns:a16="http://schemas.microsoft.com/office/drawing/2014/main" id="{24DACF00-4650-4587-8067-0A70D73A59DA}"/>
+              </a:ext>
+            </a:extLst>
+          </p:cNvPr>
+          <p:cNvSpPr>
+            <a:spLocks noGrp="1"/>
+          </p:cNvSpPr>
+          <p:nvPr>
+            <p:ph type="body" sz="quarter" idx="13" hasCustomPrompt="1"/>
+          </p:nvPr>
+        </p:nvSpPr>
+        <p:spPr>
+          <a:xfrm>
+            <a:off x="7335536" y="293599"/>
+            <a:ext cx="4562777" cy="161468"/>
+          </a:xfrm>
+        </p:spPr>
+        <p:txBody>
+          <a:bodyPr lIns="0" tIns="0" rIns="0" bIns="0" anchor="b">
+            <a:noAutofit/>
+          </a:bodyPr>
+          <a:lstStyle>
+            <a:lvl1pPr algn="l">
+              <a:lnSpc>
+                <a:spcPct val="120000"/>
+              </a:lnSpc>
+              <a:defRPr lang="ko-KR" altLang="en-US" sz="1100" kern="1200" baseline="0" dirty="0">
+                <a:ln>
+                  <a:solidFill>
+                    <a:schemeClr val="accent1">
+                      <a:alpha val="0"/>
+                    </a:schemeClr>
+                  </a:solidFill>
+                </a:ln>
+                <a:solidFill>
+                  <a:schemeClr val="bg1"/>
+                </a:solidFill>
+                <a:latin typeface="+mn-lt"/>
+                <a:ea typeface="+mn-ea"/>
+                <a:cs typeface="+mn-cs"/>
+              </a:defRPr>
+            </a:lvl1pPr>
+            <a:lvl2pPr>
+              <a:defRPr/>
+            </a:lvl2pPr>
+            <a:lvl3pPr>
+              <a:defRPr/>
+            </a:lvl3pPr>
+            <a:lvl4pPr>
+              <a:defRPr/>
+            </a:lvl4pPr>
+            <a:lvl5pPr>
+              <a:defRPr/>
+            </a:lvl5pPr>
+          </a:lstStyle>
+          <a:p>
+            <a:r>
+              <a:rPr lang="ko-KR" altLang="en-US" sz="1100">
+                <a:solidFill>
+                  <a:schemeClr val="bg1">
+                    <a:alpha val="60000"/>
+                  </a:schemeClr>
+                </a:solidFill>
+              </a:rPr>
+              <a:t>기획의도 </a:t>
+            </a:r>
+            <a:r>
+              <a:rPr lang="en-US" altLang="ko-KR" sz="1100"/>
+              <a:t>	                    </a:t>
+            </a:r>
+            <a:r>
+              <a:rPr lang="ko-KR" altLang="en-US" sz="1100" err="1"/>
+              <a:t>사이트구현</a:t>
+            </a:r>
+            <a:r>
+              <a:rPr lang="ko-KR" altLang="en-US" sz="1100"/>
+              <a:t>                      </a:t>
+            </a:r>
+            <a:r>
+              <a:rPr lang="ko-KR" altLang="en-US" sz="1100">
+                <a:solidFill>
+                  <a:schemeClr val="bg1">
+                    <a:alpha val="60000"/>
+                  </a:schemeClr>
+                </a:solidFill>
+              </a:rPr>
+              <a:t>향후개발방향</a:t>
+            </a:r>
+            <a:endParaRPr lang="en-US" altLang="ko-KR" sz="1100">
+              <a:solidFill>
+                <a:schemeClr val="bg1">
+                  <a:alpha val="60000"/>
+                </a:schemeClr>
+              </a:solidFill>
+            </a:endParaRPr>
+          </a:p>
+        </p:txBody>
+      </p:sp>
+      <p:pic>
+        <p:nvPicPr>
+          <p:cNvPr id="2" name="그림 1"/>
+          <p:cNvPicPr>
+            <a:picLocks noChangeAspect="1"/>
+          </p:cNvPicPr>
+          <p:nvPr/>
+        </p:nvPicPr>
+        <p:blipFill>
+          <a:blip r:embed="rId2"/>
+          <a:stretch>
+            <a:fillRect/>
+          </a:stretch>
+        </p:blipFill>
+        <p:spPr>
+          <a:xfrm>
+            <a:off x="596246" y="1872366"/>
+            <a:ext cx="5109961" cy="2446740"/>
+          </a:xfrm>
+          <a:prstGeom prst="rect">
+            <a:avLst/>
+          </a:prstGeom>
+        </p:spPr>
+      </p:pic>
+      <p:sp>
+        <p:nvSpPr>
+          <p:cNvPr id="18" name="제목 16">
+            <a:extLst>
+              <a:ext uri="{FF2B5EF4-FFF2-40B4-BE49-F238E27FC236}">
+                <a16:creationId xmlns:a16="http://schemas.microsoft.com/office/drawing/2014/main" id="{538766AC-5FB7-41CD-BE08-06DE8DBE4BB2}"/>
+              </a:ext>
+            </a:extLst>
+          </p:cNvPr>
+          <p:cNvSpPr txBox="1">
+            <a:spLocks/>
+          </p:cNvSpPr>
+          <p:nvPr/>
+        </p:nvSpPr>
+        <p:spPr>
+          <a:xfrm>
+            <a:off x="5879445" y="1899282"/>
+            <a:ext cx="5409877" cy="511062"/>
+          </a:xfrm>
+          <a:prstGeom prst="rect">
+            <a:avLst/>
+          </a:prstGeom>
+          <a:solidFill>
+            <a:srgbClr val="262626"/>
+          </a:solidFill>
+        </p:spPr>
+        <p:txBody>
+          <a:bodyPr vert="horz" lIns="0" tIns="0" rIns="0" bIns="0" rtlCol="0" anchor="ctr">
+            <a:noAutofit/>
+          </a:bodyPr>
+          <a:lstStyle>
+            <a:lvl1pPr marL="0" indent="0" algn="l" defTabSz="914400" rtl="0" eaLnBrk="1" latinLnBrk="1" hangingPunct="1">
+              <a:lnSpc>
+                <a:spcPct val="125000"/>
+              </a:lnSpc>
+              <a:spcBef>
+                <a:spcPct val="0"/>
+              </a:spcBef>
+              <a:buFont typeface="Arial" panose="020B0604020202020204" pitchFamily="34" charset="0"/>
+              <a:buNone/>
+              <a:defRPr sz="2800" b="1" kern="1200">
+                <a:ln>
+                  <a:solidFill>
+                    <a:schemeClr val="accent1">
+                      <a:alpha val="0"/>
+                    </a:schemeClr>
+                  </a:solidFill>
+                </a:ln>
+                <a:solidFill>
+                  <a:schemeClr val="bg1"/>
+                </a:solidFill>
+                <a:latin typeface="+mj-lt"/>
+                <a:ea typeface="+mj-ea"/>
+                <a:cs typeface="+mj-cs"/>
+              </a:defRPr>
+            </a:lvl1pPr>
+          </a:lstStyle>
+          <a:p>
+            <a:r>
+              <a:rPr lang="en-US" altLang="ko-KR" sz="1600" dirty="0" smtClean="0">
+                <a:ln>
+                  <a:solidFill>
+                    <a:srgbClr val="4472C4">
+                      <a:alpha val="0"/>
+                    </a:srgbClr>
+                  </a:solidFill>
+                </a:ln>
+                <a:solidFill>
+                  <a:prstClr val="white"/>
+                </a:solidFill>
+              </a:rPr>
+              <a:t>GET, POST </a:t>
+            </a:r>
+            <a:r>
+              <a:rPr lang="ko-KR" altLang="en-US" sz="1600" dirty="0" smtClean="0">
+                <a:ln>
+                  <a:solidFill>
+                    <a:srgbClr val="4472C4">
+                      <a:alpha val="0"/>
+                    </a:srgbClr>
+                  </a:solidFill>
+                </a:ln>
+                <a:solidFill>
+                  <a:prstClr val="white"/>
+                </a:solidFill>
+              </a:rPr>
+              <a:t>와</a:t>
+            </a:r>
+            <a:r>
+              <a:rPr lang="en-US" altLang="ko-KR" sz="1600" dirty="0" smtClean="0">
+                <a:ln>
+                  <a:solidFill>
+                    <a:srgbClr val="4472C4">
+                      <a:alpha val="0"/>
+                    </a:srgbClr>
+                  </a:solidFill>
+                </a:ln>
+                <a:solidFill>
+                  <a:prstClr val="white"/>
+                </a:solidFill>
+              </a:rPr>
+              <a:t> </a:t>
+            </a:r>
+            <a:r>
+              <a:rPr lang="ko-KR" altLang="en-US" sz="1600" dirty="0">
+                <a:ln>
+                  <a:solidFill>
+                    <a:srgbClr val="4472C4">
+                      <a:alpha val="0"/>
+                    </a:srgbClr>
+                  </a:solidFill>
+                </a:ln>
+                <a:solidFill>
+                  <a:prstClr val="white"/>
+                </a:solidFill>
+              </a:rPr>
+              <a:t>같은 상태를 </a:t>
+            </a:r>
+            <a:r>
+              <a:rPr lang="ko-KR" altLang="en-US" sz="1600" dirty="0" smtClean="0">
+                <a:ln>
+                  <a:solidFill>
+                    <a:srgbClr val="4472C4">
+                      <a:alpha val="0"/>
+                    </a:srgbClr>
+                  </a:solidFill>
+                </a:ln>
+                <a:solidFill>
+                  <a:prstClr val="white"/>
+                </a:solidFill>
+              </a:rPr>
+              <a:t>주고받으며 </a:t>
+            </a:r>
+            <a:r>
+              <a:rPr lang="en-US" altLang="ko-KR" sz="1600" dirty="0" smtClean="0">
+                <a:ln>
+                  <a:solidFill>
+                    <a:srgbClr val="4472C4">
+                      <a:alpha val="0"/>
+                    </a:srgbClr>
+                  </a:solidFill>
+                </a:ln>
+                <a:solidFill>
+                  <a:prstClr val="white"/>
+                </a:solidFill>
+              </a:rPr>
+              <a:t>API</a:t>
+            </a:r>
+            <a:r>
+              <a:rPr lang="ko-KR" altLang="en-US" sz="1600" dirty="0" smtClean="0">
+                <a:ln>
+                  <a:solidFill>
+                    <a:srgbClr val="4472C4">
+                      <a:alpha val="0"/>
+                    </a:srgbClr>
+                  </a:solidFill>
+                </a:ln>
+                <a:solidFill>
+                  <a:prstClr val="white"/>
+                </a:solidFill>
+              </a:rPr>
+              <a:t>와 통신하는 것</a:t>
+            </a:r>
+            <a:endParaRPr lang="en-US" altLang="ko-KR" sz="1600" dirty="0">
+              <a:ln>
+                <a:solidFill>
+                  <a:srgbClr val="4472C4">
+                    <a:alpha val="0"/>
+                  </a:srgbClr>
+                </a:solidFill>
+              </a:ln>
+              <a:solidFill>
+                <a:prstClr val="white"/>
+              </a:solidFill>
+            </a:endParaRPr>
+          </a:p>
+        </p:txBody>
+      </p:sp>
+      <p:pic>
+        <p:nvPicPr>
+          <p:cNvPr id="4" name="그림 3"/>
+          <p:cNvPicPr>
+            <a:picLocks noChangeAspect="1"/>
+          </p:cNvPicPr>
+          <p:nvPr/>
+        </p:nvPicPr>
+        <p:blipFill>
+          <a:blip r:embed="rId3"/>
+          <a:stretch>
+            <a:fillRect/>
+          </a:stretch>
+        </p:blipFill>
+        <p:spPr>
+          <a:xfrm>
+            <a:off x="6435970" y="4319106"/>
+            <a:ext cx="4411212" cy="1090816"/>
+          </a:xfrm>
+          <a:prstGeom prst="rect">
+            <a:avLst/>
+          </a:prstGeom>
+        </p:spPr>
+      </p:pic>
+      <p:pic>
+        <p:nvPicPr>
+          <p:cNvPr id="19" name="그림 18"/>
+          <p:cNvPicPr>
+            <a:picLocks noChangeAspect="1"/>
+          </p:cNvPicPr>
+          <p:nvPr/>
+        </p:nvPicPr>
+        <p:blipFill>
+          <a:blip r:embed="rId4">
+            <a:extLst>
+              <a:ext uri="{28A0092B-C50C-407E-A947-70E740481C1C}">
+                <a14:useLocalDpi xmlns:a14="http://schemas.microsoft.com/office/drawing/2010/main" val="0"/>
+              </a:ext>
+            </a:extLst>
+          </a:blip>
+          <a:stretch>
+            <a:fillRect/>
+          </a:stretch>
+        </p:blipFill>
+        <p:spPr>
+          <a:xfrm>
+            <a:off x="596246" y="4485748"/>
+            <a:ext cx="2463477" cy="1715635"/>
+          </a:xfrm>
+          <a:prstGeom prst="rect">
+            <a:avLst/>
+          </a:prstGeom>
+        </p:spPr>
+      </p:pic>
+    </p:spTree>
+    <p:extLst>
+      <p:ext uri="{BB962C8B-B14F-4D97-AF65-F5344CB8AC3E}">
+        <p14:creationId xmlns:p14="http://schemas.microsoft.com/office/powerpoint/2010/main" val="639845663"/>
+      </p:ext>
+    </p:extLst>
+  </p:cSld>
+  <p:clrMapOvr>
+    <a:masterClrMapping/>
+  </p:clrMapOvr>
+  <p:timing>
+    <p:tnLst>
+      <p:par>
+        <p:cTn id="1" dur="indefinite" restart="never" nodeType="tmRoot"/>
+      </p:par>
+    </p:tnLst>
+  </p:timing>
+</p:sld>
+</file>
+
+<file path=ppt/slides/slide11.xml><?xml version="1.0" encoding="utf-8"?>
+<p:sld xmlns:a="http://schemas.openxmlformats.org/drawingml/2006/main" xmlns:r="http://schemas.openxmlformats.org/officeDocument/2006/relationships" xmlns:p="http://schemas.openxmlformats.org/presentationml/2006/main">
+  <p:cSld>
+    <p:spTree>
+      <p:nvGrpSpPr>
+        <p:cNvPr id="1" name=""/>
+        <p:cNvGrpSpPr/>
+        <p:nvPr/>
+      </p:nvGrpSpPr>
+      <p:grpSpPr>
+        <a:xfrm>
+          <a:off x="0" y="0"/>
+          <a:ext cx="0" cy="0"/>
+          <a:chOff x="0" y="0"/>
+          <a:chExt cx="0" cy="0"/>
+        </a:xfrm>
+      </p:grpSpPr>
+      <p:sp>
+        <p:nvSpPr>
+          <p:cNvPr id="17" name="제목 16">
+            <a:extLst>
+              <a:ext uri="{FF2B5EF4-FFF2-40B4-BE49-F238E27FC236}">
+                <a16:creationId xmlns:a16="http://schemas.microsoft.com/office/drawing/2014/main" id="{538766AC-5FB7-41CD-BE08-06DE8DBE4BB2}"/>
+              </a:ext>
+            </a:extLst>
+          </p:cNvPr>
+          <p:cNvSpPr>
+            <a:spLocks noGrp="1"/>
+          </p:cNvSpPr>
+          <p:nvPr>
+            <p:ph type="title"/>
+          </p:nvPr>
+        </p:nvSpPr>
+        <p:spPr>
+          <a:xfrm>
+            <a:off x="596246" y="661615"/>
+            <a:ext cx="7167362" cy="511062"/>
+          </a:xfrm>
+          <a:solidFill>
+            <a:srgbClr val="262626"/>
+          </a:solidFill>
+        </p:spPr>
+        <p:txBody>
+          <a:bodyPr/>
+          <a:lstStyle/>
+          <a:p>
+            <a:pPr lvl="0"/>
+            <a:r>
+              <a:rPr lang="en-US" altLang="ko-KR" dirty="0"/>
+              <a:t>REST API</a:t>
+            </a:r>
+            <a:endParaRPr lang="en-US" altLang="ko-KR" sz="2000" dirty="0">
+              <a:ln>
+                <a:solidFill>
+                  <a:srgbClr val="4472C4">
+                    <a:alpha val="0"/>
+                  </a:srgbClr>
+                </a:solidFill>
+              </a:ln>
+              <a:solidFill>
+                <a:prstClr val="white"/>
+              </a:solidFill>
+            </a:endParaRPr>
+          </a:p>
+        </p:txBody>
+      </p:sp>
+      <p:sp>
+        <p:nvSpPr>
+          <p:cNvPr id="20" name="슬라이드 번호 개체 틀 19">
+            <a:extLst>
+              <a:ext uri="{FF2B5EF4-FFF2-40B4-BE49-F238E27FC236}">
+                <a16:creationId xmlns:a16="http://schemas.microsoft.com/office/drawing/2014/main" id="{5D10BEF8-C3D2-456C-86E5-CDB9D8098737}"/>
+              </a:ext>
+            </a:extLst>
+          </p:cNvPr>
+          <p:cNvSpPr>
+            <a:spLocks noGrp="1"/>
+          </p:cNvSpPr>
+          <p:nvPr>
+            <p:ph type="sldNum" sz="quarter" idx="12"/>
+          </p:nvPr>
+        </p:nvSpPr>
+        <p:spPr>
+          <a:xfrm>
+            <a:off x="11515883" y="6535564"/>
+            <a:ext cx="406242" cy="223838"/>
+          </a:xfrm>
+        </p:spPr>
+        <p:txBody>
+          <a:bodyPr/>
+          <a:lstStyle/>
+          <a:p>
+            <a:fld id="{143BF621-4FC3-44DB-97C1-2906C2BBA181}" type="slidenum">
+              <a:rPr lang="en-US" altLang="ko-KR" sz="900" b="1" smtClean="0"/>
+              <a:pPr/>
+              <a:t>11</a:t>
+            </a:fld>
+            <a:endParaRPr lang="en-US" sz="900" b="1"/>
+          </a:p>
+        </p:txBody>
+      </p:sp>
+      <p:sp>
+        <p:nvSpPr>
+          <p:cNvPr id="22" name="텍스트 개체 틀 21">
+            <a:extLst>
+              <a:ext uri="{FF2B5EF4-FFF2-40B4-BE49-F238E27FC236}">
+                <a16:creationId xmlns:a16="http://schemas.microsoft.com/office/drawing/2014/main" id="{39A03912-2C30-4A1E-A949-CCA2FA1B86AF}"/>
+              </a:ext>
+            </a:extLst>
+          </p:cNvPr>
+          <p:cNvSpPr>
+            <a:spLocks noGrp="1"/>
+          </p:cNvSpPr>
+          <p:nvPr>
+            <p:ph type="body" sz="quarter" idx="14"/>
+          </p:nvPr>
+        </p:nvSpPr>
+        <p:spPr>
+          <a:xfrm>
+            <a:off x="632162" y="204825"/>
+            <a:ext cx="2365038" cy="334963"/>
+          </a:xfrm>
+        </p:spPr>
+        <p:txBody>
+          <a:bodyPr/>
+          <a:lstStyle/>
+          <a:p>
+            <a:r>
+              <a:rPr lang="en-US" altLang="ko-KR" sz="1600"/>
+              <a:t> </a:t>
+            </a:r>
+            <a:r>
+              <a:rPr lang="ko-KR" altLang="en-US" sz="1600"/>
+              <a:t>사이트 구현</a:t>
+            </a:r>
+            <a:endParaRPr lang="en-US" altLang="ko-KR" sz="1600"/>
+          </a:p>
+        </p:txBody>
+      </p:sp>
+      <p:cxnSp>
+        <p:nvCxnSpPr>
+          <p:cNvPr id="16" name="직선 연결선 15">
+            <a:extLst>
+              <a:ext uri="{FF2B5EF4-FFF2-40B4-BE49-F238E27FC236}">
+                <a16:creationId xmlns:a16="http://schemas.microsoft.com/office/drawing/2014/main" id="{556817DD-8257-448B-A648-6DCF78476E78}"/>
+              </a:ext>
+            </a:extLst>
+          </p:cNvPr>
+          <p:cNvCxnSpPr>
+            <a:cxnSpLocks/>
+          </p:cNvCxnSpPr>
+          <p:nvPr/>
+        </p:nvCxnSpPr>
+        <p:spPr>
+          <a:xfrm flipV="1">
+            <a:off x="596246" y="1791510"/>
+            <a:ext cx="10999508" cy="1"/>
+          </a:xfrm>
+          <a:prstGeom prst="line">
+            <a:avLst/>
+          </a:prstGeom>
+          <a:ln>
+            <a:solidFill>
+              <a:schemeClr val="bg1">
+                <a:alpha val="12000"/>
+              </a:schemeClr>
+            </a:solidFill>
+          </a:ln>
+        </p:spPr>
+        <p:style>
+          <a:lnRef idx="1">
+            <a:schemeClr val="accent1"/>
+          </a:lnRef>
+          <a:fillRef idx="0">
+            <a:schemeClr val="accent1"/>
+          </a:fillRef>
+          <a:effectRef idx="0">
+            <a:schemeClr val="accent1"/>
+          </a:effectRef>
+          <a:fontRef idx="minor">
+            <a:schemeClr val="tx1"/>
+          </a:fontRef>
+        </p:style>
+      </p:cxnSp>
+      <p:grpSp>
+        <p:nvGrpSpPr>
+          <p:cNvPr id="34" name="그룹 33">
+            <a:extLst>
+              <a:ext uri="{FF2B5EF4-FFF2-40B4-BE49-F238E27FC236}">
+                <a16:creationId xmlns:a16="http://schemas.microsoft.com/office/drawing/2014/main" id="{3CF7C648-1203-46CD-B1B5-FBCCE76BF946}"/>
+              </a:ext>
+            </a:extLst>
+          </p:cNvPr>
+          <p:cNvGrpSpPr/>
+          <p:nvPr/>
+        </p:nvGrpSpPr>
+        <p:grpSpPr>
+          <a:xfrm>
+            <a:off x="11861799" y="3029566"/>
+            <a:ext cx="101602" cy="798867"/>
+            <a:chOff x="11861799" y="3018615"/>
+            <a:chExt cx="101602" cy="798867"/>
+          </a:xfrm>
+        </p:grpSpPr>
+        <p:sp>
+          <p:nvSpPr>
+            <p:cNvPr id="24" name="타원 23">
+              <a:extLst>
+                <a:ext uri="{FF2B5EF4-FFF2-40B4-BE49-F238E27FC236}">
+                  <a16:creationId xmlns:a16="http://schemas.microsoft.com/office/drawing/2014/main" id="{015AF492-935E-4469-A4B0-E0076A79857E}"/>
+                </a:ext>
+              </a:extLst>
+            </p:cNvPr>
+            <p:cNvSpPr/>
+            <p:nvPr/>
+          </p:nvSpPr>
+          <p:spPr>
+            <a:xfrm>
+              <a:off x="11861799" y="3018615"/>
+              <a:ext cx="101602" cy="101601"/>
+            </a:xfrm>
+            <a:prstGeom prst="roundRect">
+              <a:avLst/>
+            </a:prstGeom>
+            <a:solidFill>
+              <a:schemeClr val="bg1"/>
+            </a:solidFill>
+            <a:ln>
+              <a:noFill/>
+            </a:ln>
+          </p:spPr>
+          <p:style>
+            <a:lnRef idx="2">
+              <a:schemeClr val="accent1">
+                <a:shade val="50000"/>
+              </a:schemeClr>
+            </a:lnRef>
+            <a:fillRef idx="1">
+              <a:schemeClr val="accent1"/>
+            </a:fillRef>
+            <a:effectRef idx="0">
+              <a:schemeClr val="accent1"/>
+            </a:effectRef>
+            <a:fontRef idx="minor">
+              <a:schemeClr val="lt1"/>
+            </a:fontRef>
+          </p:style>
+          <p:txBody>
+            <a:bodyPr rtlCol="0" anchor="ctr"/>
+            <a:lstStyle/>
+            <a:p>
+              <a:pPr algn="ctr"/>
+              <a:endParaRPr lang="ko-KR" altLang="en-US"/>
+            </a:p>
+          </p:txBody>
+        </p:sp>
+        <p:sp>
+          <p:nvSpPr>
+            <p:cNvPr id="28" name="타원 27">
+              <a:extLst>
+                <a:ext uri="{FF2B5EF4-FFF2-40B4-BE49-F238E27FC236}">
+                  <a16:creationId xmlns:a16="http://schemas.microsoft.com/office/drawing/2014/main" id="{FF1CB2F4-25B4-4DEE-A3B8-FD46D262F40F}"/>
+                </a:ext>
+              </a:extLst>
+            </p:cNvPr>
+            <p:cNvSpPr/>
+            <p:nvPr/>
+          </p:nvSpPr>
+          <p:spPr>
+            <a:xfrm>
+              <a:off x="11861799" y="3251037"/>
+              <a:ext cx="101602" cy="101601"/>
+            </a:xfrm>
+            <a:prstGeom prst="roundRect">
+              <a:avLst/>
+            </a:prstGeom>
+            <a:solidFill>
+              <a:schemeClr val="tx1">
+                <a:lumMod val="65000"/>
+                <a:lumOff val="35000"/>
+              </a:schemeClr>
+            </a:solidFill>
+            <a:ln>
+              <a:noFill/>
+            </a:ln>
+          </p:spPr>
+          <p:style>
+            <a:lnRef idx="2">
+              <a:schemeClr val="accent1">
+                <a:shade val="50000"/>
+              </a:schemeClr>
+            </a:lnRef>
+            <a:fillRef idx="1">
+              <a:schemeClr val="accent1"/>
+            </a:fillRef>
+            <a:effectRef idx="0">
+              <a:schemeClr val="accent1"/>
+            </a:effectRef>
+            <a:fontRef idx="minor">
+              <a:schemeClr val="lt1"/>
+            </a:fontRef>
+          </p:style>
+          <p:txBody>
+            <a:bodyPr rtlCol="0" anchor="ctr"/>
+            <a:lstStyle/>
+            <a:p>
+              <a:pPr algn="ctr"/>
+              <a:endParaRPr lang="ko-KR" altLang="en-US"/>
+            </a:p>
+          </p:txBody>
+        </p:sp>
+        <p:sp>
+          <p:nvSpPr>
+            <p:cNvPr id="30" name="타원 29">
+              <a:extLst>
+                <a:ext uri="{FF2B5EF4-FFF2-40B4-BE49-F238E27FC236}">
+                  <a16:creationId xmlns:a16="http://schemas.microsoft.com/office/drawing/2014/main" id="{C46557B9-CC12-487D-A0EA-5BB155CF10CE}"/>
+                </a:ext>
+              </a:extLst>
+            </p:cNvPr>
+            <p:cNvSpPr/>
+            <p:nvPr/>
+          </p:nvSpPr>
+          <p:spPr>
+            <a:xfrm>
+              <a:off x="11861799" y="3483459"/>
+              <a:ext cx="101602" cy="101601"/>
+            </a:xfrm>
+            <a:prstGeom prst="roundRect">
+              <a:avLst/>
+            </a:prstGeom>
+            <a:solidFill>
+              <a:schemeClr val="tx1">
+                <a:lumMod val="65000"/>
+                <a:lumOff val="35000"/>
+              </a:schemeClr>
+            </a:solidFill>
+            <a:ln>
+              <a:noFill/>
+            </a:ln>
+          </p:spPr>
+          <p:style>
+            <a:lnRef idx="2">
+              <a:schemeClr val="accent1">
+                <a:shade val="50000"/>
+              </a:schemeClr>
+            </a:lnRef>
+            <a:fillRef idx="1">
+              <a:schemeClr val="accent1"/>
+            </a:fillRef>
+            <a:effectRef idx="0">
+              <a:schemeClr val="accent1"/>
+            </a:effectRef>
+            <a:fontRef idx="minor">
+              <a:schemeClr val="lt1"/>
+            </a:fontRef>
+          </p:style>
+          <p:txBody>
+            <a:bodyPr rtlCol="0" anchor="ctr"/>
+            <a:lstStyle/>
+            <a:p>
+              <a:pPr algn="ctr"/>
+              <a:endParaRPr lang="ko-KR" altLang="en-US"/>
+            </a:p>
+          </p:txBody>
+        </p:sp>
+        <p:sp>
+          <p:nvSpPr>
+            <p:cNvPr id="31" name="타원 30">
+              <a:extLst>
+                <a:ext uri="{FF2B5EF4-FFF2-40B4-BE49-F238E27FC236}">
+                  <a16:creationId xmlns:a16="http://schemas.microsoft.com/office/drawing/2014/main" id="{CAD48EAD-D539-41BD-827F-65448A29B3E7}"/>
+                </a:ext>
+              </a:extLst>
+            </p:cNvPr>
+            <p:cNvSpPr/>
+            <p:nvPr/>
+          </p:nvSpPr>
+          <p:spPr>
+            <a:xfrm>
+              <a:off x="11861799" y="3715881"/>
+              <a:ext cx="101602" cy="101601"/>
+            </a:xfrm>
+            <a:prstGeom prst="roundRect">
+              <a:avLst/>
+            </a:prstGeom>
+            <a:solidFill>
+              <a:schemeClr val="tx1">
+                <a:lumMod val="65000"/>
+                <a:lumOff val="35000"/>
+              </a:schemeClr>
+            </a:solidFill>
+            <a:ln>
+              <a:noFill/>
+            </a:ln>
+          </p:spPr>
+          <p:style>
+            <a:lnRef idx="2">
+              <a:schemeClr val="accent1">
+                <a:shade val="50000"/>
+              </a:schemeClr>
+            </a:lnRef>
+            <a:fillRef idx="1">
+              <a:schemeClr val="accent1"/>
+            </a:fillRef>
+            <a:effectRef idx="0">
+              <a:schemeClr val="accent1"/>
+            </a:effectRef>
+            <a:fontRef idx="minor">
+              <a:schemeClr val="lt1"/>
+            </a:fontRef>
+          </p:style>
+          <p:txBody>
+            <a:bodyPr rtlCol="0" anchor="ctr"/>
+            <a:lstStyle/>
+            <a:p>
+              <a:pPr algn="ctr"/>
+              <a:endParaRPr lang="ko-KR" altLang="en-US"/>
+            </a:p>
+          </p:txBody>
+        </p:sp>
+      </p:grpSp>
+      <p:sp>
+        <p:nvSpPr>
+          <p:cNvPr id="59" name="텍스트 개체 틀 9">
+            <a:extLst>
+              <a:ext uri="{FF2B5EF4-FFF2-40B4-BE49-F238E27FC236}">
+                <a16:creationId xmlns:a16="http://schemas.microsoft.com/office/drawing/2014/main" id="{24DACF00-4650-4587-8067-0A70D73A59DA}"/>
+              </a:ext>
+            </a:extLst>
+          </p:cNvPr>
+          <p:cNvSpPr>
+            <a:spLocks noGrp="1"/>
+          </p:cNvSpPr>
+          <p:nvPr>
+            <p:ph type="body" sz="quarter" idx="13" hasCustomPrompt="1"/>
+          </p:nvPr>
+        </p:nvSpPr>
+        <p:spPr>
+          <a:xfrm>
+            <a:off x="7335536" y="293599"/>
+            <a:ext cx="4562777" cy="161468"/>
+          </a:xfrm>
+        </p:spPr>
+        <p:txBody>
+          <a:bodyPr lIns="0" tIns="0" rIns="0" bIns="0" anchor="b">
+            <a:noAutofit/>
+          </a:bodyPr>
+          <a:lstStyle>
+            <a:lvl1pPr algn="l">
+              <a:lnSpc>
+                <a:spcPct val="120000"/>
+              </a:lnSpc>
+              <a:defRPr lang="ko-KR" altLang="en-US" sz="1100" kern="1200" baseline="0" dirty="0">
+                <a:ln>
+                  <a:solidFill>
+                    <a:schemeClr val="accent1">
+                      <a:alpha val="0"/>
+                    </a:schemeClr>
+                  </a:solidFill>
+                </a:ln>
+                <a:solidFill>
+                  <a:schemeClr val="bg1"/>
+                </a:solidFill>
+                <a:latin typeface="+mn-lt"/>
+                <a:ea typeface="+mn-ea"/>
+                <a:cs typeface="+mn-cs"/>
+              </a:defRPr>
+            </a:lvl1pPr>
+            <a:lvl2pPr>
+              <a:defRPr/>
+            </a:lvl2pPr>
+            <a:lvl3pPr>
+              <a:defRPr/>
+            </a:lvl3pPr>
+            <a:lvl4pPr>
+              <a:defRPr/>
+            </a:lvl4pPr>
+            <a:lvl5pPr>
+              <a:defRPr/>
+            </a:lvl5pPr>
+          </a:lstStyle>
+          <a:p>
+            <a:r>
+              <a:rPr lang="ko-KR" altLang="en-US" sz="1100">
+                <a:solidFill>
+                  <a:schemeClr val="bg1">
+                    <a:alpha val="60000"/>
+                  </a:schemeClr>
+                </a:solidFill>
+              </a:rPr>
+              <a:t>기획의도 </a:t>
+            </a:r>
+            <a:r>
+              <a:rPr lang="en-US" altLang="ko-KR" sz="1100"/>
+              <a:t>	                    </a:t>
+            </a:r>
+            <a:r>
+              <a:rPr lang="ko-KR" altLang="en-US" sz="1100" err="1"/>
+              <a:t>사이트구현</a:t>
+            </a:r>
+            <a:r>
+              <a:rPr lang="ko-KR" altLang="en-US" sz="1100"/>
+              <a:t>                      </a:t>
+            </a:r>
+            <a:r>
+              <a:rPr lang="ko-KR" altLang="en-US" sz="1100">
+                <a:solidFill>
+                  <a:schemeClr val="bg1">
+                    <a:alpha val="60000"/>
+                  </a:schemeClr>
+                </a:solidFill>
+              </a:rPr>
+              <a:t>향후개발방향</a:t>
+            </a:r>
+            <a:endParaRPr lang="en-US" altLang="ko-KR" sz="1100">
+              <a:solidFill>
+                <a:schemeClr val="bg1">
+                  <a:alpha val="60000"/>
+                </a:schemeClr>
+              </a:solidFill>
+            </a:endParaRPr>
+          </a:p>
+        </p:txBody>
+      </p:sp>
+      <p:sp>
+        <p:nvSpPr>
+          <p:cNvPr id="18" name="제목 16">
+            <a:extLst>
+              <a:ext uri="{FF2B5EF4-FFF2-40B4-BE49-F238E27FC236}">
+                <a16:creationId xmlns:a16="http://schemas.microsoft.com/office/drawing/2014/main" id="{538766AC-5FB7-41CD-BE08-06DE8DBE4BB2}"/>
+              </a:ext>
+            </a:extLst>
+          </p:cNvPr>
+          <p:cNvSpPr txBox="1">
+            <a:spLocks/>
+          </p:cNvSpPr>
+          <p:nvPr/>
+        </p:nvSpPr>
+        <p:spPr>
+          <a:xfrm>
+            <a:off x="5879445" y="1899282"/>
+            <a:ext cx="5409877" cy="511062"/>
+          </a:xfrm>
+          <a:prstGeom prst="rect">
+            <a:avLst/>
+          </a:prstGeom>
+          <a:solidFill>
+            <a:srgbClr val="262626"/>
+          </a:solidFill>
+        </p:spPr>
+        <p:txBody>
+          <a:bodyPr vert="horz" lIns="0" tIns="0" rIns="0" bIns="0" rtlCol="0" anchor="ctr">
+            <a:noAutofit/>
+          </a:bodyPr>
+          <a:lstStyle>
+            <a:lvl1pPr marL="0" indent="0" algn="l" defTabSz="914400" rtl="0" eaLnBrk="1" latinLnBrk="1" hangingPunct="1">
+              <a:lnSpc>
+                <a:spcPct val="125000"/>
+              </a:lnSpc>
+              <a:spcBef>
+                <a:spcPct val="0"/>
+              </a:spcBef>
+              <a:buFont typeface="Arial" panose="020B0604020202020204" pitchFamily="34" charset="0"/>
+              <a:buNone/>
+              <a:defRPr sz="2800" b="1" kern="1200">
+                <a:ln>
+                  <a:solidFill>
+                    <a:schemeClr val="accent1">
+                      <a:alpha val="0"/>
+                    </a:schemeClr>
+                  </a:solidFill>
+                </a:ln>
+                <a:solidFill>
+                  <a:schemeClr val="bg1"/>
+                </a:solidFill>
+                <a:latin typeface="+mj-lt"/>
+                <a:ea typeface="+mj-ea"/>
+                <a:cs typeface="+mj-cs"/>
+              </a:defRPr>
+            </a:lvl1pPr>
+          </a:lstStyle>
+          <a:p>
+            <a:r>
+              <a:rPr lang="en-US" altLang="ko-KR" sz="1600" dirty="0" smtClean="0">
+                <a:ln>
+                  <a:solidFill>
+                    <a:srgbClr val="4472C4">
+                      <a:alpha val="0"/>
+                    </a:srgbClr>
+                  </a:solidFill>
+                </a:ln>
+                <a:solidFill>
+                  <a:prstClr val="white"/>
+                </a:solidFill>
+              </a:rPr>
+              <a:t>GET, POST </a:t>
+            </a:r>
+            <a:r>
+              <a:rPr lang="ko-KR" altLang="en-US" sz="1600" dirty="0" smtClean="0">
+                <a:ln>
+                  <a:solidFill>
+                    <a:srgbClr val="4472C4">
+                      <a:alpha val="0"/>
+                    </a:srgbClr>
+                  </a:solidFill>
+                </a:ln>
+                <a:solidFill>
+                  <a:prstClr val="white"/>
+                </a:solidFill>
+              </a:rPr>
+              <a:t>와</a:t>
+            </a:r>
+            <a:r>
+              <a:rPr lang="en-US" altLang="ko-KR" sz="1600" dirty="0" smtClean="0">
+                <a:ln>
+                  <a:solidFill>
+                    <a:srgbClr val="4472C4">
+                      <a:alpha val="0"/>
+                    </a:srgbClr>
+                  </a:solidFill>
+                </a:ln>
+                <a:solidFill>
+                  <a:prstClr val="white"/>
+                </a:solidFill>
+              </a:rPr>
+              <a:t> </a:t>
+            </a:r>
+            <a:r>
+              <a:rPr lang="ko-KR" altLang="en-US" sz="1600" dirty="0">
+                <a:ln>
+                  <a:solidFill>
+                    <a:srgbClr val="4472C4">
+                      <a:alpha val="0"/>
+                    </a:srgbClr>
+                  </a:solidFill>
+                </a:ln>
+                <a:solidFill>
+                  <a:prstClr val="white"/>
+                </a:solidFill>
+              </a:rPr>
+              <a:t>같은 상태를 </a:t>
+            </a:r>
+            <a:r>
+              <a:rPr lang="ko-KR" altLang="en-US" sz="1600" dirty="0" smtClean="0">
+                <a:ln>
+                  <a:solidFill>
+                    <a:srgbClr val="4472C4">
+                      <a:alpha val="0"/>
+                    </a:srgbClr>
+                  </a:solidFill>
+                </a:ln>
+                <a:solidFill>
+                  <a:prstClr val="white"/>
+                </a:solidFill>
+              </a:rPr>
+              <a:t>주고받으며 </a:t>
+            </a:r>
+            <a:r>
+              <a:rPr lang="en-US" altLang="ko-KR" sz="1600" dirty="0" smtClean="0">
+                <a:ln>
+                  <a:solidFill>
+                    <a:srgbClr val="4472C4">
+                      <a:alpha val="0"/>
+                    </a:srgbClr>
+                  </a:solidFill>
+                </a:ln>
+                <a:solidFill>
+                  <a:prstClr val="white"/>
+                </a:solidFill>
+              </a:rPr>
+              <a:t>API</a:t>
+            </a:r>
+            <a:r>
+              <a:rPr lang="ko-KR" altLang="en-US" sz="1600" dirty="0" smtClean="0">
+                <a:ln>
+                  <a:solidFill>
+                    <a:srgbClr val="4472C4">
+                      <a:alpha val="0"/>
+                    </a:srgbClr>
+                  </a:solidFill>
+                </a:ln>
+                <a:solidFill>
+                  <a:prstClr val="white"/>
+                </a:solidFill>
+              </a:rPr>
+              <a:t>와 통신하는 것</a:t>
+            </a:r>
+            <a:endParaRPr lang="en-US" altLang="ko-KR" sz="1600" dirty="0">
+              <a:ln>
+                <a:solidFill>
+                  <a:srgbClr val="4472C4">
+                    <a:alpha val="0"/>
+                  </a:srgbClr>
+                </a:solidFill>
+              </a:ln>
+              <a:solidFill>
+                <a:prstClr val="white"/>
+              </a:solidFill>
+            </a:endParaRPr>
+          </a:p>
+        </p:txBody>
+      </p:sp>
+      <p:pic>
+        <p:nvPicPr>
+          <p:cNvPr id="3" name="그림 2"/>
+          <p:cNvPicPr>
+            <a:picLocks noChangeAspect="1"/>
+          </p:cNvPicPr>
+          <p:nvPr/>
+        </p:nvPicPr>
+        <p:blipFill>
+          <a:blip r:embed="rId2"/>
+          <a:stretch>
+            <a:fillRect/>
+          </a:stretch>
+        </p:blipFill>
+        <p:spPr>
+          <a:xfrm>
+            <a:off x="943542" y="1549879"/>
+            <a:ext cx="4569236" cy="4780146"/>
+          </a:xfrm>
+          <a:prstGeom prst="rect">
+            <a:avLst/>
+          </a:prstGeom>
+        </p:spPr>
+      </p:pic>
+      <p:pic>
+        <p:nvPicPr>
+          <p:cNvPr id="19" name="그림 18"/>
+          <p:cNvPicPr>
+            <a:picLocks noChangeAspect="1"/>
+          </p:cNvPicPr>
+          <p:nvPr/>
+        </p:nvPicPr>
+        <p:blipFill>
+          <a:blip r:embed="rId3"/>
+          <a:stretch>
+            <a:fillRect/>
+          </a:stretch>
+        </p:blipFill>
+        <p:spPr>
+          <a:xfrm>
+            <a:off x="6435970" y="4319106"/>
+            <a:ext cx="4411212" cy="1090816"/>
+          </a:xfrm>
+          <a:prstGeom prst="rect">
+            <a:avLst/>
+          </a:prstGeom>
+        </p:spPr>
+      </p:pic>
+    </p:spTree>
+    <p:extLst>
+      <p:ext uri="{BB962C8B-B14F-4D97-AF65-F5344CB8AC3E}">
+        <p14:creationId xmlns:p14="http://schemas.microsoft.com/office/powerpoint/2010/main" val="254204918"/>
+      </p:ext>
+    </p:extLst>
+  </p:cSld>
+  <p:clrMapOvr>
+    <a:masterClrMapping/>
+  </p:clrMapOvr>
+  <p:timing>
+    <p:tnLst>
+      <p:par>
+        <p:cTn id="1" dur="indefinite" restart="never" nodeType="tmRoot"/>
+      </p:par>
+    </p:tnLst>
+  </p:timing>
+</p:sld>
+</file>
+
+<file path=ppt/slides/slide12.xml><?xml version="1.0" encoding="utf-8"?>
+<p:sld xmlns:a="http://schemas.openxmlformats.org/drawingml/2006/main" xmlns:r="http://schemas.openxmlformats.org/officeDocument/2006/relationships" xmlns:p="http://schemas.openxmlformats.org/presentationml/2006/main">
+  <p:cSld>
+    <p:spTree>
+      <p:nvGrpSpPr>
+        <p:cNvPr id="1" name=""/>
+        <p:cNvGrpSpPr/>
+        <p:nvPr/>
+      </p:nvGrpSpPr>
+      <p:grpSpPr>
+        <a:xfrm>
+          <a:off x="0" y="0"/>
+          <a:ext cx="0" cy="0"/>
+          <a:chOff x="0" y="0"/>
+          <a:chExt cx="0" cy="0"/>
+        </a:xfrm>
+      </p:grpSpPr>
+      <p:sp>
+        <p:nvSpPr>
+          <p:cNvPr id="17" name="제목 16">
+            <a:extLst>
+              <a:ext uri="{FF2B5EF4-FFF2-40B4-BE49-F238E27FC236}">
+                <a16:creationId xmlns:a16="http://schemas.microsoft.com/office/drawing/2014/main" id="{538766AC-5FB7-41CD-BE08-06DE8DBE4BB2}"/>
+              </a:ext>
+            </a:extLst>
+          </p:cNvPr>
+          <p:cNvSpPr>
+            <a:spLocks noGrp="1"/>
+          </p:cNvSpPr>
+          <p:nvPr>
+            <p:ph type="title"/>
+          </p:nvPr>
+        </p:nvSpPr>
+        <p:spPr>
+          <a:xfrm>
+            <a:off x="596246" y="661615"/>
+            <a:ext cx="7167362" cy="511062"/>
+          </a:xfrm>
+          <a:solidFill>
+            <a:srgbClr val="262626"/>
+          </a:solidFill>
+        </p:spPr>
+        <p:txBody>
+          <a:bodyPr/>
+          <a:lstStyle/>
+          <a:p>
+            <a:pPr lvl="0"/>
+            <a:r>
+              <a:rPr lang="ko-KR" altLang="en-US" dirty="0" smtClean="0"/>
+              <a:t>카카오 로그인 </a:t>
+            </a:r>
+            <a:r>
+              <a:rPr lang="en-US" altLang="ko-KR" dirty="0" smtClean="0"/>
+              <a:t>REST </a:t>
+            </a:r>
+            <a:r>
+              <a:rPr lang="en-US" altLang="ko-KR" dirty="0"/>
+              <a:t>API</a:t>
+            </a:r>
+            <a:endParaRPr lang="en-US" altLang="ko-KR" sz="2000" dirty="0">
+              <a:ln>
+                <a:solidFill>
+                  <a:srgbClr val="4472C4">
+                    <a:alpha val="0"/>
+                  </a:srgbClr>
+                </a:solidFill>
+              </a:ln>
+              <a:solidFill>
+                <a:prstClr val="white"/>
+              </a:solidFill>
+            </a:endParaRPr>
+          </a:p>
+        </p:txBody>
+      </p:sp>
+      <p:sp>
+        <p:nvSpPr>
+          <p:cNvPr id="20" name="슬라이드 번호 개체 틀 19">
+            <a:extLst>
+              <a:ext uri="{FF2B5EF4-FFF2-40B4-BE49-F238E27FC236}">
+                <a16:creationId xmlns:a16="http://schemas.microsoft.com/office/drawing/2014/main" id="{5D10BEF8-C3D2-456C-86E5-CDB9D8098737}"/>
+              </a:ext>
+            </a:extLst>
+          </p:cNvPr>
+          <p:cNvSpPr>
+            <a:spLocks noGrp="1"/>
+          </p:cNvSpPr>
+          <p:nvPr>
+            <p:ph type="sldNum" sz="quarter" idx="12"/>
+          </p:nvPr>
+        </p:nvSpPr>
+        <p:spPr>
+          <a:xfrm>
+            <a:off x="11515883" y="6535564"/>
+            <a:ext cx="406242" cy="223838"/>
+          </a:xfrm>
+        </p:spPr>
+        <p:txBody>
+          <a:bodyPr/>
+          <a:lstStyle/>
+          <a:p>
+            <a:fld id="{143BF621-4FC3-44DB-97C1-2906C2BBA181}" type="slidenum">
+              <a:rPr lang="en-US" altLang="ko-KR" sz="900" b="1" smtClean="0"/>
+              <a:pPr/>
+              <a:t>12</a:t>
+            </a:fld>
+            <a:endParaRPr lang="en-US" sz="900" b="1"/>
+          </a:p>
+        </p:txBody>
+      </p:sp>
+      <p:sp>
+        <p:nvSpPr>
+          <p:cNvPr id="22" name="텍스트 개체 틀 21">
+            <a:extLst>
+              <a:ext uri="{FF2B5EF4-FFF2-40B4-BE49-F238E27FC236}">
+                <a16:creationId xmlns:a16="http://schemas.microsoft.com/office/drawing/2014/main" id="{39A03912-2C30-4A1E-A949-CCA2FA1B86AF}"/>
+              </a:ext>
+            </a:extLst>
+          </p:cNvPr>
+          <p:cNvSpPr>
+            <a:spLocks noGrp="1"/>
+          </p:cNvSpPr>
+          <p:nvPr>
+            <p:ph type="body" sz="quarter" idx="14"/>
+          </p:nvPr>
+        </p:nvSpPr>
+        <p:spPr>
+          <a:xfrm>
+            <a:off x="632162" y="204825"/>
+            <a:ext cx="2365038" cy="334963"/>
+          </a:xfrm>
+        </p:spPr>
+        <p:txBody>
+          <a:bodyPr/>
+          <a:lstStyle/>
+          <a:p>
+            <a:r>
+              <a:rPr lang="en-US" altLang="ko-KR" sz="1600"/>
+              <a:t> </a:t>
+            </a:r>
+            <a:r>
+              <a:rPr lang="ko-KR" altLang="en-US" sz="1600"/>
+              <a:t>사이트 구현</a:t>
+            </a:r>
+            <a:endParaRPr lang="en-US" altLang="ko-KR" sz="1600"/>
+          </a:p>
+        </p:txBody>
+      </p:sp>
+      <p:cxnSp>
+        <p:nvCxnSpPr>
+          <p:cNvPr id="16" name="직선 연결선 15">
+            <a:extLst>
+              <a:ext uri="{FF2B5EF4-FFF2-40B4-BE49-F238E27FC236}">
+                <a16:creationId xmlns:a16="http://schemas.microsoft.com/office/drawing/2014/main" id="{556817DD-8257-448B-A648-6DCF78476E78}"/>
+              </a:ext>
+            </a:extLst>
+          </p:cNvPr>
+          <p:cNvCxnSpPr>
+            <a:cxnSpLocks/>
+          </p:cNvCxnSpPr>
+          <p:nvPr/>
+        </p:nvCxnSpPr>
+        <p:spPr>
+          <a:xfrm flipV="1">
+            <a:off x="596246" y="1791510"/>
+            <a:ext cx="10999508" cy="1"/>
+          </a:xfrm>
+          <a:prstGeom prst="line">
+            <a:avLst/>
+          </a:prstGeom>
+          <a:ln>
+            <a:solidFill>
+              <a:schemeClr val="bg1">
+                <a:alpha val="12000"/>
+              </a:schemeClr>
+            </a:solidFill>
+          </a:ln>
+        </p:spPr>
+        <p:style>
+          <a:lnRef idx="1">
+            <a:schemeClr val="accent1"/>
+          </a:lnRef>
+          <a:fillRef idx="0">
+            <a:schemeClr val="accent1"/>
+          </a:fillRef>
+          <a:effectRef idx="0">
+            <a:schemeClr val="accent1"/>
+          </a:effectRef>
+          <a:fontRef idx="minor">
+            <a:schemeClr val="tx1"/>
+          </a:fontRef>
+        </p:style>
+      </p:cxnSp>
+      <p:grpSp>
+        <p:nvGrpSpPr>
+          <p:cNvPr id="34" name="그룹 33">
+            <a:extLst>
+              <a:ext uri="{FF2B5EF4-FFF2-40B4-BE49-F238E27FC236}">
+                <a16:creationId xmlns:a16="http://schemas.microsoft.com/office/drawing/2014/main" id="{3CF7C648-1203-46CD-B1B5-FBCCE76BF946}"/>
+              </a:ext>
+            </a:extLst>
+          </p:cNvPr>
+          <p:cNvGrpSpPr/>
+          <p:nvPr/>
+        </p:nvGrpSpPr>
+        <p:grpSpPr>
+          <a:xfrm>
+            <a:off x="11861799" y="3029566"/>
+            <a:ext cx="101602" cy="798867"/>
+            <a:chOff x="11861799" y="3018615"/>
+            <a:chExt cx="101602" cy="798867"/>
+          </a:xfrm>
+        </p:grpSpPr>
+        <p:sp>
+          <p:nvSpPr>
+            <p:cNvPr id="24" name="타원 23">
+              <a:extLst>
+                <a:ext uri="{FF2B5EF4-FFF2-40B4-BE49-F238E27FC236}">
+                  <a16:creationId xmlns:a16="http://schemas.microsoft.com/office/drawing/2014/main" id="{015AF492-935E-4469-A4B0-E0076A79857E}"/>
+                </a:ext>
+              </a:extLst>
+            </p:cNvPr>
+            <p:cNvSpPr/>
+            <p:nvPr/>
+          </p:nvSpPr>
+          <p:spPr>
+            <a:xfrm>
+              <a:off x="11861799" y="3018615"/>
+              <a:ext cx="101602" cy="101601"/>
+            </a:xfrm>
+            <a:prstGeom prst="roundRect">
+              <a:avLst/>
+            </a:prstGeom>
+            <a:solidFill>
+              <a:schemeClr val="bg1"/>
+            </a:solidFill>
+            <a:ln>
+              <a:noFill/>
+            </a:ln>
+          </p:spPr>
+          <p:style>
+            <a:lnRef idx="2">
+              <a:schemeClr val="accent1">
+                <a:shade val="50000"/>
+              </a:schemeClr>
+            </a:lnRef>
+            <a:fillRef idx="1">
+              <a:schemeClr val="accent1"/>
+            </a:fillRef>
+            <a:effectRef idx="0">
+              <a:schemeClr val="accent1"/>
+            </a:effectRef>
+            <a:fontRef idx="minor">
+              <a:schemeClr val="lt1"/>
+            </a:fontRef>
+          </p:style>
+          <p:txBody>
+            <a:bodyPr rtlCol="0" anchor="ctr"/>
+            <a:lstStyle/>
+            <a:p>
+              <a:pPr algn="ctr"/>
+              <a:endParaRPr lang="ko-KR" altLang="en-US"/>
+            </a:p>
+          </p:txBody>
+        </p:sp>
+        <p:sp>
+          <p:nvSpPr>
+            <p:cNvPr id="28" name="타원 27">
+              <a:extLst>
+                <a:ext uri="{FF2B5EF4-FFF2-40B4-BE49-F238E27FC236}">
+                  <a16:creationId xmlns:a16="http://schemas.microsoft.com/office/drawing/2014/main" id="{FF1CB2F4-25B4-4DEE-A3B8-FD46D262F40F}"/>
+                </a:ext>
+              </a:extLst>
+            </p:cNvPr>
+            <p:cNvSpPr/>
+            <p:nvPr/>
+          </p:nvSpPr>
+          <p:spPr>
+            <a:xfrm>
+              <a:off x="11861799" y="3251037"/>
+              <a:ext cx="101602" cy="101601"/>
+            </a:xfrm>
+            <a:prstGeom prst="roundRect">
+              <a:avLst/>
+            </a:prstGeom>
+            <a:solidFill>
+              <a:schemeClr val="tx1">
+                <a:lumMod val="65000"/>
+                <a:lumOff val="35000"/>
+              </a:schemeClr>
+            </a:solidFill>
+            <a:ln>
+              <a:noFill/>
+            </a:ln>
+          </p:spPr>
+          <p:style>
+            <a:lnRef idx="2">
+              <a:schemeClr val="accent1">
+                <a:shade val="50000"/>
+              </a:schemeClr>
+            </a:lnRef>
+            <a:fillRef idx="1">
+              <a:schemeClr val="accent1"/>
+            </a:fillRef>
+            <a:effectRef idx="0">
+              <a:schemeClr val="accent1"/>
+            </a:effectRef>
+            <a:fontRef idx="minor">
+              <a:schemeClr val="lt1"/>
+            </a:fontRef>
+          </p:style>
+          <p:txBody>
+            <a:bodyPr rtlCol="0" anchor="ctr"/>
+            <a:lstStyle/>
+            <a:p>
+              <a:pPr algn="ctr"/>
+              <a:endParaRPr lang="ko-KR" altLang="en-US"/>
+            </a:p>
+          </p:txBody>
+        </p:sp>
+        <p:sp>
+          <p:nvSpPr>
+            <p:cNvPr id="30" name="타원 29">
+              <a:extLst>
+                <a:ext uri="{FF2B5EF4-FFF2-40B4-BE49-F238E27FC236}">
+                  <a16:creationId xmlns:a16="http://schemas.microsoft.com/office/drawing/2014/main" id="{C46557B9-CC12-487D-A0EA-5BB155CF10CE}"/>
+                </a:ext>
+              </a:extLst>
+            </p:cNvPr>
+            <p:cNvSpPr/>
+            <p:nvPr/>
+          </p:nvSpPr>
+          <p:spPr>
+            <a:xfrm>
+              <a:off x="11861799" y="3483459"/>
+              <a:ext cx="101602" cy="101601"/>
+            </a:xfrm>
+            <a:prstGeom prst="roundRect">
+              <a:avLst/>
+            </a:prstGeom>
+            <a:solidFill>
+              <a:schemeClr val="tx1">
+                <a:lumMod val="65000"/>
+                <a:lumOff val="35000"/>
+              </a:schemeClr>
+            </a:solidFill>
+            <a:ln>
+              <a:noFill/>
+            </a:ln>
+          </p:spPr>
+          <p:style>
+            <a:lnRef idx="2">
+              <a:schemeClr val="accent1">
+                <a:shade val="50000"/>
+              </a:schemeClr>
+            </a:lnRef>
+            <a:fillRef idx="1">
+              <a:schemeClr val="accent1"/>
+            </a:fillRef>
+            <a:effectRef idx="0">
+              <a:schemeClr val="accent1"/>
+            </a:effectRef>
+            <a:fontRef idx="minor">
+              <a:schemeClr val="lt1"/>
+            </a:fontRef>
+          </p:style>
+          <p:txBody>
+            <a:bodyPr rtlCol="0" anchor="ctr"/>
+            <a:lstStyle/>
+            <a:p>
+              <a:pPr algn="ctr"/>
+              <a:endParaRPr lang="ko-KR" altLang="en-US"/>
+            </a:p>
+          </p:txBody>
+        </p:sp>
+        <p:sp>
+          <p:nvSpPr>
+            <p:cNvPr id="31" name="타원 30">
+              <a:extLst>
+                <a:ext uri="{FF2B5EF4-FFF2-40B4-BE49-F238E27FC236}">
+                  <a16:creationId xmlns:a16="http://schemas.microsoft.com/office/drawing/2014/main" id="{CAD48EAD-D539-41BD-827F-65448A29B3E7}"/>
+                </a:ext>
+              </a:extLst>
+            </p:cNvPr>
+            <p:cNvSpPr/>
+            <p:nvPr/>
+          </p:nvSpPr>
+          <p:spPr>
+            <a:xfrm>
+              <a:off x="11861799" y="3715881"/>
+              <a:ext cx="101602" cy="101601"/>
+            </a:xfrm>
+            <a:prstGeom prst="roundRect">
+              <a:avLst/>
+            </a:prstGeom>
+            <a:solidFill>
+              <a:schemeClr val="tx1">
+                <a:lumMod val="65000"/>
+                <a:lumOff val="35000"/>
+              </a:schemeClr>
+            </a:solidFill>
+            <a:ln>
+              <a:noFill/>
+            </a:ln>
+          </p:spPr>
+          <p:style>
+            <a:lnRef idx="2">
+              <a:schemeClr val="accent1">
+                <a:shade val="50000"/>
+              </a:schemeClr>
+            </a:lnRef>
+            <a:fillRef idx="1">
+              <a:schemeClr val="accent1"/>
+            </a:fillRef>
+            <a:effectRef idx="0">
+              <a:schemeClr val="accent1"/>
+            </a:effectRef>
+            <a:fontRef idx="minor">
+              <a:schemeClr val="lt1"/>
+            </a:fontRef>
+          </p:style>
+          <p:txBody>
+            <a:bodyPr rtlCol="0" anchor="ctr"/>
+            <a:lstStyle/>
+            <a:p>
+              <a:pPr algn="ctr"/>
+              <a:endParaRPr lang="ko-KR" altLang="en-US"/>
+            </a:p>
+          </p:txBody>
+        </p:sp>
+      </p:grpSp>
+      <p:sp>
+        <p:nvSpPr>
+          <p:cNvPr id="59" name="텍스트 개체 틀 9">
+            <a:extLst>
+              <a:ext uri="{FF2B5EF4-FFF2-40B4-BE49-F238E27FC236}">
+                <a16:creationId xmlns:a16="http://schemas.microsoft.com/office/drawing/2014/main" id="{24DACF00-4650-4587-8067-0A70D73A59DA}"/>
+              </a:ext>
+            </a:extLst>
+          </p:cNvPr>
+          <p:cNvSpPr>
+            <a:spLocks noGrp="1"/>
+          </p:cNvSpPr>
+          <p:nvPr>
+            <p:ph type="body" sz="quarter" idx="13" hasCustomPrompt="1"/>
+          </p:nvPr>
+        </p:nvSpPr>
+        <p:spPr>
+          <a:xfrm>
+            <a:off x="7335536" y="293599"/>
+            <a:ext cx="4562777" cy="161468"/>
+          </a:xfrm>
+        </p:spPr>
+        <p:txBody>
+          <a:bodyPr lIns="0" tIns="0" rIns="0" bIns="0" anchor="b">
+            <a:noAutofit/>
+          </a:bodyPr>
+          <a:lstStyle>
+            <a:lvl1pPr algn="l">
+              <a:lnSpc>
+                <a:spcPct val="120000"/>
+              </a:lnSpc>
+              <a:defRPr lang="ko-KR" altLang="en-US" sz="1100" kern="1200" baseline="0" dirty="0">
+                <a:ln>
+                  <a:solidFill>
+                    <a:schemeClr val="accent1">
+                      <a:alpha val="0"/>
+                    </a:schemeClr>
+                  </a:solidFill>
+                </a:ln>
+                <a:solidFill>
+                  <a:schemeClr val="bg1"/>
+                </a:solidFill>
+                <a:latin typeface="+mn-lt"/>
+                <a:ea typeface="+mn-ea"/>
+                <a:cs typeface="+mn-cs"/>
+              </a:defRPr>
+            </a:lvl1pPr>
+            <a:lvl2pPr>
+              <a:defRPr/>
+            </a:lvl2pPr>
+            <a:lvl3pPr>
+              <a:defRPr/>
+            </a:lvl3pPr>
+            <a:lvl4pPr>
+              <a:defRPr/>
+            </a:lvl4pPr>
+            <a:lvl5pPr>
+              <a:defRPr/>
+            </a:lvl5pPr>
+          </a:lstStyle>
+          <a:p>
+            <a:r>
+              <a:rPr lang="ko-KR" altLang="en-US" sz="1100">
+                <a:solidFill>
+                  <a:schemeClr val="bg1">
+                    <a:alpha val="60000"/>
+                  </a:schemeClr>
+                </a:solidFill>
+              </a:rPr>
+              <a:t>기획의도 </a:t>
+            </a:r>
+            <a:r>
+              <a:rPr lang="en-US" altLang="ko-KR" sz="1100"/>
+              <a:t>	                    </a:t>
+            </a:r>
+            <a:r>
+              <a:rPr lang="ko-KR" altLang="en-US" sz="1100" err="1"/>
+              <a:t>사이트구현</a:t>
+            </a:r>
+            <a:r>
+              <a:rPr lang="ko-KR" altLang="en-US" sz="1100"/>
+              <a:t>                      </a:t>
+            </a:r>
+            <a:r>
+              <a:rPr lang="ko-KR" altLang="en-US" sz="1100">
+                <a:solidFill>
+                  <a:schemeClr val="bg1">
+                    <a:alpha val="60000"/>
+                  </a:schemeClr>
+                </a:solidFill>
+              </a:rPr>
+              <a:t>향후개발방향</a:t>
+            </a:r>
+            <a:endParaRPr lang="en-US" altLang="ko-KR" sz="1100">
+              <a:solidFill>
+                <a:schemeClr val="bg1">
+                  <a:alpha val="60000"/>
+                </a:schemeClr>
+              </a:solidFill>
+            </a:endParaRPr>
+          </a:p>
+        </p:txBody>
+      </p:sp>
+      <p:pic>
+        <p:nvPicPr>
+          <p:cNvPr id="15" name="그림 14"/>
+          <p:cNvPicPr>
+            <a:picLocks noChangeAspect="1"/>
+          </p:cNvPicPr>
+          <p:nvPr/>
+        </p:nvPicPr>
+        <p:blipFill>
+          <a:blip r:embed="rId2"/>
+          <a:stretch>
+            <a:fillRect/>
+          </a:stretch>
+        </p:blipFill>
+        <p:spPr>
+          <a:xfrm>
+            <a:off x="4084002" y="1236494"/>
+            <a:ext cx="4023996" cy="5082276"/>
+          </a:xfrm>
+          <a:prstGeom prst="rect">
+            <a:avLst/>
+          </a:prstGeom>
+        </p:spPr>
+      </p:pic>
+    </p:spTree>
+    <p:extLst>
+      <p:ext uri="{BB962C8B-B14F-4D97-AF65-F5344CB8AC3E}">
+        <p14:creationId xmlns:p14="http://schemas.microsoft.com/office/powerpoint/2010/main" val="2046023342"/>
+      </p:ext>
+    </p:extLst>
+  </p:cSld>
+  <p:clrMapOvr>
+    <a:masterClrMapping/>
+  </p:clrMapOvr>
+  <p:timing>
+    <p:tnLst>
+      <p:par>
+        <p:cTn id="1" dur="indefinite" restart="never" nodeType="tmRoot"/>
+      </p:par>
+    </p:tnLst>
+  </p:timing>
+</p:sld>
+</file>
+
+<file path=ppt/slides/slide13.xml><?xml version="1.0" encoding="utf-8"?>
+<p:sld xmlns:a="http://schemas.openxmlformats.org/drawingml/2006/main" xmlns:r="http://schemas.openxmlformats.org/officeDocument/2006/relationships" xmlns:p="http://schemas.openxmlformats.org/presentationml/2006/main">
+  <p:cSld>
+    <p:spTree>
+      <p:nvGrpSpPr>
+        <p:cNvPr id="1" name=""/>
+        <p:cNvGrpSpPr/>
+        <p:nvPr/>
+      </p:nvGrpSpPr>
+      <p:grpSpPr>
+        <a:xfrm>
+          <a:off x="0" y="0"/>
+          <a:ext cx="0" cy="0"/>
+          <a:chOff x="0" y="0"/>
+          <a:chExt cx="0" cy="0"/>
+        </a:xfrm>
+      </p:grpSpPr>
+      <p:sp>
+        <p:nvSpPr>
+          <p:cNvPr id="17" name="제목 16">
+            <a:extLst>
+              <a:ext uri="{FF2B5EF4-FFF2-40B4-BE49-F238E27FC236}">
+                <a16:creationId xmlns:a16="http://schemas.microsoft.com/office/drawing/2014/main" id="{538766AC-5FB7-41CD-BE08-06DE8DBE4BB2}"/>
+              </a:ext>
+            </a:extLst>
+          </p:cNvPr>
+          <p:cNvSpPr>
+            <a:spLocks noGrp="1"/>
+          </p:cNvSpPr>
+          <p:nvPr>
+            <p:ph type="title"/>
+          </p:nvPr>
+        </p:nvSpPr>
+        <p:spPr>
+          <a:xfrm>
+            <a:off x="596246" y="661615"/>
+            <a:ext cx="10549082" cy="511062"/>
+          </a:xfrm>
+          <a:solidFill>
+            <a:srgbClr val="262626"/>
+          </a:solidFill>
+        </p:spPr>
+        <p:txBody>
+          <a:bodyPr/>
+          <a:lstStyle/>
+          <a:p>
+            <a:r>
+              <a:rPr lang="ko-KR" altLang="en-US" dirty="0" smtClean="0">
+                <a:ln>
+                  <a:solidFill>
+                    <a:srgbClr val="4472C4">
+                      <a:alpha val="0"/>
+                    </a:srgbClr>
+                  </a:solidFill>
+                </a:ln>
+                <a:solidFill>
+                  <a:prstClr val="white"/>
+                </a:solidFill>
+              </a:rPr>
+              <a:t>향후 개발 방향</a:t>
+            </a:r>
+            <a:endParaRPr lang="ko-KR" altLang="en-US" dirty="0">
+              <a:ln>
+                <a:solidFill>
+                  <a:srgbClr val="4472C4">
+                    <a:alpha val="0"/>
+                  </a:srgbClr>
+                </a:solidFill>
+              </a:ln>
+              <a:solidFill>
+                <a:prstClr val="white"/>
+              </a:solidFill>
+            </a:endParaRPr>
+          </a:p>
+        </p:txBody>
+      </p:sp>
+      <p:sp>
+        <p:nvSpPr>
+          <p:cNvPr id="20" name="슬라이드 번호 개체 틀 19">
+            <a:extLst>
+              <a:ext uri="{FF2B5EF4-FFF2-40B4-BE49-F238E27FC236}">
+                <a16:creationId xmlns:a16="http://schemas.microsoft.com/office/drawing/2014/main" id="{5D10BEF8-C3D2-456C-86E5-CDB9D8098737}"/>
+              </a:ext>
+            </a:extLst>
+          </p:cNvPr>
+          <p:cNvSpPr>
+            <a:spLocks noGrp="1"/>
+          </p:cNvSpPr>
+          <p:nvPr>
+            <p:ph type="sldNum" sz="quarter" idx="12"/>
+          </p:nvPr>
+        </p:nvSpPr>
+        <p:spPr>
+          <a:xfrm>
+            <a:off x="11515883" y="6535564"/>
+            <a:ext cx="406242" cy="223838"/>
+          </a:xfrm>
+        </p:spPr>
+        <p:txBody>
+          <a:bodyPr/>
+          <a:lstStyle/>
+          <a:p>
+            <a:fld id="{143BF621-4FC3-44DB-97C1-2906C2BBA181}" type="slidenum">
+              <a:rPr lang="en-US" altLang="ko-KR" sz="900" b="1" smtClean="0"/>
+              <a:pPr/>
+              <a:t>13</a:t>
+            </a:fld>
+            <a:endParaRPr lang="en-US" sz="900" b="1"/>
+          </a:p>
+        </p:txBody>
+      </p:sp>
+      <p:sp>
+        <p:nvSpPr>
+          <p:cNvPr id="22" name="텍스트 개체 틀 21">
+            <a:extLst>
+              <a:ext uri="{FF2B5EF4-FFF2-40B4-BE49-F238E27FC236}">
+                <a16:creationId xmlns:a16="http://schemas.microsoft.com/office/drawing/2014/main" id="{39A03912-2C30-4A1E-A949-CCA2FA1B86AF}"/>
+              </a:ext>
+            </a:extLst>
+          </p:cNvPr>
+          <p:cNvSpPr>
+            <a:spLocks noGrp="1"/>
+          </p:cNvSpPr>
+          <p:nvPr>
+            <p:ph type="body" sz="quarter" idx="14"/>
+          </p:nvPr>
+        </p:nvSpPr>
+        <p:spPr>
+          <a:xfrm>
+            <a:off x="632162" y="204825"/>
+            <a:ext cx="2365038" cy="334963"/>
+          </a:xfrm>
+        </p:spPr>
+        <p:txBody>
+          <a:bodyPr/>
+          <a:lstStyle/>
+          <a:p>
+            <a:r>
+              <a:rPr lang="en-US" altLang="ko-KR" sz="1600" dirty="0"/>
+              <a:t> </a:t>
+            </a:r>
+            <a:r>
+              <a:rPr lang="ko-KR" altLang="en-US" sz="1600" dirty="0" smtClean="0"/>
+              <a:t>향후 개발 방향</a:t>
+            </a:r>
+            <a:endParaRPr lang="en-US" altLang="ko-KR" sz="1600" dirty="0"/>
+          </a:p>
+        </p:txBody>
+      </p:sp>
+      <p:cxnSp>
+        <p:nvCxnSpPr>
+          <p:cNvPr id="16" name="직선 연결선 15">
+            <a:extLst>
+              <a:ext uri="{FF2B5EF4-FFF2-40B4-BE49-F238E27FC236}">
+                <a16:creationId xmlns:a16="http://schemas.microsoft.com/office/drawing/2014/main" id="{556817DD-8257-448B-A648-6DCF78476E78}"/>
+              </a:ext>
+            </a:extLst>
+          </p:cNvPr>
+          <p:cNvCxnSpPr>
+            <a:cxnSpLocks/>
+          </p:cNvCxnSpPr>
+          <p:nvPr/>
+        </p:nvCxnSpPr>
+        <p:spPr>
+          <a:xfrm flipV="1">
+            <a:off x="555626" y="1294504"/>
+            <a:ext cx="10999508" cy="1"/>
+          </a:xfrm>
+          <a:prstGeom prst="line">
+            <a:avLst/>
+          </a:prstGeom>
+          <a:ln>
+            <a:solidFill>
+              <a:schemeClr val="bg1">
+                <a:alpha val="12000"/>
+              </a:schemeClr>
+            </a:solidFill>
+          </a:ln>
+        </p:spPr>
+        <p:style>
+          <a:lnRef idx="1">
+            <a:schemeClr val="accent1"/>
+          </a:lnRef>
+          <a:fillRef idx="0">
+            <a:schemeClr val="accent1"/>
+          </a:fillRef>
+          <a:effectRef idx="0">
+            <a:schemeClr val="accent1"/>
+          </a:effectRef>
+          <a:fontRef idx="minor">
+            <a:schemeClr val="tx1"/>
+          </a:fontRef>
+        </p:style>
+      </p:cxnSp>
+      <p:grpSp>
+        <p:nvGrpSpPr>
+          <p:cNvPr id="34" name="그룹 33">
+            <a:extLst>
+              <a:ext uri="{FF2B5EF4-FFF2-40B4-BE49-F238E27FC236}">
+                <a16:creationId xmlns:a16="http://schemas.microsoft.com/office/drawing/2014/main" id="{3CF7C648-1203-46CD-B1B5-FBCCE76BF946}"/>
+              </a:ext>
+            </a:extLst>
+          </p:cNvPr>
+          <p:cNvGrpSpPr/>
+          <p:nvPr/>
+        </p:nvGrpSpPr>
+        <p:grpSpPr>
+          <a:xfrm>
+            <a:off x="11861799" y="3029566"/>
+            <a:ext cx="101602" cy="798867"/>
+            <a:chOff x="11861799" y="3018615"/>
+            <a:chExt cx="101602" cy="798867"/>
+          </a:xfrm>
+        </p:grpSpPr>
+        <p:sp>
+          <p:nvSpPr>
+            <p:cNvPr id="24" name="타원 23">
+              <a:extLst>
+                <a:ext uri="{FF2B5EF4-FFF2-40B4-BE49-F238E27FC236}">
+                  <a16:creationId xmlns:a16="http://schemas.microsoft.com/office/drawing/2014/main" id="{015AF492-935E-4469-A4B0-E0076A79857E}"/>
+                </a:ext>
+              </a:extLst>
+            </p:cNvPr>
+            <p:cNvSpPr/>
+            <p:nvPr/>
+          </p:nvSpPr>
+          <p:spPr>
+            <a:xfrm>
+              <a:off x="11861799" y="3018615"/>
+              <a:ext cx="101602" cy="101601"/>
+            </a:xfrm>
+            <a:prstGeom prst="roundRect">
+              <a:avLst/>
+            </a:prstGeom>
+            <a:solidFill>
+              <a:schemeClr val="bg1"/>
+            </a:solidFill>
+            <a:ln>
+              <a:noFill/>
+            </a:ln>
+          </p:spPr>
+          <p:style>
+            <a:lnRef idx="2">
+              <a:schemeClr val="accent1">
+                <a:shade val="50000"/>
+              </a:schemeClr>
+            </a:lnRef>
+            <a:fillRef idx="1">
+              <a:schemeClr val="accent1"/>
+            </a:fillRef>
+            <a:effectRef idx="0">
+              <a:schemeClr val="accent1"/>
+            </a:effectRef>
+            <a:fontRef idx="minor">
+              <a:schemeClr val="lt1"/>
+            </a:fontRef>
+          </p:style>
+          <p:txBody>
+            <a:bodyPr rtlCol="0" anchor="ctr"/>
+            <a:lstStyle/>
+            <a:p>
+              <a:pPr algn="ctr"/>
+              <a:endParaRPr lang="ko-KR" altLang="en-US"/>
+            </a:p>
+          </p:txBody>
+        </p:sp>
+        <p:sp>
+          <p:nvSpPr>
+            <p:cNvPr id="28" name="타원 27">
+              <a:extLst>
+                <a:ext uri="{FF2B5EF4-FFF2-40B4-BE49-F238E27FC236}">
+                  <a16:creationId xmlns:a16="http://schemas.microsoft.com/office/drawing/2014/main" id="{FF1CB2F4-25B4-4DEE-A3B8-FD46D262F40F}"/>
+                </a:ext>
+              </a:extLst>
+            </p:cNvPr>
+            <p:cNvSpPr/>
+            <p:nvPr/>
+          </p:nvSpPr>
+          <p:spPr>
+            <a:xfrm>
+              <a:off x="11861799" y="3251037"/>
+              <a:ext cx="101602" cy="101601"/>
+            </a:xfrm>
+            <a:prstGeom prst="roundRect">
+              <a:avLst/>
+            </a:prstGeom>
+            <a:solidFill>
+              <a:schemeClr val="tx1">
+                <a:lumMod val="65000"/>
+                <a:lumOff val="35000"/>
+              </a:schemeClr>
+            </a:solidFill>
+            <a:ln>
+              <a:noFill/>
+            </a:ln>
+          </p:spPr>
+          <p:style>
+            <a:lnRef idx="2">
+              <a:schemeClr val="accent1">
+                <a:shade val="50000"/>
+              </a:schemeClr>
+            </a:lnRef>
+            <a:fillRef idx="1">
+              <a:schemeClr val="accent1"/>
+            </a:fillRef>
+            <a:effectRef idx="0">
+              <a:schemeClr val="accent1"/>
+            </a:effectRef>
+            <a:fontRef idx="minor">
+              <a:schemeClr val="lt1"/>
+            </a:fontRef>
+          </p:style>
+          <p:txBody>
+            <a:bodyPr rtlCol="0" anchor="ctr"/>
+            <a:lstStyle/>
+            <a:p>
+              <a:pPr algn="ctr"/>
+              <a:endParaRPr lang="ko-KR" altLang="en-US"/>
+            </a:p>
+          </p:txBody>
+        </p:sp>
+        <p:sp>
+          <p:nvSpPr>
+            <p:cNvPr id="30" name="타원 29">
+              <a:extLst>
+                <a:ext uri="{FF2B5EF4-FFF2-40B4-BE49-F238E27FC236}">
+                  <a16:creationId xmlns:a16="http://schemas.microsoft.com/office/drawing/2014/main" id="{C46557B9-CC12-487D-A0EA-5BB155CF10CE}"/>
+                </a:ext>
+              </a:extLst>
+            </p:cNvPr>
+            <p:cNvSpPr/>
+            <p:nvPr/>
+          </p:nvSpPr>
+          <p:spPr>
+            <a:xfrm>
+              <a:off x="11861799" y="3483459"/>
+              <a:ext cx="101602" cy="101601"/>
+            </a:xfrm>
+            <a:prstGeom prst="roundRect">
+              <a:avLst/>
+            </a:prstGeom>
+            <a:solidFill>
+              <a:schemeClr val="tx1">
+                <a:lumMod val="65000"/>
+                <a:lumOff val="35000"/>
+              </a:schemeClr>
+            </a:solidFill>
+            <a:ln>
+              <a:noFill/>
+            </a:ln>
+          </p:spPr>
+          <p:style>
+            <a:lnRef idx="2">
+              <a:schemeClr val="accent1">
+                <a:shade val="50000"/>
+              </a:schemeClr>
+            </a:lnRef>
+            <a:fillRef idx="1">
+              <a:schemeClr val="accent1"/>
+            </a:fillRef>
+            <a:effectRef idx="0">
+              <a:schemeClr val="accent1"/>
+            </a:effectRef>
+            <a:fontRef idx="minor">
+              <a:schemeClr val="lt1"/>
+            </a:fontRef>
+          </p:style>
+          <p:txBody>
+            <a:bodyPr rtlCol="0" anchor="ctr"/>
+            <a:lstStyle/>
+            <a:p>
+              <a:pPr algn="ctr"/>
+              <a:endParaRPr lang="ko-KR" altLang="en-US"/>
+            </a:p>
+          </p:txBody>
+        </p:sp>
+        <p:sp>
+          <p:nvSpPr>
+            <p:cNvPr id="31" name="타원 30">
+              <a:extLst>
+                <a:ext uri="{FF2B5EF4-FFF2-40B4-BE49-F238E27FC236}">
+                  <a16:creationId xmlns:a16="http://schemas.microsoft.com/office/drawing/2014/main" id="{CAD48EAD-D539-41BD-827F-65448A29B3E7}"/>
+                </a:ext>
+              </a:extLst>
+            </p:cNvPr>
+            <p:cNvSpPr/>
+            <p:nvPr/>
+          </p:nvSpPr>
+          <p:spPr>
+            <a:xfrm>
+              <a:off x="11861799" y="3715881"/>
+              <a:ext cx="101602" cy="101601"/>
+            </a:xfrm>
+            <a:prstGeom prst="roundRect">
+              <a:avLst/>
+            </a:prstGeom>
+            <a:solidFill>
+              <a:schemeClr val="tx1">
+                <a:lumMod val="65000"/>
+                <a:lumOff val="35000"/>
+              </a:schemeClr>
+            </a:solidFill>
+            <a:ln>
+              <a:noFill/>
+            </a:ln>
+          </p:spPr>
+          <p:style>
+            <a:lnRef idx="2">
+              <a:schemeClr val="accent1">
+                <a:shade val="50000"/>
+              </a:schemeClr>
+            </a:lnRef>
+            <a:fillRef idx="1">
+              <a:schemeClr val="accent1"/>
+            </a:fillRef>
+            <a:effectRef idx="0">
+              <a:schemeClr val="accent1"/>
+            </a:effectRef>
+            <a:fontRef idx="minor">
+              <a:schemeClr val="lt1"/>
+            </a:fontRef>
+          </p:style>
+          <p:txBody>
+            <a:bodyPr rtlCol="0" anchor="ctr"/>
+            <a:lstStyle/>
+            <a:p>
+              <a:pPr algn="ctr"/>
+              <a:endParaRPr lang="ko-KR" altLang="en-US"/>
+            </a:p>
+          </p:txBody>
+        </p:sp>
+      </p:grpSp>
+      <p:sp>
+        <p:nvSpPr>
+          <p:cNvPr id="59" name="텍스트 개체 틀 9">
+            <a:extLst>
+              <a:ext uri="{FF2B5EF4-FFF2-40B4-BE49-F238E27FC236}">
+                <a16:creationId xmlns:a16="http://schemas.microsoft.com/office/drawing/2014/main" id="{24DACF00-4650-4587-8067-0A70D73A59DA}"/>
+              </a:ext>
+            </a:extLst>
+          </p:cNvPr>
+          <p:cNvSpPr>
+            <a:spLocks noGrp="1"/>
+          </p:cNvSpPr>
+          <p:nvPr>
+            <p:ph type="body" sz="quarter" idx="13" hasCustomPrompt="1"/>
+          </p:nvPr>
+        </p:nvSpPr>
+        <p:spPr>
+          <a:xfrm>
+            <a:off x="7335536" y="293599"/>
+            <a:ext cx="4562777" cy="161468"/>
+          </a:xfrm>
+        </p:spPr>
+        <p:txBody>
+          <a:bodyPr lIns="0" tIns="0" rIns="0" bIns="0" anchor="b">
+            <a:noAutofit/>
+          </a:bodyPr>
+          <a:lstStyle>
+            <a:lvl1pPr algn="l">
+              <a:lnSpc>
+                <a:spcPct val="120000"/>
+              </a:lnSpc>
+              <a:defRPr lang="ko-KR" altLang="en-US" sz="1100" kern="1200" baseline="0" dirty="0">
+                <a:ln>
+                  <a:solidFill>
+                    <a:schemeClr val="accent1">
+                      <a:alpha val="0"/>
+                    </a:schemeClr>
+                  </a:solidFill>
+                </a:ln>
+                <a:solidFill>
+                  <a:schemeClr val="bg1"/>
+                </a:solidFill>
+                <a:latin typeface="+mn-lt"/>
+                <a:ea typeface="+mn-ea"/>
+                <a:cs typeface="+mn-cs"/>
+              </a:defRPr>
+            </a:lvl1pPr>
+            <a:lvl2pPr>
+              <a:defRPr/>
+            </a:lvl2pPr>
+            <a:lvl3pPr>
+              <a:defRPr/>
+            </a:lvl3pPr>
+            <a:lvl4pPr>
+              <a:defRPr/>
+            </a:lvl4pPr>
+            <a:lvl5pPr>
+              <a:defRPr/>
+            </a:lvl5pPr>
+          </a:lstStyle>
+          <a:p>
+            <a:r>
+              <a:rPr lang="ko-KR" altLang="en-US" sz="1100" dirty="0">
+                <a:solidFill>
+                  <a:schemeClr val="bg1">
+                    <a:alpha val="60000"/>
+                  </a:schemeClr>
+                </a:solidFill>
+              </a:rPr>
+              <a:t>기획의도 </a:t>
+            </a:r>
+            <a:r>
+              <a:rPr lang="en-US" altLang="ko-KR" sz="1100" dirty="0"/>
+              <a:t>	 </a:t>
+            </a:r>
+            <a:r>
+              <a:rPr lang="en-US" altLang="ko-KR" sz="1100" dirty="0" smtClean="0"/>
+              <a:t>                   </a:t>
+            </a:r>
+            <a:r>
+              <a:rPr lang="ko-KR" altLang="en-US" dirty="0" err="1" smtClean="0">
+                <a:solidFill>
+                  <a:schemeClr val="bg1">
+                    <a:alpha val="60000"/>
+                  </a:schemeClr>
+                </a:solidFill>
+              </a:rPr>
+              <a:t>사이트구현</a:t>
+            </a:r>
+            <a:r>
+              <a:rPr lang="ko-KR" altLang="en-US" sz="1100" dirty="0" smtClean="0"/>
+              <a:t>                      </a:t>
+            </a:r>
+            <a:r>
+              <a:rPr lang="ko-KR" altLang="en-US" dirty="0" smtClean="0"/>
+              <a:t>향후개발방향</a:t>
+            </a:r>
+            <a:endParaRPr lang="en-US" altLang="ko-KR" sz="1100" dirty="0">
+              <a:solidFill>
+                <a:schemeClr val="bg1">
+                  <a:alpha val="60000"/>
+                </a:schemeClr>
+              </a:solidFill>
+            </a:endParaRPr>
+          </a:p>
+        </p:txBody>
+      </p:sp>
+      <p:sp>
+        <p:nvSpPr>
+          <p:cNvPr id="35" name="TextBox 34"/>
+          <p:cNvSpPr txBox="1"/>
+          <p:nvPr/>
+        </p:nvSpPr>
+        <p:spPr>
+          <a:xfrm>
+            <a:off x="555626" y="1487611"/>
+            <a:ext cx="4860436" cy="369332"/>
+          </a:xfrm>
+          <a:prstGeom prst="rect">
+            <a:avLst/>
+          </a:prstGeom>
+          <a:noFill/>
+        </p:spPr>
+        <p:txBody>
+          <a:bodyPr wrap="square" lIns="91440" tIns="45720" rIns="91440" bIns="45720" rtlCol="0" anchor="t">
+            <a:spAutoFit/>
+          </a:bodyPr>
+          <a:lstStyle/>
+          <a:p>
+            <a:r>
+              <a:rPr lang="ko-KR" altLang="en-US" dirty="0" smtClean="0">
+                <a:solidFill>
+                  <a:schemeClr val="bg1"/>
+                </a:solidFill>
+              </a:rPr>
+              <a:t>기능 구현</a:t>
+            </a:r>
+            <a:endParaRPr lang="ko-KR" dirty="0">
+              <a:solidFill>
+                <a:schemeClr val="bg1"/>
+              </a:solidFill>
+            </a:endParaRPr>
+          </a:p>
+        </p:txBody>
+      </p:sp>
+      <p:cxnSp>
+        <p:nvCxnSpPr>
+          <p:cNvPr id="37" name="직선 연결선 36">
+            <a:extLst>
+              <a:ext uri="{FF2B5EF4-FFF2-40B4-BE49-F238E27FC236}">
+                <a16:creationId xmlns:a16="http://schemas.microsoft.com/office/drawing/2014/main" id="{4488BF5F-F8C9-4AD5-8F0A-BFC9B411F828}"/>
+              </a:ext>
+            </a:extLst>
+          </p:cNvPr>
+          <p:cNvCxnSpPr/>
+          <p:nvPr/>
+        </p:nvCxnSpPr>
+        <p:spPr>
+          <a:xfrm>
+            <a:off x="632162" y="1862972"/>
+            <a:ext cx="4124476" cy="0"/>
+          </a:xfrm>
+          <a:prstGeom prst="line">
+            <a:avLst/>
+          </a:prstGeom>
+          <a:ln w="19050">
+            <a:solidFill>
+              <a:schemeClr val="bg1">
+                <a:alpha val="22000"/>
+              </a:schemeClr>
+            </a:solidFill>
+          </a:ln>
+        </p:spPr>
+        <p:style>
+          <a:lnRef idx="1">
+            <a:schemeClr val="accent1"/>
+          </a:lnRef>
+          <a:fillRef idx="0">
+            <a:schemeClr val="accent1"/>
+          </a:fillRef>
+          <a:effectRef idx="0">
+            <a:schemeClr val="accent1"/>
+          </a:effectRef>
+          <a:fontRef idx="minor">
+            <a:schemeClr val="tx1"/>
+          </a:fontRef>
+        </p:style>
+      </p:cxnSp>
+      <p:sp>
+        <p:nvSpPr>
+          <p:cNvPr id="25" name="TextBox 24"/>
+          <p:cNvSpPr txBox="1"/>
+          <p:nvPr/>
+        </p:nvSpPr>
+        <p:spPr>
+          <a:xfrm>
+            <a:off x="7001363" y="3643767"/>
+            <a:ext cx="4860436" cy="369332"/>
+          </a:xfrm>
+          <a:prstGeom prst="rect">
+            <a:avLst/>
+          </a:prstGeom>
+          <a:noFill/>
+        </p:spPr>
+        <p:txBody>
+          <a:bodyPr wrap="square" lIns="91440" tIns="45720" rIns="91440" bIns="45720" rtlCol="0" anchor="t">
+            <a:spAutoFit/>
+          </a:bodyPr>
+          <a:lstStyle/>
+          <a:p>
+            <a:r>
+              <a:rPr lang="ko-KR" altLang="en-US" dirty="0">
+                <a:solidFill>
+                  <a:schemeClr val="bg1"/>
+                </a:solidFill>
+              </a:rPr>
+              <a:t>서브 및 상세 페이지 구현</a:t>
+            </a:r>
+            <a:endParaRPr lang="ko-KR" altLang="ko-KR" dirty="0">
+              <a:solidFill>
+                <a:schemeClr val="bg1"/>
+              </a:solidFill>
+            </a:endParaRPr>
+          </a:p>
+        </p:txBody>
+      </p:sp>
+      <p:cxnSp>
+        <p:nvCxnSpPr>
+          <p:cNvPr id="26" name="직선 연결선 25">
+            <a:extLst>
+              <a:ext uri="{FF2B5EF4-FFF2-40B4-BE49-F238E27FC236}">
+                <a16:creationId xmlns:a16="http://schemas.microsoft.com/office/drawing/2014/main" id="{4488BF5F-F8C9-4AD5-8F0A-BFC9B411F828}"/>
+              </a:ext>
+            </a:extLst>
+          </p:cNvPr>
+          <p:cNvCxnSpPr/>
+          <p:nvPr/>
+        </p:nvCxnSpPr>
+        <p:spPr>
+          <a:xfrm>
+            <a:off x="7077899" y="4060855"/>
+            <a:ext cx="4124476" cy="0"/>
+          </a:xfrm>
+          <a:prstGeom prst="line">
+            <a:avLst/>
+          </a:prstGeom>
+          <a:ln w="19050">
+            <a:solidFill>
+              <a:schemeClr val="bg1">
+                <a:alpha val="22000"/>
+              </a:schemeClr>
+            </a:solidFill>
+          </a:ln>
+        </p:spPr>
+        <p:style>
+          <a:lnRef idx="1">
+            <a:schemeClr val="accent1"/>
+          </a:lnRef>
+          <a:fillRef idx="0">
+            <a:schemeClr val="accent1"/>
+          </a:fillRef>
+          <a:effectRef idx="0">
+            <a:schemeClr val="accent1"/>
+          </a:effectRef>
+          <a:fontRef idx="minor">
+            <a:schemeClr val="tx1"/>
+          </a:fontRef>
+        </p:style>
+      </p:cxnSp>
+      <p:sp>
+        <p:nvSpPr>
+          <p:cNvPr id="27" name="TextBox 26"/>
+          <p:cNvSpPr txBox="1"/>
+          <p:nvPr/>
+        </p:nvSpPr>
+        <p:spPr>
+          <a:xfrm>
+            <a:off x="555626" y="1962004"/>
+            <a:ext cx="4288936" cy="2308324"/>
+          </a:xfrm>
+          <a:prstGeom prst="rect">
+            <a:avLst/>
+          </a:prstGeom>
+          <a:noFill/>
+        </p:spPr>
+        <p:txBody>
+          <a:bodyPr wrap="square" lIns="91440" tIns="45720" rIns="91440" bIns="45720" rtlCol="0" anchor="t">
+            <a:spAutoFit/>
+          </a:bodyPr>
+          <a:lstStyle/>
+          <a:p>
+            <a:r>
+              <a:rPr lang="ko-KR" altLang="en-US" dirty="0" smtClean="0">
+                <a:solidFill>
+                  <a:schemeClr val="bg1"/>
+                </a:solidFill>
+              </a:rPr>
+              <a:t>페이지 로그인</a:t>
+            </a:r>
+            <a:r>
+              <a:rPr lang="en-US" altLang="ko-KR" dirty="0" smtClean="0">
+                <a:solidFill>
+                  <a:schemeClr val="bg1"/>
+                </a:solidFill>
+              </a:rPr>
+              <a:t>, </a:t>
+            </a:r>
+            <a:r>
+              <a:rPr lang="ko-KR" altLang="en-US" dirty="0" smtClean="0">
+                <a:solidFill>
+                  <a:schemeClr val="bg1"/>
+                </a:solidFill>
+              </a:rPr>
+              <a:t>카카오 로그인 연동</a:t>
+            </a:r>
+            <a:endParaRPr lang="en-US" altLang="ko-KR" dirty="0" smtClean="0">
+              <a:solidFill>
+                <a:schemeClr val="bg1"/>
+              </a:solidFill>
+            </a:endParaRPr>
+          </a:p>
+          <a:p>
+            <a:endParaRPr lang="en-US" altLang="ko-KR" dirty="0">
+              <a:solidFill>
+                <a:schemeClr val="bg1"/>
+              </a:solidFill>
+            </a:endParaRPr>
+          </a:p>
+          <a:p>
+            <a:r>
+              <a:rPr lang="ko-KR" altLang="en-US" dirty="0" smtClean="0">
+                <a:solidFill>
+                  <a:schemeClr val="bg1"/>
+                </a:solidFill>
+              </a:rPr>
+              <a:t>로그아웃</a:t>
+            </a:r>
+            <a:r>
+              <a:rPr lang="en-US" altLang="ko-KR" dirty="0" smtClean="0">
+                <a:solidFill>
+                  <a:schemeClr val="bg1"/>
+                </a:solidFill>
+              </a:rPr>
+              <a:t>, </a:t>
+            </a:r>
+          </a:p>
+          <a:p>
+            <a:r>
+              <a:rPr lang="ko-KR" altLang="en-US" dirty="0" smtClean="0">
+                <a:solidFill>
+                  <a:schemeClr val="bg1"/>
+                </a:solidFill>
+              </a:rPr>
+              <a:t>카카오와 함께 로그아웃 기능 구현</a:t>
+            </a:r>
+            <a:endParaRPr lang="en-US" altLang="ko-KR" dirty="0" smtClean="0">
+              <a:solidFill>
+                <a:schemeClr val="bg1"/>
+              </a:solidFill>
+            </a:endParaRPr>
+          </a:p>
+          <a:p>
+            <a:endParaRPr lang="en-US" altLang="ko-KR" dirty="0">
+              <a:solidFill>
+                <a:schemeClr val="bg1"/>
+              </a:solidFill>
+            </a:endParaRPr>
+          </a:p>
+          <a:p>
+            <a:r>
+              <a:rPr lang="ko-KR" altLang="en-US" dirty="0" smtClean="0">
+                <a:solidFill>
+                  <a:schemeClr val="bg1"/>
+                </a:solidFill>
+              </a:rPr>
+              <a:t>위시리스트 추가 기능 구현</a:t>
+            </a:r>
+            <a:endParaRPr lang="en-US" altLang="ko-KR" dirty="0" smtClean="0">
+              <a:solidFill>
+                <a:schemeClr val="bg1"/>
+              </a:solidFill>
+            </a:endParaRPr>
+          </a:p>
+          <a:p>
+            <a:endParaRPr lang="en-US" altLang="ko-KR" dirty="0" smtClean="0">
+              <a:solidFill>
+                <a:schemeClr val="bg1"/>
+              </a:solidFill>
+            </a:endParaRPr>
+          </a:p>
+          <a:p>
+            <a:endParaRPr lang="ko-KR" dirty="0">
+              <a:solidFill>
+                <a:schemeClr val="bg1"/>
+              </a:solidFill>
+            </a:endParaRPr>
+          </a:p>
+        </p:txBody>
+      </p:sp>
+      <p:sp>
+        <p:nvSpPr>
+          <p:cNvPr id="33" name="TextBox 32"/>
+          <p:cNvSpPr txBox="1"/>
+          <p:nvPr/>
+        </p:nvSpPr>
+        <p:spPr>
+          <a:xfrm>
+            <a:off x="7001363" y="4136992"/>
+            <a:ext cx="4288936" cy="923330"/>
+          </a:xfrm>
+          <a:prstGeom prst="rect">
+            <a:avLst/>
+          </a:prstGeom>
+          <a:noFill/>
+        </p:spPr>
+        <p:txBody>
+          <a:bodyPr wrap="square" lIns="91440" tIns="45720" rIns="91440" bIns="45720" rtlCol="0" anchor="t">
+            <a:spAutoFit/>
+          </a:bodyPr>
+          <a:lstStyle/>
+          <a:p>
+            <a:r>
+              <a:rPr lang="ko-KR" altLang="en-US" dirty="0" smtClean="0">
+                <a:solidFill>
+                  <a:schemeClr val="bg1"/>
+                </a:solidFill>
+              </a:rPr>
+              <a:t>위시리스트 페이지 구현 예정</a:t>
+            </a:r>
+            <a:endParaRPr lang="en-US" altLang="ko-KR" dirty="0" smtClean="0">
+              <a:solidFill>
+                <a:schemeClr val="bg1"/>
+              </a:solidFill>
+            </a:endParaRPr>
+          </a:p>
+          <a:p>
+            <a:endParaRPr lang="en-US" altLang="ko-KR" dirty="0" smtClean="0">
+              <a:solidFill>
+                <a:schemeClr val="bg1"/>
+              </a:solidFill>
+            </a:endParaRPr>
+          </a:p>
+          <a:p>
+            <a:r>
+              <a:rPr lang="ko-KR" altLang="en-US" dirty="0" smtClean="0">
+                <a:solidFill>
+                  <a:schemeClr val="bg1"/>
+                </a:solidFill>
+              </a:rPr>
+              <a:t>커뮤니티 </a:t>
+            </a:r>
+            <a:r>
+              <a:rPr lang="ko-KR" altLang="en-US" dirty="0">
+                <a:solidFill>
+                  <a:schemeClr val="bg1"/>
+                </a:solidFill>
+              </a:rPr>
+              <a:t>게시판 구현 예정</a:t>
+            </a:r>
+            <a:endParaRPr lang="en-US" altLang="ko-KR" dirty="0">
+              <a:solidFill>
+                <a:schemeClr val="bg1"/>
+              </a:solidFill>
+            </a:endParaRPr>
+          </a:p>
+        </p:txBody>
+      </p:sp>
+    </p:spTree>
+    <p:extLst>
+      <p:ext uri="{BB962C8B-B14F-4D97-AF65-F5344CB8AC3E}">
+        <p14:creationId xmlns:p14="http://schemas.microsoft.com/office/powerpoint/2010/main" val="231863562"/>
       </p:ext>
     </p:extLst>
   </p:cSld>
@@ -7950,6 +11021,584 @@
           </a:p>
         </p:txBody>
       </p:sp>
+      <p:sp>
+        <p:nvSpPr>
+          <p:cNvPr id="24" name="내용 개체 틀 1"/>
+          <p:cNvSpPr txBox="1">
+            <a:spLocks/>
+          </p:cNvSpPr>
+          <p:nvPr/>
+        </p:nvSpPr>
+        <p:spPr>
+          <a:xfrm>
+            <a:off x="1273326" y="4157709"/>
+            <a:ext cx="5258732" cy="438326"/>
+          </a:xfrm>
+          <a:prstGeom prst="rect">
+            <a:avLst/>
+          </a:prstGeom>
+          <a:noFill/>
+        </p:spPr>
+        <p:txBody>
+          <a:bodyPr vert="horz" lIns="0" tIns="0" rIns="0" bIns="0" rtlCol="0" anchor="ctr">
+            <a:normAutofit/>
+          </a:bodyPr>
+          <a:lstStyle>
+            <a:lvl1pPr marL="0" indent="0" algn="l" defTabSz="914400" rtl="0" eaLnBrk="1" latinLnBrk="1" hangingPunct="1">
+              <a:lnSpc>
+                <a:spcPct val="125000"/>
+              </a:lnSpc>
+              <a:spcBef>
+                <a:spcPts val="1000"/>
+              </a:spcBef>
+              <a:buFont typeface="Arial" panose="020B0604020202020204" pitchFamily="34" charset="0"/>
+              <a:buNone/>
+              <a:defRPr lang="ko-KR" altLang="en-US" sz="1300" kern="1200" dirty="0">
+                <a:ln>
+                  <a:solidFill>
+                    <a:schemeClr val="accent1">
+                      <a:alpha val="0"/>
+                    </a:schemeClr>
+                  </a:solidFill>
+                </a:ln>
+                <a:solidFill>
+                  <a:schemeClr val="bg1"/>
+                </a:solidFill>
+                <a:latin typeface="+mn-lt"/>
+                <a:ea typeface="+mn-ea"/>
+                <a:cs typeface="+mn-cs"/>
+              </a:defRPr>
+            </a:lvl1pPr>
+            <a:lvl2pPr marL="0" indent="0" algn="l" defTabSz="914400" rtl="0" eaLnBrk="1" latinLnBrk="1" hangingPunct="1">
+              <a:lnSpc>
+                <a:spcPct val="125000"/>
+              </a:lnSpc>
+              <a:spcBef>
+                <a:spcPts val="500"/>
+              </a:spcBef>
+              <a:buFont typeface="Arial" panose="020B0604020202020204" pitchFamily="34" charset="0"/>
+              <a:buNone/>
+              <a:defRPr lang="ko-KR" altLang="en-US" sz="1800" kern="1200" dirty="0">
+                <a:ln>
+                  <a:solidFill>
+                    <a:schemeClr val="accent1">
+                      <a:alpha val="0"/>
+                    </a:schemeClr>
+                  </a:solidFill>
+                </a:ln>
+                <a:solidFill>
+                  <a:schemeClr val="bg1"/>
+                </a:solidFill>
+                <a:latin typeface="+mn-lt"/>
+                <a:ea typeface="+mn-ea"/>
+                <a:cs typeface="+mn-cs"/>
+              </a:defRPr>
+            </a:lvl2pPr>
+            <a:lvl3pPr marL="0" indent="0" algn="l" defTabSz="914400" rtl="0" eaLnBrk="1" latinLnBrk="1" hangingPunct="1">
+              <a:lnSpc>
+                <a:spcPct val="125000"/>
+              </a:lnSpc>
+              <a:spcBef>
+                <a:spcPts val="500"/>
+              </a:spcBef>
+              <a:buFont typeface="Arial" panose="020B0604020202020204" pitchFamily="34" charset="0"/>
+              <a:buNone/>
+              <a:defRPr lang="ko-KR" altLang="en-US" sz="1800" kern="1200" dirty="0">
+                <a:ln>
+                  <a:solidFill>
+                    <a:schemeClr val="accent1">
+                      <a:alpha val="0"/>
+                    </a:schemeClr>
+                  </a:solidFill>
+                </a:ln>
+                <a:solidFill>
+                  <a:schemeClr val="bg1"/>
+                </a:solidFill>
+                <a:latin typeface="+mn-lt"/>
+                <a:ea typeface="+mn-ea"/>
+                <a:cs typeface="+mn-cs"/>
+              </a:defRPr>
+            </a:lvl3pPr>
+            <a:lvl4pPr marL="0" indent="0" algn="l" defTabSz="914400" rtl="0" eaLnBrk="1" latinLnBrk="1" hangingPunct="1">
+              <a:lnSpc>
+                <a:spcPct val="125000"/>
+              </a:lnSpc>
+              <a:spcBef>
+                <a:spcPts val="500"/>
+              </a:spcBef>
+              <a:buFont typeface="Arial" panose="020B0604020202020204" pitchFamily="34" charset="0"/>
+              <a:buNone/>
+              <a:defRPr lang="ko-KR" altLang="en-US" sz="1800" kern="1200" dirty="0">
+                <a:ln>
+                  <a:solidFill>
+                    <a:schemeClr val="accent1">
+                      <a:alpha val="0"/>
+                    </a:schemeClr>
+                  </a:solidFill>
+                </a:ln>
+                <a:solidFill>
+                  <a:schemeClr val="bg1"/>
+                </a:solidFill>
+                <a:latin typeface="+mn-lt"/>
+                <a:ea typeface="+mn-ea"/>
+                <a:cs typeface="+mn-cs"/>
+              </a:defRPr>
+            </a:lvl4pPr>
+            <a:lvl5pPr marL="0" indent="0" algn="l" defTabSz="914400" rtl="0" eaLnBrk="1" latinLnBrk="1" hangingPunct="1">
+              <a:lnSpc>
+                <a:spcPct val="125000"/>
+              </a:lnSpc>
+              <a:spcBef>
+                <a:spcPts val="500"/>
+              </a:spcBef>
+              <a:buFont typeface="Arial" panose="020B0604020202020204" pitchFamily="34" charset="0"/>
+              <a:buNone/>
+              <a:defRPr lang="ko-KR" altLang="en-US" sz="1800" kern="1200" dirty="0">
+                <a:ln>
+                  <a:solidFill>
+                    <a:schemeClr val="accent1">
+                      <a:alpha val="0"/>
+                    </a:schemeClr>
+                  </a:solidFill>
+                </a:ln>
+                <a:solidFill>
+                  <a:schemeClr val="bg1"/>
+                </a:solidFill>
+                <a:latin typeface="+mn-lt"/>
+                <a:ea typeface="+mn-ea"/>
+                <a:cs typeface="+mn-cs"/>
+              </a:defRPr>
+            </a:lvl5pPr>
+            <a:lvl6pPr marL="2514600" indent="-228600" algn="l" defTabSz="914400" rtl="0" eaLnBrk="1" latinLnBrk="1" hangingPunct="1">
+              <a:lnSpc>
+                <a:spcPct val="90000"/>
+              </a:lnSpc>
+              <a:spcBef>
+                <a:spcPts val="500"/>
+              </a:spcBef>
+              <a:buFont typeface="Arial" panose="020B0604020202020204" pitchFamily="34" charset="0"/>
+              <a:buChar char="•"/>
+              <a:defRPr sz="1800" kern="1200">
+                <a:solidFill>
+                  <a:schemeClr val="tx1"/>
+                </a:solidFill>
+                <a:latin typeface="+mn-lt"/>
+                <a:ea typeface="+mn-ea"/>
+                <a:cs typeface="+mn-cs"/>
+              </a:defRPr>
+            </a:lvl6pPr>
+            <a:lvl7pPr marL="2971800" indent="-228600" algn="l" defTabSz="914400" rtl="0" eaLnBrk="1" latinLnBrk="1" hangingPunct="1">
+              <a:lnSpc>
+                <a:spcPct val="90000"/>
+              </a:lnSpc>
+              <a:spcBef>
+                <a:spcPts val="500"/>
+              </a:spcBef>
+              <a:buFont typeface="Arial" panose="020B0604020202020204" pitchFamily="34" charset="0"/>
+              <a:buChar char="•"/>
+              <a:defRPr sz="1800" kern="1200">
+                <a:solidFill>
+                  <a:schemeClr val="tx1"/>
+                </a:solidFill>
+                <a:latin typeface="+mn-lt"/>
+                <a:ea typeface="+mn-ea"/>
+                <a:cs typeface="+mn-cs"/>
+              </a:defRPr>
+            </a:lvl7pPr>
+            <a:lvl8pPr marL="3429000" indent="-228600" algn="l" defTabSz="914400" rtl="0" eaLnBrk="1" latinLnBrk="1" hangingPunct="1">
+              <a:lnSpc>
+                <a:spcPct val="90000"/>
+              </a:lnSpc>
+              <a:spcBef>
+                <a:spcPts val="500"/>
+              </a:spcBef>
+              <a:buFont typeface="Arial" panose="020B0604020202020204" pitchFamily="34" charset="0"/>
+              <a:buChar char="•"/>
+              <a:defRPr sz="1800" kern="1200">
+                <a:solidFill>
+                  <a:schemeClr val="tx1"/>
+                </a:solidFill>
+                <a:latin typeface="+mn-lt"/>
+                <a:ea typeface="+mn-ea"/>
+                <a:cs typeface="+mn-cs"/>
+              </a:defRPr>
+            </a:lvl8pPr>
+            <a:lvl9pPr marL="3886200" indent="-228600" algn="l" defTabSz="914400" rtl="0" eaLnBrk="1" latinLnBrk="1" hangingPunct="1">
+              <a:lnSpc>
+                <a:spcPct val="90000"/>
+              </a:lnSpc>
+              <a:spcBef>
+                <a:spcPts val="500"/>
+              </a:spcBef>
+              <a:buFont typeface="Arial" panose="020B0604020202020204" pitchFamily="34" charset="0"/>
+              <a:buChar char="•"/>
+              <a:defRPr sz="1800" kern="1200">
+                <a:solidFill>
+                  <a:schemeClr val="tx1"/>
+                </a:solidFill>
+                <a:latin typeface="+mn-lt"/>
+                <a:ea typeface="+mn-ea"/>
+                <a:cs typeface="+mn-cs"/>
+              </a:defRPr>
+            </a:lvl9pPr>
+          </a:lstStyle>
+          <a:p>
+            <a:pPr marL="285750" indent="-285750">
+              <a:buFont typeface="Arial" panose="020B0604020202020204" pitchFamily="34" charset="0"/>
+              <a:buChar char="•"/>
+            </a:pPr>
+            <a:r>
+              <a:rPr lang="ko-KR" altLang="en-US" sz="1600" b="1" dirty="0" smtClean="0"/>
+              <a:t>웹</a:t>
+            </a:r>
+            <a:r>
+              <a:rPr lang="en-US" altLang="ko-KR" sz="1600" b="1" dirty="0" smtClean="0"/>
+              <a:t>, </a:t>
+            </a:r>
+            <a:r>
+              <a:rPr lang="ko-KR" altLang="en-US" sz="1600" b="1" dirty="0" smtClean="0"/>
+              <a:t>모바일 웹 </a:t>
+            </a:r>
+            <a:r>
+              <a:rPr lang="ko-KR" altLang="en-US" sz="1600" b="1" dirty="0" err="1" smtClean="0"/>
+              <a:t>미디어쿼리</a:t>
+            </a:r>
+            <a:endParaRPr lang="ko-KR" altLang="en-US" sz="1600" b="1" dirty="0"/>
+          </a:p>
+        </p:txBody>
+      </p:sp>
+      <p:cxnSp>
+        <p:nvCxnSpPr>
+          <p:cNvPr id="25" name="직선 연결선 24">
+            <a:extLst>
+              <a:ext uri="{FF2B5EF4-FFF2-40B4-BE49-F238E27FC236}">
+                <a16:creationId xmlns:a16="http://schemas.microsoft.com/office/drawing/2014/main" id="{4488BF5F-F8C9-4AD5-8F0A-BFC9B411F828}"/>
+              </a:ext>
+            </a:extLst>
+          </p:cNvPr>
+          <p:cNvCxnSpPr/>
+          <p:nvPr/>
+        </p:nvCxnSpPr>
+        <p:spPr>
+          <a:xfrm flipH="1">
+            <a:off x="1279866" y="4599903"/>
+            <a:ext cx="5252192" cy="0"/>
+          </a:xfrm>
+          <a:prstGeom prst="line">
+            <a:avLst/>
+          </a:prstGeom>
+          <a:ln w="19050">
+            <a:solidFill>
+              <a:schemeClr val="bg1">
+                <a:alpha val="22000"/>
+              </a:schemeClr>
+            </a:solidFill>
+          </a:ln>
+        </p:spPr>
+        <p:style>
+          <a:lnRef idx="1">
+            <a:schemeClr val="accent1"/>
+          </a:lnRef>
+          <a:fillRef idx="0">
+            <a:schemeClr val="accent1"/>
+          </a:fillRef>
+          <a:effectRef idx="0">
+            <a:schemeClr val="accent1"/>
+          </a:effectRef>
+          <a:fontRef idx="minor">
+            <a:schemeClr val="tx1"/>
+          </a:fontRef>
+        </p:style>
+      </p:cxnSp>
+      <p:sp>
+        <p:nvSpPr>
+          <p:cNvPr id="26" name="내용 개체 틀 1"/>
+          <p:cNvSpPr txBox="1">
+            <a:spLocks/>
+          </p:cNvSpPr>
+          <p:nvPr/>
+        </p:nvSpPr>
+        <p:spPr>
+          <a:xfrm>
+            <a:off x="1273326" y="4811831"/>
+            <a:ext cx="5258732" cy="438326"/>
+          </a:xfrm>
+          <a:prstGeom prst="rect">
+            <a:avLst/>
+          </a:prstGeom>
+          <a:noFill/>
+        </p:spPr>
+        <p:txBody>
+          <a:bodyPr vert="horz" lIns="0" tIns="0" rIns="0" bIns="0" rtlCol="0" anchor="ctr">
+            <a:normAutofit/>
+          </a:bodyPr>
+          <a:lstStyle>
+            <a:lvl1pPr marL="0" indent="0" algn="l" defTabSz="914400" rtl="0" eaLnBrk="1" latinLnBrk="1" hangingPunct="1">
+              <a:lnSpc>
+                <a:spcPct val="125000"/>
+              </a:lnSpc>
+              <a:spcBef>
+                <a:spcPts val="1000"/>
+              </a:spcBef>
+              <a:buFont typeface="Arial" panose="020B0604020202020204" pitchFamily="34" charset="0"/>
+              <a:buNone/>
+              <a:defRPr lang="ko-KR" altLang="en-US" sz="1300" kern="1200" dirty="0">
+                <a:ln>
+                  <a:solidFill>
+                    <a:schemeClr val="accent1">
+                      <a:alpha val="0"/>
+                    </a:schemeClr>
+                  </a:solidFill>
+                </a:ln>
+                <a:solidFill>
+                  <a:schemeClr val="bg1"/>
+                </a:solidFill>
+                <a:latin typeface="+mn-lt"/>
+                <a:ea typeface="+mn-ea"/>
+                <a:cs typeface="+mn-cs"/>
+              </a:defRPr>
+            </a:lvl1pPr>
+            <a:lvl2pPr marL="0" indent="0" algn="l" defTabSz="914400" rtl="0" eaLnBrk="1" latinLnBrk="1" hangingPunct="1">
+              <a:lnSpc>
+                <a:spcPct val="125000"/>
+              </a:lnSpc>
+              <a:spcBef>
+                <a:spcPts val="500"/>
+              </a:spcBef>
+              <a:buFont typeface="Arial" panose="020B0604020202020204" pitchFamily="34" charset="0"/>
+              <a:buNone/>
+              <a:defRPr lang="ko-KR" altLang="en-US" sz="1800" kern="1200" dirty="0">
+                <a:ln>
+                  <a:solidFill>
+                    <a:schemeClr val="accent1">
+                      <a:alpha val="0"/>
+                    </a:schemeClr>
+                  </a:solidFill>
+                </a:ln>
+                <a:solidFill>
+                  <a:schemeClr val="bg1"/>
+                </a:solidFill>
+                <a:latin typeface="+mn-lt"/>
+                <a:ea typeface="+mn-ea"/>
+                <a:cs typeface="+mn-cs"/>
+              </a:defRPr>
+            </a:lvl2pPr>
+            <a:lvl3pPr marL="0" indent="0" algn="l" defTabSz="914400" rtl="0" eaLnBrk="1" latinLnBrk="1" hangingPunct="1">
+              <a:lnSpc>
+                <a:spcPct val="125000"/>
+              </a:lnSpc>
+              <a:spcBef>
+                <a:spcPts val="500"/>
+              </a:spcBef>
+              <a:buFont typeface="Arial" panose="020B0604020202020204" pitchFamily="34" charset="0"/>
+              <a:buNone/>
+              <a:defRPr lang="ko-KR" altLang="en-US" sz="1800" kern="1200" dirty="0">
+                <a:ln>
+                  <a:solidFill>
+                    <a:schemeClr val="accent1">
+                      <a:alpha val="0"/>
+                    </a:schemeClr>
+                  </a:solidFill>
+                </a:ln>
+                <a:solidFill>
+                  <a:schemeClr val="bg1"/>
+                </a:solidFill>
+                <a:latin typeface="+mn-lt"/>
+                <a:ea typeface="+mn-ea"/>
+                <a:cs typeface="+mn-cs"/>
+              </a:defRPr>
+            </a:lvl3pPr>
+            <a:lvl4pPr marL="0" indent="0" algn="l" defTabSz="914400" rtl="0" eaLnBrk="1" latinLnBrk="1" hangingPunct="1">
+              <a:lnSpc>
+                <a:spcPct val="125000"/>
+              </a:lnSpc>
+              <a:spcBef>
+                <a:spcPts val="500"/>
+              </a:spcBef>
+              <a:buFont typeface="Arial" panose="020B0604020202020204" pitchFamily="34" charset="0"/>
+              <a:buNone/>
+              <a:defRPr lang="ko-KR" altLang="en-US" sz="1800" kern="1200" dirty="0">
+                <a:ln>
+                  <a:solidFill>
+                    <a:schemeClr val="accent1">
+                      <a:alpha val="0"/>
+                    </a:schemeClr>
+                  </a:solidFill>
+                </a:ln>
+                <a:solidFill>
+                  <a:schemeClr val="bg1"/>
+                </a:solidFill>
+                <a:latin typeface="+mn-lt"/>
+                <a:ea typeface="+mn-ea"/>
+                <a:cs typeface="+mn-cs"/>
+              </a:defRPr>
+            </a:lvl4pPr>
+            <a:lvl5pPr marL="0" indent="0" algn="l" defTabSz="914400" rtl="0" eaLnBrk="1" latinLnBrk="1" hangingPunct="1">
+              <a:lnSpc>
+                <a:spcPct val="125000"/>
+              </a:lnSpc>
+              <a:spcBef>
+                <a:spcPts val="500"/>
+              </a:spcBef>
+              <a:buFont typeface="Arial" panose="020B0604020202020204" pitchFamily="34" charset="0"/>
+              <a:buNone/>
+              <a:defRPr lang="ko-KR" altLang="en-US" sz="1800" kern="1200" dirty="0">
+                <a:ln>
+                  <a:solidFill>
+                    <a:schemeClr val="accent1">
+                      <a:alpha val="0"/>
+                    </a:schemeClr>
+                  </a:solidFill>
+                </a:ln>
+                <a:solidFill>
+                  <a:schemeClr val="bg1"/>
+                </a:solidFill>
+                <a:latin typeface="+mn-lt"/>
+                <a:ea typeface="+mn-ea"/>
+                <a:cs typeface="+mn-cs"/>
+              </a:defRPr>
+            </a:lvl5pPr>
+            <a:lvl6pPr marL="2514600" indent="-228600" algn="l" defTabSz="914400" rtl="0" eaLnBrk="1" latinLnBrk="1" hangingPunct="1">
+              <a:lnSpc>
+                <a:spcPct val="90000"/>
+              </a:lnSpc>
+              <a:spcBef>
+                <a:spcPts val="500"/>
+              </a:spcBef>
+              <a:buFont typeface="Arial" panose="020B0604020202020204" pitchFamily="34" charset="0"/>
+              <a:buChar char="•"/>
+              <a:defRPr sz="1800" kern="1200">
+                <a:solidFill>
+                  <a:schemeClr val="tx1"/>
+                </a:solidFill>
+                <a:latin typeface="+mn-lt"/>
+                <a:ea typeface="+mn-ea"/>
+                <a:cs typeface="+mn-cs"/>
+              </a:defRPr>
+            </a:lvl6pPr>
+            <a:lvl7pPr marL="2971800" indent="-228600" algn="l" defTabSz="914400" rtl="0" eaLnBrk="1" latinLnBrk="1" hangingPunct="1">
+              <a:lnSpc>
+                <a:spcPct val="90000"/>
+              </a:lnSpc>
+              <a:spcBef>
+                <a:spcPts val="500"/>
+              </a:spcBef>
+              <a:buFont typeface="Arial" panose="020B0604020202020204" pitchFamily="34" charset="0"/>
+              <a:buChar char="•"/>
+              <a:defRPr sz="1800" kern="1200">
+                <a:solidFill>
+                  <a:schemeClr val="tx1"/>
+                </a:solidFill>
+                <a:latin typeface="+mn-lt"/>
+                <a:ea typeface="+mn-ea"/>
+                <a:cs typeface="+mn-cs"/>
+              </a:defRPr>
+            </a:lvl7pPr>
+            <a:lvl8pPr marL="3429000" indent="-228600" algn="l" defTabSz="914400" rtl="0" eaLnBrk="1" latinLnBrk="1" hangingPunct="1">
+              <a:lnSpc>
+                <a:spcPct val="90000"/>
+              </a:lnSpc>
+              <a:spcBef>
+                <a:spcPts val="500"/>
+              </a:spcBef>
+              <a:buFont typeface="Arial" panose="020B0604020202020204" pitchFamily="34" charset="0"/>
+              <a:buChar char="•"/>
+              <a:defRPr sz="1800" kern="1200">
+                <a:solidFill>
+                  <a:schemeClr val="tx1"/>
+                </a:solidFill>
+                <a:latin typeface="+mn-lt"/>
+                <a:ea typeface="+mn-ea"/>
+                <a:cs typeface="+mn-cs"/>
+              </a:defRPr>
+            </a:lvl8pPr>
+            <a:lvl9pPr marL="3886200" indent="-228600" algn="l" defTabSz="914400" rtl="0" eaLnBrk="1" latinLnBrk="1" hangingPunct="1">
+              <a:lnSpc>
+                <a:spcPct val="90000"/>
+              </a:lnSpc>
+              <a:spcBef>
+                <a:spcPts val="500"/>
+              </a:spcBef>
+              <a:buFont typeface="Arial" panose="020B0604020202020204" pitchFamily="34" charset="0"/>
+              <a:buChar char="•"/>
+              <a:defRPr sz="1800" kern="1200">
+                <a:solidFill>
+                  <a:schemeClr val="tx1"/>
+                </a:solidFill>
+                <a:latin typeface="+mn-lt"/>
+                <a:ea typeface="+mn-ea"/>
+                <a:cs typeface="+mn-cs"/>
+              </a:defRPr>
+            </a:lvl9pPr>
+          </a:lstStyle>
+          <a:p>
+            <a:pPr marL="285750" indent="-285750">
+              <a:buFont typeface="Arial" panose="020B0604020202020204" pitchFamily="34" charset="0"/>
+              <a:buChar char="•"/>
+            </a:pPr>
+            <a:r>
+              <a:rPr lang="ko-KR" altLang="en-US" sz="1600" b="1" dirty="0" smtClean="0"/>
+              <a:t>로그인 기능 구현 </a:t>
+            </a:r>
+            <a:r>
+              <a:rPr lang="en-US" altLang="ko-KR" sz="1600" b="1" dirty="0" smtClean="0"/>
+              <a:t>– REST API, </a:t>
+            </a:r>
+            <a:r>
+              <a:rPr lang="en-US" altLang="ko-KR" sz="1600" b="1" dirty="0" err="1" smtClean="0"/>
+              <a:t>axios</a:t>
+            </a:r>
+            <a:r>
+              <a:rPr lang="en-US" altLang="ko-KR" sz="1600" b="1" dirty="0" smtClean="0"/>
+              <a:t>, recoil</a:t>
+            </a:r>
+            <a:endParaRPr lang="ko-KR" altLang="en-US" sz="1600" b="1" dirty="0"/>
+          </a:p>
+        </p:txBody>
+      </p:sp>
+      <p:cxnSp>
+        <p:nvCxnSpPr>
+          <p:cNvPr id="32" name="직선 연결선 31">
+            <a:extLst>
+              <a:ext uri="{FF2B5EF4-FFF2-40B4-BE49-F238E27FC236}">
+                <a16:creationId xmlns:a16="http://schemas.microsoft.com/office/drawing/2014/main" id="{4488BF5F-F8C9-4AD5-8F0A-BFC9B411F828}"/>
+              </a:ext>
+            </a:extLst>
+          </p:cNvPr>
+          <p:cNvCxnSpPr/>
+          <p:nvPr/>
+        </p:nvCxnSpPr>
+        <p:spPr>
+          <a:xfrm flipH="1">
+            <a:off x="1256835" y="5251683"/>
+            <a:ext cx="5252192" cy="0"/>
+          </a:xfrm>
+          <a:prstGeom prst="line">
+            <a:avLst/>
+          </a:prstGeom>
+          <a:ln w="19050">
+            <a:solidFill>
+              <a:schemeClr val="bg1">
+                <a:alpha val="22000"/>
+              </a:schemeClr>
+            </a:solidFill>
+          </a:ln>
+        </p:spPr>
+        <p:style>
+          <a:lnRef idx="1">
+            <a:schemeClr val="accent1"/>
+          </a:lnRef>
+          <a:fillRef idx="0">
+            <a:schemeClr val="accent1"/>
+          </a:fillRef>
+          <a:effectRef idx="0">
+            <a:schemeClr val="accent1"/>
+          </a:effectRef>
+          <a:fontRef idx="minor">
+            <a:schemeClr val="tx1"/>
+          </a:fontRef>
+        </p:style>
+      </p:cxnSp>
     </p:spTree>
     <p:extLst>
       <p:ext uri="{BB962C8B-B14F-4D97-AF65-F5344CB8AC3E}">
@@ -8018,7 +11667,7 @@
           <a:p>
             <a:pPr lvl="0"/>
             <a:r>
-              <a:rPr lang="en-US" altLang="ko-KR" dirty="0">
+              <a:rPr lang="en-US" altLang="ko-KR" dirty="0" smtClean="0">
                 <a:ln>
                   <a:solidFill>
                     <a:srgbClr val="4472C4">
@@ -8032,6 +11681,18 @@
               </a:rPr>
               <a:t>Font &amp; Color</a:t>
             </a:r>
+            <a:endParaRPr lang="en-US" altLang="ko-KR" dirty="0">
+              <a:ln>
+                <a:solidFill>
+                  <a:srgbClr val="4472C4">
+                    <a:alpha val="0"/>
+                  </a:srgbClr>
+                </a:solidFill>
+              </a:ln>
+              <a:solidFill>
+                <a:prstClr val="white"/>
+              </a:solidFill>
+            </a:endParaRPr>
           </a:p>
         </p:txBody>
       </p:sp>
@@ -9001,7 +12662,7 @@
         <p:spPr>
           <a:xfrm>
             <a:off x="596246" y="661615"/>
-            <a:ext cx="10549082" cy="511062"/>
+            <a:ext cx="7167362" cy="511062"/>
           </a:xfrm>
           <a:solidFill>
             <a:srgbClr val="262626"/>
@@ -9011,8 +12672,9 @@
           <a:bodyPr/>
           <a:lstStyle/>
           <a:p>
-            <a:r>
-              <a:rPr lang="ko-KR" altLang="en-US" dirty="0" smtClean="0">
+            <a:pPr lvl="0"/>
+            <a:r>
+              <a:rPr lang="ko-KR" altLang="en-US" dirty="0" err="1" smtClean="0">
                 <a:ln>
                   <a:solidFill>
                     <a:srgbClr val="4472C4">
@@ -9024,9 +12686,84 @@
                   <a:prstClr val="white"/>
                 </a:solidFill>
               </a:rPr>
-              <a:t>향후 개발 방향</a:t>
-            </a:r>
-            <a:endParaRPr lang="ko-KR" altLang="en-US" dirty="0">
+              <a:t>상태관리</a:t>
+            </a:r>
+            <a:r>
+              <a:rPr lang="en-US" altLang="ko-KR" dirty="0">
+                <a:ln>
+                  <a:solidFill>
+                    <a:srgbClr val="4472C4">
+                      <a:alpha val="0"/>
+                    </a:srgbClr>
+                  </a:solidFill>
+                </a:ln>
+                <a:solidFill>
+                  <a:prstClr val="white"/>
+                </a:solidFill>
+              </a:rPr>
+              <a:t> </a:t>
+            </a:r>
+            <a:r>
+              <a:rPr lang="en-US" altLang="ko-KR" dirty="0" smtClean="0">
+                <a:ln>
+                  <a:solidFill>
+                    <a:srgbClr val="4472C4">
+                      <a:alpha val="0"/>
+                    </a:srgbClr>
+                  </a:solidFill>
+                </a:ln>
+                <a:solidFill>
+                  <a:prstClr val="white"/>
+                </a:solidFill>
+              </a:rPr>
+              <a:t>  </a:t>
+            </a:r>
+            <a:r>
+              <a:rPr lang="en-US" altLang="ko-KR" dirty="0">
+                <a:ln>
+                  <a:solidFill>
+                    <a:srgbClr val="4472C4">
+                      <a:alpha val="0"/>
+                    </a:srgbClr>
+                  </a:solidFill>
+                </a:ln>
+                <a:solidFill>
+                  <a:prstClr val="white"/>
+                </a:solidFill>
+              </a:rPr>
+              <a:t>[</a:t>
+            </a:r>
+            <a:r>
+              <a:rPr lang="en-US" altLang="ko-KR" dirty="0" smtClean="0">
+                <a:ln>
+                  <a:solidFill>
+                    <a:srgbClr val="4472C4">
+                      <a:alpha val="0"/>
+                    </a:srgbClr>
+                  </a:solidFill>
+                </a:ln>
+                <a:solidFill>
+                  <a:prstClr val="white"/>
+                </a:solidFill>
+              </a:rPr>
+              <a:t> Recoil ] </a:t>
+            </a:r>
+            <a:r>
+              <a:rPr lang="ko-KR" altLang="en-US" sz="2000" dirty="0" smtClean="0">
+                <a:ln>
+                  <a:solidFill>
+                    <a:srgbClr val="4472C4">
+                      <a:alpha val="0"/>
+                    </a:srgbClr>
+                  </a:solidFill>
+                </a:ln>
+                <a:solidFill>
+                  <a:prstClr val="white"/>
+                </a:solidFill>
+              </a:rPr>
+              <a:t>전역상태관리 라이브러리</a:t>
+            </a:r>
+            <a:endParaRPr lang="en-US" altLang="ko-KR" sz="2000" dirty="0">
               <a:ln>
                 <a:solidFill>
                   <a:srgbClr val="4472C4">
@@ -9103,14 +12840,14 @@
           <a:lstStyle/>
           <a:p>
             <a:r>
-              <a:rPr lang="en-US" altLang="ko-KR" sz="1600" dirty="0"/>
+              <a:rPr lang="en-US" altLang="ko-KR" sz="1600"/>
               <a:t> </a:t>
             </a:r>
             <a:r>
-              <a:rPr lang="ko-KR" altLang="en-US" sz="1600" dirty="0" smtClean="0"/>
-              <a:t>향후 개발 방향</a:t>
-            </a:r>
-            <a:endParaRPr lang="en-US" altLang="ko-KR" sz="1600" dirty="0"/>
+              <a:rPr lang="ko-KR" altLang="en-US" sz="1600"/>
+              <a:t>사이트 구현</a:t>
+            </a:r>
+            <a:endParaRPr lang="en-US" altLang="ko-KR" sz="1600"/>
           </a:p>
         </p:txBody>
       </p:sp>
@@ -9130,7 +12867,7 @@
         </p:nvCxnSpPr>
         <p:spPr>
           <a:xfrm flipV="1">
-            <a:off x="555626" y="1294504"/>
+            <a:off x="596246" y="1791510"/>
             <a:ext cx="10999508" cy="1"/>
           </a:xfrm>
           <a:prstGeom prst="line">
@@ -9459,7 +13196,7 @@
           </a:lstStyle>
           <a:p>
             <a:r>
-              <a:rPr lang="ko-KR" altLang="en-US" sz="1100" dirty="0">
+              <a:rPr lang="ko-KR" altLang="en-US" sz="1100">
                 <a:solidFill>
                   <a:schemeClr val="bg1">
                     <a:alpha val="60000"/>
@@ -9469,32 +13206,28 @@
               <a:t>기획의도 </a:t>
             </a:r>
             <a:r>
-              <a:rPr lang="en-US" altLang="ko-KR" sz="1100" dirty="0"/>
-              <a:t>	 </a:t>
-            </a:r>
-            <a:r>
-              <a:rPr lang="en-US" altLang="ko-KR" sz="1100" dirty="0" smtClean="0"/>
-              <a:t>                   </a:t>
-            </a:r>
-            <a:r>
-              <a:rPr lang="ko-KR" altLang="en-US" dirty="0" err="1" smtClean="0">
+              <a:rPr lang="en-US" altLang="ko-KR" sz="1100"/>
+              <a:t>	                    </a:t>
+            </a:r>
+            <a:r>
+              <a:rPr lang="ko-KR" altLang="en-US" sz="1100" err="1"/>
+              <a:t>사이트구현</a:t>
+            </a:r>
+            <a:r>
+              <a:rPr lang="ko-KR" altLang="en-US" sz="1100"/>
+              <a:t>                      </a:t>
+            </a:r>
+            <a:r>
+              <a:rPr lang="ko-KR" altLang="en-US" sz="1100">
                 <a:solidFill>
                   <a:schemeClr val="bg1">
                     <a:alpha val="60000"/>
                   </a:schemeClr>
                 </a:solidFill>
               </a:rPr>
-              <a:t>사이트구현</a:t>
-            </a:r>
-            <a:r>
-              <a:rPr lang="ko-KR" altLang="en-US" sz="1100" dirty="0" smtClean="0"/>
-              <a:t>                      </a:t>
-            </a:r>
-            <a:r>
-              <a:rPr lang="ko-KR" altLang="en-US" dirty="0" smtClean="0"/>
               <a:t>향후개발방향</a:t>
             </a:r>
-            <a:endParaRPr lang="en-US" altLang="ko-KR" sz="1100" dirty="0">
+            <a:endParaRPr lang="en-US" altLang="ko-KR" sz="1100">
               <a:solidFill>
                 <a:schemeClr val="bg1">
                   <a:alpha val="60000"/>
@@ -9504,76 +13237,262 @@
           </a:p>
         </p:txBody>
       </p:sp>
-      <p:sp>
-        <p:nvSpPr>
-          <p:cNvPr id="35" name="TextBox 34"/>
-          <p:cNvSpPr txBox="1"/>
+      <p:pic>
+        <p:nvPicPr>
+          <p:cNvPr id="2" name="그림 1"/>
+          <p:cNvPicPr>
+            <a:picLocks noChangeAspect="1"/>
+          </p:cNvPicPr>
           <p:nvPr/>
-        </p:nvSpPr>
+        </p:nvPicPr>
+        <p:blipFill>
+          <a:blip r:embed="rId2">
+            <a:extLst>
+              <a:ext uri="{28A0092B-C50C-407E-A947-70E740481C1C}">
+                <a14:useLocalDpi xmlns:a14="http://schemas.microsoft.com/office/drawing/2010/main" val="0"/>
+              </a:ext>
+            </a:extLst>
+          </a:blip>
+          <a:stretch>
+            <a:fillRect/>
+          </a:stretch>
+        </p:blipFill>
         <p:spPr>
           <a:xfrm>
-            <a:off x="555626" y="1487611"/>
-            <a:ext cx="4860436" cy="369332"/>
+            <a:off x="3508904" y="2165252"/>
+            <a:ext cx="5174192" cy="3224760"/>
           </a:xfrm>
           <a:prstGeom prst="rect">
             <a:avLst/>
           </a:prstGeom>
-          <a:noFill/>
+        </p:spPr>
+      </p:pic>
+    </p:spTree>
+    <p:extLst>
+      <p:ext uri="{BB962C8B-B14F-4D97-AF65-F5344CB8AC3E}">
+        <p14:creationId xmlns:p14="http://schemas.microsoft.com/office/powerpoint/2010/main" val="1489386279"/>
+      </p:ext>
+    </p:extLst>
+  </p:cSld>
+  <p:clrMapOvr>
+    <a:masterClrMapping/>
+  </p:clrMapOvr>
+  <p:timing>
+    <p:tnLst>
+      <p:par>
+        <p:cTn id="1" dur="indefinite" restart="never" nodeType="tmRoot"/>
+      </p:par>
+    </p:tnLst>
+  </p:timing>
+</p:sld>
+</file>
+
+<file path=ppt/slides/slide7.xml><?xml version="1.0" encoding="utf-8"?>
+<p:sld xmlns:a="http://schemas.openxmlformats.org/drawingml/2006/main" xmlns:r="http://schemas.openxmlformats.org/officeDocument/2006/relationships" xmlns:p="http://schemas.openxmlformats.org/presentationml/2006/main">
+  <p:cSld>
+    <p:spTree>
+      <p:nvGrpSpPr>
+        <p:cNvPr id="1" name=""/>
+        <p:cNvGrpSpPr/>
+        <p:nvPr/>
+      </p:nvGrpSpPr>
+      <p:grpSpPr>
+        <a:xfrm>
+          <a:off x="0" y="0"/>
+          <a:ext cx="0" cy="0"/>
+          <a:chOff x="0" y="0"/>
+          <a:chExt cx="0" cy="0"/>
+        </a:xfrm>
+      </p:grpSpPr>
+      <p:sp>
+        <p:nvSpPr>
+          <p:cNvPr id="17" name="제목 16">
+            <a:extLst>
+              <a:ext uri="{FF2B5EF4-FFF2-40B4-BE49-F238E27FC236}">
+                <a16:creationId xmlns:a16="http://schemas.microsoft.com/office/drawing/2014/main" id="{538766AC-5FB7-41CD-BE08-06DE8DBE4BB2}"/>
+              </a:ext>
+            </a:extLst>
+          </p:cNvPr>
+          <p:cNvSpPr>
+            <a:spLocks noGrp="1"/>
+          </p:cNvSpPr>
+          <p:nvPr>
+            <p:ph type="title"/>
+          </p:nvPr>
+        </p:nvSpPr>
+        <p:spPr>
+          <a:xfrm>
+            <a:off x="596246" y="661615"/>
+            <a:ext cx="7167362" cy="511062"/>
+          </a:xfrm>
+          <a:solidFill>
+            <a:srgbClr val="262626"/>
+          </a:solidFill>
         </p:spPr>
         <p:txBody>
-          <a:bodyPr wrap="square" lIns="91440" tIns="45720" rIns="91440" bIns="45720" rtlCol="0" anchor="t">
-            <a:spAutoFit/>
-          </a:bodyPr>
+          <a:bodyPr/>
           <a:lstStyle/>
           <a:p>
-            <a:r>
-              <a:rPr lang="ko-KR" altLang="en-US" dirty="0" smtClean="0">
-                <a:solidFill>
-                  <a:schemeClr val="bg1"/>
+            <a:pPr lvl="0"/>
+            <a:r>
+              <a:rPr lang="ko-KR" altLang="en-US" dirty="0" err="1">
+                <a:ln>
+                  <a:solidFill>
+                    <a:srgbClr val="4472C4">
+                      <a:alpha val="0"/>
+                    </a:srgbClr>
+                  </a:solidFill>
+                </a:ln>
+                <a:solidFill>
+                  <a:prstClr val="white"/>
                 </a:solidFill>
               </a:rPr>
-              <a:t>기능 </a:t>
-            </a:r>
-            <a:r>
-              <a:rPr lang="ko-KR" altLang="en-US" dirty="0" smtClean="0">
-                <a:solidFill>
-                  <a:schemeClr val="bg1"/>
+              <a:t>상태관리</a:t>
+            </a:r>
+            <a:r>
+              <a:rPr lang="en-US" altLang="ko-KR" dirty="0">
+                <a:ln>
+                  <a:solidFill>
+                    <a:srgbClr val="4472C4">
+                      <a:alpha val="0"/>
+                    </a:srgbClr>
+                  </a:solidFill>
+                </a:ln>
+                <a:solidFill>
+                  <a:prstClr val="white"/>
                 </a:solidFill>
               </a:rPr>
-              <a:t>구현</a:t>
-            </a:r>
-            <a:endParaRPr lang="ko-KR" dirty="0">
+              <a:t>   [ Recoil ] </a:t>
+            </a:r>
+            <a:r>
+              <a:rPr lang="ko-KR" altLang="en-US" sz="2000" dirty="0">
+                <a:ln>
+                  <a:solidFill>
+                    <a:srgbClr val="4472C4">
+                      <a:alpha val="0"/>
+                    </a:srgbClr>
+                  </a:solidFill>
+                </a:ln>
+                <a:solidFill>
+                  <a:prstClr val="white"/>
+                </a:solidFill>
+              </a:rPr>
+              <a:t>전역상태관리 라이브러리</a:t>
+            </a:r>
+            <a:endParaRPr lang="en-US" altLang="ko-KR" sz="2000" dirty="0">
+              <a:ln>
+                <a:solidFill>
+                  <a:srgbClr val="4472C4">
+                    <a:alpha val="0"/>
+                  </a:srgbClr>
+                </a:solidFill>
+              </a:ln>
               <a:solidFill>
-                <a:schemeClr val="bg1"/>
+                <a:prstClr val="white"/>
               </a:solidFill>
             </a:endParaRPr>
           </a:p>
         </p:txBody>
       </p:sp>
-      <p:cxnSp>
-        <p:nvCxnSpPr>
-          <p:cNvPr id="37" name="직선 연결선 36">
+      <p:sp>
+        <p:nvSpPr>
+          <p:cNvPr id="20" name="슬라이드 번호 개체 틀 19">
             <a:extLst>
               <a:ext uri="{FF2B5EF4-FFF2-40B4-BE49-F238E27FC236}">
-                <a16:creationId xmlns:a16="http://schemas.microsoft.com/office/drawing/2014/main" id="{4488BF5F-F8C9-4AD5-8F0A-BFC9B411F828}"/>
+                <a16:creationId xmlns:a16="http://schemas.microsoft.com/office/drawing/2014/main" id="{5D10BEF8-C3D2-456C-86E5-CDB9D8098737}"/>
               </a:ext>
             </a:extLst>
           </p:cNvPr>
-          <p:cNvCxnSpPr/>
+          <p:cNvSpPr>
+            <a:spLocks noGrp="1"/>
+          </p:cNvSpPr>
+          <p:nvPr>
+            <p:ph type="sldNum" sz="quarter" idx="12"/>
+          </p:nvPr>
+        </p:nvSpPr>
+        <p:spPr>
+          <a:xfrm>
+            <a:off x="11515883" y="6535564"/>
+            <a:ext cx="406242" cy="223838"/>
+          </a:xfrm>
+        </p:spPr>
+        <p:txBody>
+          <a:bodyPr/>
+          <a:lstStyle/>
+          <a:p>
+            <a:fld id="{143BF621-4FC3-44DB-97C1-2906C2BBA181}" type="slidenum">
+              <a:rPr lang="en-US" altLang="ko-KR" sz="900" b="1" smtClean="0"/>
+              <a:pPr/>
+              <a:t>7</a:t>
+            </a:fld>
+            <a:endParaRPr lang="en-US" sz="900" b="1"/>
+          </a:p>
+        </p:txBody>
+      </p:sp>
+      <p:sp>
+        <p:nvSpPr>
+          <p:cNvPr id="22" name="텍스트 개체 틀 21">
+            <a:extLst>
+              <a:ext uri="{FF2B5EF4-FFF2-40B4-BE49-F238E27FC236}">
+                <a16:creationId xmlns:a16="http://schemas.microsoft.com/office/drawing/2014/main" id="{39A03912-2C30-4A1E-A949-CCA2FA1B86AF}"/>
+              </a:ext>
+            </a:extLst>
+          </p:cNvPr>
+          <p:cNvSpPr>
+            <a:spLocks noGrp="1"/>
+          </p:cNvSpPr>
+          <p:nvPr>
+            <p:ph type="body" sz="quarter" idx="14"/>
+          </p:nvPr>
+        </p:nvSpPr>
+        <p:spPr>
+          <a:xfrm>
+            <a:off x="632162" y="204825"/>
+            <a:ext cx="2365038" cy="334963"/>
+          </a:xfrm>
+        </p:spPr>
+        <p:txBody>
+          <a:bodyPr/>
+          <a:lstStyle/>
+          <a:p>
+            <a:r>
+              <a:rPr lang="en-US" altLang="ko-KR" sz="1600"/>
+              <a:t> </a:t>
+            </a:r>
+            <a:r>
+              <a:rPr lang="ko-KR" altLang="en-US" sz="1600"/>
+              <a:t>사이트 구현</a:t>
+            </a:r>
+            <a:endParaRPr lang="en-US" altLang="ko-KR" sz="1600"/>
+          </a:p>
+        </p:txBody>
+      </p:sp>
+      <p:cxnSp>
+        <p:nvCxnSpPr>
+          <p:cNvPr id="16" name="직선 연결선 15">
+            <a:extLst>
+              <a:ext uri="{FF2B5EF4-FFF2-40B4-BE49-F238E27FC236}">
+                <a16:creationId xmlns:a16="http://schemas.microsoft.com/office/drawing/2014/main" id="{556817DD-8257-448B-A648-6DCF78476E78}"/>
+              </a:ext>
+            </a:extLst>
+          </p:cNvPr>
+          <p:cNvCxnSpPr>
+            <a:cxnSpLocks/>
+          </p:cNvCxnSpPr>
           <p:nvPr/>
         </p:nvCxnSpPr>
         <p:spPr>
-          <a:xfrm>
-            <a:off x="632162" y="1862972"/>
-            <a:ext cx="4124476" cy="0"/>
+          <a:xfrm flipV="1">
+            <a:off x="596246" y="1791510"/>
+            <a:ext cx="10999508" cy="1"/>
           </a:xfrm>
           <a:prstGeom prst="line">
             <a:avLst/>
           </a:prstGeom>
-          <a:ln w="19050">
+          <a:ln>
             <a:solidFill>
               <a:schemeClr val="bg1">
-                <a:alpha val="22000"/>
+                <a:alpha val="12000"/>
               </a:schemeClr>
             </a:solidFill>
           </a:ln>
@@ -9593,68 +13512,663 @@
           </a:fontRef>
         </p:style>
       </p:cxnSp>
+      <p:grpSp>
+        <p:nvGrpSpPr>
+          <p:cNvPr id="34" name="그룹 33">
+            <a:extLst>
+              <a:ext uri="{FF2B5EF4-FFF2-40B4-BE49-F238E27FC236}">
+                <a16:creationId xmlns:a16="http://schemas.microsoft.com/office/drawing/2014/main" id="{3CF7C648-1203-46CD-B1B5-FBCCE76BF946}"/>
+              </a:ext>
+            </a:extLst>
+          </p:cNvPr>
+          <p:cNvGrpSpPr/>
+          <p:nvPr/>
+        </p:nvGrpSpPr>
+        <p:grpSpPr>
+          <a:xfrm>
+            <a:off x="11861799" y="3029566"/>
+            <a:ext cx="101602" cy="798867"/>
+            <a:chOff x="11861799" y="3018615"/>
+            <a:chExt cx="101602" cy="798867"/>
+          </a:xfrm>
+        </p:grpSpPr>
+        <p:sp>
+          <p:nvSpPr>
+            <p:cNvPr id="24" name="타원 23">
+              <a:extLst>
+                <a:ext uri="{FF2B5EF4-FFF2-40B4-BE49-F238E27FC236}">
+                  <a16:creationId xmlns:a16="http://schemas.microsoft.com/office/drawing/2014/main" id="{015AF492-935E-4469-A4B0-E0076A79857E}"/>
+                </a:ext>
+              </a:extLst>
+            </p:cNvPr>
+            <p:cNvSpPr/>
+            <p:nvPr/>
+          </p:nvSpPr>
+          <p:spPr>
+            <a:xfrm>
+              <a:off x="11861799" y="3018615"/>
+              <a:ext cx="101602" cy="101601"/>
+            </a:xfrm>
+            <a:prstGeom prst="roundRect">
+              <a:avLst/>
+            </a:prstGeom>
+            <a:solidFill>
+              <a:schemeClr val="bg1"/>
+            </a:solidFill>
+            <a:ln>
+              <a:noFill/>
+            </a:ln>
+          </p:spPr>
+          <p:style>
+            <a:lnRef idx="2">
+              <a:schemeClr val="accent1">
+                <a:shade val="50000"/>
+              </a:schemeClr>
+            </a:lnRef>
+            <a:fillRef idx="1">
+              <a:schemeClr val="accent1"/>
+            </a:fillRef>
+            <a:effectRef idx="0">
+              <a:schemeClr val="accent1"/>
+            </a:effectRef>
+            <a:fontRef idx="minor">
+              <a:schemeClr val="lt1"/>
+            </a:fontRef>
+          </p:style>
+          <p:txBody>
+            <a:bodyPr rtlCol="0" anchor="ctr"/>
+            <a:lstStyle/>
+            <a:p>
+              <a:pPr algn="ctr"/>
+              <a:endParaRPr lang="ko-KR" altLang="en-US"/>
+            </a:p>
+          </p:txBody>
+        </p:sp>
+        <p:sp>
+          <p:nvSpPr>
+            <p:cNvPr id="28" name="타원 27">
+              <a:extLst>
+                <a:ext uri="{FF2B5EF4-FFF2-40B4-BE49-F238E27FC236}">
+                  <a16:creationId xmlns:a16="http://schemas.microsoft.com/office/drawing/2014/main" id="{FF1CB2F4-25B4-4DEE-A3B8-FD46D262F40F}"/>
+                </a:ext>
+              </a:extLst>
+            </p:cNvPr>
+            <p:cNvSpPr/>
+            <p:nvPr/>
+          </p:nvSpPr>
+          <p:spPr>
+            <a:xfrm>
+              <a:off x="11861799" y="3251037"/>
+              <a:ext cx="101602" cy="101601"/>
+            </a:xfrm>
+            <a:prstGeom prst="roundRect">
+              <a:avLst/>
+            </a:prstGeom>
+            <a:solidFill>
+              <a:schemeClr val="tx1">
+                <a:lumMod val="65000"/>
+                <a:lumOff val="35000"/>
+              </a:schemeClr>
+            </a:solidFill>
+            <a:ln>
+              <a:noFill/>
+            </a:ln>
+          </p:spPr>
+          <p:style>
+            <a:lnRef idx="2">
+              <a:schemeClr val="accent1">
+                <a:shade val="50000"/>
+              </a:schemeClr>
+            </a:lnRef>
+            <a:fillRef idx="1">
+              <a:schemeClr val="accent1"/>
+            </a:fillRef>
+            <a:effectRef idx="0">
+              <a:schemeClr val="accent1"/>
+            </a:effectRef>
+            <a:fontRef idx="minor">
+              <a:schemeClr val="lt1"/>
+            </a:fontRef>
+          </p:style>
+          <p:txBody>
+            <a:bodyPr rtlCol="0" anchor="ctr"/>
+            <a:lstStyle/>
+            <a:p>
+              <a:pPr algn="ctr"/>
+              <a:endParaRPr lang="ko-KR" altLang="en-US"/>
+            </a:p>
+          </p:txBody>
+        </p:sp>
+        <p:sp>
+          <p:nvSpPr>
+            <p:cNvPr id="30" name="타원 29">
+              <a:extLst>
+                <a:ext uri="{FF2B5EF4-FFF2-40B4-BE49-F238E27FC236}">
+                  <a16:creationId xmlns:a16="http://schemas.microsoft.com/office/drawing/2014/main" id="{C46557B9-CC12-487D-A0EA-5BB155CF10CE}"/>
+                </a:ext>
+              </a:extLst>
+            </p:cNvPr>
+            <p:cNvSpPr/>
+            <p:nvPr/>
+          </p:nvSpPr>
+          <p:spPr>
+            <a:xfrm>
+              <a:off x="11861799" y="3483459"/>
+              <a:ext cx="101602" cy="101601"/>
+            </a:xfrm>
+            <a:prstGeom prst="roundRect">
+              <a:avLst/>
+            </a:prstGeom>
+            <a:solidFill>
+              <a:schemeClr val="tx1">
+                <a:lumMod val="65000"/>
+                <a:lumOff val="35000"/>
+              </a:schemeClr>
+            </a:solidFill>
+            <a:ln>
+              <a:noFill/>
+            </a:ln>
+          </p:spPr>
+          <p:style>
+            <a:lnRef idx="2">
+              <a:schemeClr val="accent1">
+                <a:shade val="50000"/>
+              </a:schemeClr>
+            </a:lnRef>
+            <a:fillRef idx="1">
+              <a:schemeClr val="accent1"/>
+            </a:fillRef>
+            <a:effectRef idx="0">
+              <a:schemeClr val="accent1"/>
+            </a:effectRef>
+            <a:fontRef idx="minor">
+              <a:schemeClr val="lt1"/>
+            </a:fontRef>
+          </p:style>
+          <p:txBody>
+            <a:bodyPr rtlCol="0" anchor="ctr"/>
+            <a:lstStyle/>
+            <a:p>
+              <a:pPr algn="ctr"/>
+              <a:endParaRPr lang="ko-KR" altLang="en-US"/>
+            </a:p>
+          </p:txBody>
+        </p:sp>
+        <p:sp>
+          <p:nvSpPr>
+            <p:cNvPr id="31" name="타원 30">
+              <a:extLst>
+                <a:ext uri="{FF2B5EF4-FFF2-40B4-BE49-F238E27FC236}">
+                  <a16:creationId xmlns:a16="http://schemas.microsoft.com/office/drawing/2014/main" id="{CAD48EAD-D539-41BD-827F-65448A29B3E7}"/>
+                </a:ext>
+              </a:extLst>
+            </p:cNvPr>
+            <p:cNvSpPr/>
+            <p:nvPr/>
+          </p:nvSpPr>
+          <p:spPr>
+            <a:xfrm>
+              <a:off x="11861799" y="3715881"/>
+              <a:ext cx="101602" cy="101601"/>
+            </a:xfrm>
+            <a:prstGeom prst="roundRect">
+              <a:avLst/>
+            </a:prstGeom>
+            <a:solidFill>
+              <a:schemeClr val="tx1">
+                <a:lumMod val="65000"/>
+                <a:lumOff val="35000"/>
+              </a:schemeClr>
+            </a:solidFill>
+            <a:ln>
+              <a:noFill/>
+            </a:ln>
+          </p:spPr>
+          <p:style>
+            <a:lnRef idx="2">
+              <a:schemeClr val="accent1">
+                <a:shade val="50000"/>
+              </a:schemeClr>
+            </a:lnRef>
+            <a:fillRef idx="1">
+              <a:schemeClr val="accent1"/>
+            </a:fillRef>
+            <a:effectRef idx="0">
+              <a:schemeClr val="accent1"/>
+            </a:effectRef>
+            <a:fontRef idx="minor">
+              <a:schemeClr val="lt1"/>
+            </a:fontRef>
+          </p:style>
+          <p:txBody>
+            <a:bodyPr rtlCol="0" anchor="ctr"/>
+            <a:lstStyle/>
+            <a:p>
+              <a:pPr algn="ctr"/>
+              <a:endParaRPr lang="ko-KR" altLang="en-US"/>
+            </a:p>
+          </p:txBody>
+        </p:sp>
+      </p:grpSp>
       <p:sp>
         <p:nvSpPr>
-          <p:cNvPr id="25" name="TextBox 24"/>
-          <p:cNvSpPr txBox="1"/>
-          <p:nvPr/>
+          <p:cNvPr id="59" name="텍스트 개체 틀 9">
+            <a:extLst>
+              <a:ext uri="{FF2B5EF4-FFF2-40B4-BE49-F238E27FC236}">
+                <a16:creationId xmlns:a16="http://schemas.microsoft.com/office/drawing/2014/main" id="{24DACF00-4650-4587-8067-0A70D73A59DA}"/>
+              </a:ext>
+            </a:extLst>
+          </p:cNvPr>
+          <p:cNvSpPr>
+            <a:spLocks noGrp="1"/>
+          </p:cNvSpPr>
+          <p:nvPr>
+            <p:ph type="body" sz="quarter" idx="13" hasCustomPrompt="1"/>
+          </p:nvPr>
         </p:nvSpPr>
         <p:spPr>
           <a:xfrm>
-            <a:off x="7001363" y="3643767"/>
-            <a:ext cx="4860436" cy="369332"/>
+            <a:off x="7335536" y="293599"/>
+            <a:ext cx="4562777" cy="161468"/>
           </a:xfrm>
-          <a:prstGeom prst="rect">
-            <a:avLst/>
-          </a:prstGeom>
-          <a:noFill/>
         </p:spPr>
         <p:txBody>
-          <a:bodyPr wrap="square" lIns="91440" tIns="45720" rIns="91440" bIns="45720" rtlCol="0" anchor="t">
-            <a:spAutoFit/>
+          <a:bodyPr lIns="0" tIns="0" rIns="0" bIns="0" anchor="b">
+            <a:noAutofit/>
           </a:bodyPr>
-          <a:lstStyle/>
+          <a:lstStyle>
+            <a:lvl1pPr algn="l">
+              <a:lnSpc>
+                <a:spcPct val="120000"/>
+              </a:lnSpc>
+              <a:defRPr lang="ko-KR" altLang="en-US" sz="1100" kern="1200" baseline="0" dirty="0">
+                <a:ln>
+                  <a:solidFill>
+                    <a:schemeClr val="accent1">
+                      <a:alpha val="0"/>
+                    </a:schemeClr>
+                  </a:solidFill>
+                </a:ln>
+                <a:solidFill>
+                  <a:schemeClr val="bg1"/>
+                </a:solidFill>
+                <a:latin typeface="+mn-lt"/>
+                <a:ea typeface="+mn-ea"/>
+                <a:cs typeface="+mn-cs"/>
+              </a:defRPr>
+            </a:lvl1pPr>
+            <a:lvl2pPr>
+              <a:defRPr/>
+            </a:lvl2pPr>
+            <a:lvl3pPr>
+              <a:defRPr/>
+            </a:lvl3pPr>
+            <a:lvl4pPr>
+              <a:defRPr/>
+            </a:lvl4pPr>
+            <a:lvl5pPr>
+              <a:defRPr/>
+            </a:lvl5pPr>
+          </a:lstStyle>
           <a:p>
             <a:r>
-              <a:rPr lang="ko-KR" altLang="en-US" dirty="0">
-                <a:solidFill>
-                  <a:schemeClr val="bg1"/>
+              <a:rPr lang="ko-KR" altLang="en-US" sz="1100">
+                <a:solidFill>
+                  <a:schemeClr val="bg1">
+                    <a:alpha val="60000"/>
+                  </a:schemeClr>
                 </a:solidFill>
               </a:rPr>
-              <a:t>서브 및 상세 페이지 구현</a:t>
-            </a:r>
-            <a:endParaRPr lang="ko-KR" altLang="ko-KR" dirty="0">
+              <a:t>기획의도 </a:t>
+            </a:r>
+            <a:r>
+              <a:rPr lang="en-US" altLang="ko-KR" sz="1100"/>
+              <a:t>	                    </a:t>
+            </a:r>
+            <a:r>
+              <a:rPr lang="ko-KR" altLang="en-US" sz="1100" err="1"/>
+              <a:t>사이트구현</a:t>
+            </a:r>
+            <a:r>
+              <a:rPr lang="ko-KR" altLang="en-US" sz="1100"/>
+              <a:t>                      </a:t>
+            </a:r>
+            <a:r>
+              <a:rPr lang="ko-KR" altLang="en-US" sz="1100">
+                <a:solidFill>
+                  <a:schemeClr val="bg1">
+                    <a:alpha val="60000"/>
+                  </a:schemeClr>
+                </a:solidFill>
+              </a:rPr>
+              <a:t>향후개발방향</a:t>
+            </a:r>
+            <a:endParaRPr lang="en-US" altLang="ko-KR" sz="1100">
               <a:solidFill>
-                <a:schemeClr val="bg1"/>
+                <a:schemeClr val="bg1">
+                  <a:alpha val="60000"/>
+                </a:schemeClr>
               </a:solidFill>
             </a:endParaRPr>
           </a:p>
         </p:txBody>
       </p:sp>
-      <p:cxnSp>
-        <p:nvCxnSpPr>
-          <p:cNvPr id="26" name="직선 연결선 25">
+      <p:pic>
+        <p:nvPicPr>
+          <p:cNvPr id="5" name="그림 4"/>
+          <p:cNvPicPr>
+            <a:picLocks noChangeAspect="1"/>
+          </p:cNvPicPr>
+          <p:nvPr/>
+        </p:nvPicPr>
+        <p:blipFill>
+          <a:blip r:embed="rId2"/>
+          <a:stretch>
+            <a:fillRect/>
+          </a:stretch>
+        </p:blipFill>
+        <p:spPr>
+          <a:xfrm>
+            <a:off x="717588" y="2069426"/>
+            <a:ext cx="1190791" cy="447737"/>
+          </a:xfrm>
+          <a:prstGeom prst="rect">
+            <a:avLst/>
+          </a:prstGeom>
+        </p:spPr>
+      </p:pic>
+      <p:pic>
+        <p:nvPicPr>
+          <p:cNvPr id="6" name="그림 5"/>
+          <p:cNvPicPr>
+            <a:picLocks noChangeAspect="1"/>
+          </p:cNvPicPr>
+          <p:nvPr/>
+        </p:nvPicPr>
+        <p:blipFill>
+          <a:blip r:embed="rId3"/>
+          <a:stretch>
+            <a:fillRect/>
+          </a:stretch>
+        </p:blipFill>
+        <p:spPr>
+          <a:xfrm>
+            <a:off x="717588" y="2586841"/>
+            <a:ext cx="2962688" cy="2381582"/>
+          </a:xfrm>
+          <a:prstGeom prst="rect">
+            <a:avLst/>
+          </a:prstGeom>
+        </p:spPr>
+      </p:pic>
+      <p:pic>
+        <p:nvPicPr>
+          <p:cNvPr id="7" name="그림 6"/>
+          <p:cNvPicPr>
+            <a:picLocks noChangeAspect="1"/>
+          </p:cNvPicPr>
+          <p:nvPr/>
+        </p:nvPicPr>
+        <p:blipFill>
+          <a:blip r:embed="rId4"/>
+          <a:stretch>
+            <a:fillRect/>
+          </a:stretch>
+        </p:blipFill>
+        <p:spPr>
+          <a:xfrm>
+            <a:off x="4009734" y="2586841"/>
+            <a:ext cx="4172532" cy="409632"/>
+          </a:xfrm>
+          <a:prstGeom prst="rect">
+            <a:avLst/>
+          </a:prstGeom>
+        </p:spPr>
+      </p:pic>
+      <p:pic>
+        <p:nvPicPr>
+          <p:cNvPr id="8" name="그림 7"/>
+          <p:cNvPicPr>
+            <a:picLocks noChangeAspect="1"/>
+          </p:cNvPicPr>
+          <p:nvPr/>
+        </p:nvPicPr>
+        <p:blipFill>
+          <a:blip r:embed="rId5"/>
+          <a:stretch>
+            <a:fillRect/>
+          </a:stretch>
+        </p:blipFill>
+        <p:spPr>
+          <a:xfrm>
+            <a:off x="4009734" y="3542630"/>
+            <a:ext cx="4772691" cy="209579"/>
+          </a:xfrm>
+          <a:prstGeom prst="rect">
+            <a:avLst/>
+          </a:prstGeom>
+        </p:spPr>
+      </p:pic>
+      <p:pic>
+        <p:nvPicPr>
+          <p:cNvPr id="12" name="그림 11"/>
+          <p:cNvPicPr>
+            <a:picLocks noChangeAspect="1"/>
+          </p:cNvPicPr>
+          <p:nvPr/>
+        </p:nvPicPr>
+        <p:blipFill>
+          <a:blip r:embed="rId6"/>
+          <a:stretch>
+            <a:fillRect/>
+          </a:stretch>
+        </p:blipFill>
+        <p:spPr>
+          <a:xfrm>
+            <a:off x="4009734" y="3338988"/>
+            <a:ext cx="3524742" cy="171474"/>
+          </a:xfrm>
+          <a:prstGeom prst="rect">
+            <a:avLst/>
+          </a:prstGeom>
+        </p:spPr>
+      </p:pic>
+    </p:spTree>
+    <p:extLst>
+      <p:ext uri="{BB962C8B-B14F-4D97-AF65-F5344CB8AC3E}">
+        <p14:creationId xmlns:p14="http://schemas.microsoft.com/office/powerpoint/2010/main" val="3517345775"/>
+      </p:ext>
+    </p:extLst>
+  </p:cSld>
+  <p:clrMapOvr>
+    <a:masterClrMapping/>
+  </p:clrMapOvr>
+  <p:timing>
+    <p:tnLst>
+      <p:par>
+        <p:cTn id="1" dur="indefinite" restart="never" nodeType="tmRoot"/>
+      </p:par>
+    </p:tnLst>
+  </p:timing>
+</p:sld>
+</file>
+
+<file path=ppt/slides/slide8.xml><?xml version="1.0" encoding="utf-8"?>
+<p:sld xmlns:a="http://schemas.openxmlformats.org/drawingml/2006/main" xmlns:r="http://schemas.openxmlformats.org/officeDocument/2006/relationships" xmlns:p="http://schemas.openxmlformats.org/presentationml/2006/main">
+  <p:cSld>
+    <p:spTree>
+      <p:nvGrpSpPr>
+        <p:cNvPr id="1" name=""/>
+        <p:cNvGrpSpPr/>
+        <p:nvPr/>
+      </p:nvGrpSpPr>
+      <p:grpSpPr>
+        <a:xfrm>
+          <a:off x="0" y="0"/>
+          <a:ext cx="0" cy="0"/>
+          <a:chOff x="0" y="0"/>
+          <a:chExt cx="0" cy="0"/>
+        </a:xfrm>
+      </p:grpSpPr>
+      <p:sp>
+        <p:nvSpPr>
+          <p:cNvPr id="17" name="제목 16">
             <a:extLst>
               <a:ext uri="{FF2B5EF4-FFF2-40B4-BE49-F238E27FC236}">
-                <a16:creationId xmlns:a16="http://schemas.microsoft.com/office/drawing/2014/main" id="{4488BF5F-F8C9-4AD5-8F0A-BFC9B411F828}"/>
+                <a16:creationId xmlns:a16="http://schemas.microsoft.com/office/drawing/2014/main" id="{538766AC-5FB7-41CD-BE08-06DE8DBE4BB2}"/>
               </a:ext>
             </a:extLst>
           </p:cNvPr>
-          <p:cNvCxnSpPr/>
+          <p:cNvSpPr>
+            <a:spLocks noGrp="1"/>
+          </p:cNvSpPr>
+          <p:nvPr>
+            <p:ph type="title"/>
+          </p:nvPr>
+        </p:nvSpPr>
+        <p:spPr>
+          <a:xfrm>
+            <a:off x="596246" y="661615"/>
+            <a:ext cx="5459134" cy="511062"/>
+          </a:xfrm>
+          <a:solidFill>
+            <a:srgbClr val="262626"/>
+          </a:solidFill>
+        </p:spPr>
+        <p:txBody>
+          <a:bodyPr/>
+          <a:lstStyle/>
+          <a:p>
+            <a:pPr lvl="0"/>
+            <a:r>
+              <a:rPr lang="ko-KR" altLang="en-US" dirty="0" smtClean="0">
+                <a:ln>
+                  <a:solidFill>
+                    <a:srgbClr val="4472C4">
+                      <a:alpha val="0"/>
+                    </a:srgbClr>
+                  </a:solidFill>
+                </a:ln>
+                <a:solidFill>
+                  <a:prstClr val="white"/>
+                </a:solidFill>
+              </a:rPr>
+              <a:t>카카오 로그인 기능 구현</a:t>
+            </a:r>
+            <a:endParaRPr lang="en-US" altLang="ko-KR" dirty="0">
+              <a:ln>
+                <a:solidFill>
+                  <a:srgbClr val="4472C4">
+                    <a:alpha val="0"/>
+                  </a:srgbClr>
+                </a:solidFill>
+              </a:ln>
+              <a:solidFill>
+                <a:prstClr val="white"/>
+              </a:solidFill>
+            </a:endParaRPr>
+          </a:p>
+        </p:txBody>
+      </p:sp>
+      <p:sp>
+        <p:nvSpPr>
+          <p:cNvPr id="20" name="슬라이드 번호 개체 틀 19">
+            <a:extLst>
+              <a:ext uri="{FF2B5EF4-FFF2-40B4-BE49-F238E27FC236}">
+                <a16:creationId xmlns:a16="http://schemas.microsoft.com/office/drawing/2014/main" id="{5D10BEF8-C3D2-456C-86E5-CDB9D8098737}"/>
+              </a:ext>
+            </a:extLst>
+          </p:cNvPr>
+          <p:cNvSpPr>
+            <a:spLocks noGrp="1"/>
+          </p:cNvSpPr>
+          <p:nvPr>
+            <p:ph type="sldNum" sz="quarter" idx="12"/>
+          </p:nvPr>
+        </p:nvSpPr>
+        <p:spPr>
+          <a:xfrm>
+            <a:off x="11515883" y="6535564"/>
+            <a:ext cx="406242" cy="223838"/>
+          </a:xfrm>
+        </p:spPr>
+        <p:txBody>
+          <a:bodyPr/>
+          <a:lstStyle/>
+          <a:p>
+            <a:fld id="{143BF621-4FC3-44DB-97C1-2906C2BBA181}" type="slidenum">
+              <a:rPr lang="en-US" altLang="ko-KR" sz="900" b="1" smtClean="0"/>
+              <a:pPr/>
+              <a:t>8</a:t>
+            </a:fld>
+            <a:endParaRPr lang="en-US" sz="900" b="1"/>
+          </a:p>
+        </p:txBody>
+      </p:sp>
+      <p:sp>
+        <p:nvSpPr>
+          <p:cNvPr id="22" name="텍스트 개체 틀 21">
+            <a:extLst>
+              <a:ext uri="{FF2B5EF4-FFF2-40B4-BE49-F238E27FC236}">
+                <a16:creationId xmlns:a16="http://schemas.microsoft.com/office/drawing/2014/main" id="{39A03912-2C30-4A1E-A949-CCA2FA1B86AF}"/>
+              </a:ext>
+            </a:extLst>
+          </p:cNvPr>
+          <p:cNvSpPr>
+            <a:spLocks noGrp="1"/>
+          </p:cNvSpPr>
+          <p:nvPr>
+            <p:ph type="body" sz="quarter" idx="14"/>
+          </p:nvPr>
+        </p:nvSpPr>
+        <p:spPr>
+          <a:xfrm>
+            <a:off x="632162" y="204825"/>
+            <a:ext cx="2365038" cy="334963"/>
+          </a:xfrm>
+        </p:spPr>
+        <p:txBody>
+          <a:bodyPr/>
+          <a:lstStyle/>
+          <a:p>
+            <a:r>
+              <a:rPr lang="en-US" altLang="ko-KR" sz="1600"/>
+              <a:t> </a:t>
+            </a:r>
+            <a:r>
+              <a:rPr lang="ko-KR" altLang="en-US" sz="1600"/>
+              <a:t>사이트 구현</a:t>
+            </a:r>
+            <a:endParaRPr lang="en-US" altLang="ko-KR" sz="1600"/>
+          </a:p>
+        </p:txBody>
+      </p:sp>
+      <p:cxnSp>
+        <p:nvCxnSpPr>
+          <p:cNvPr id="16" name="직선 연결선 15">
+            <a:extLst>
+              <a:ext uri="{FF2B5EF4-FFF2-40B4-BE49-F238E27FC236}">
+                <a16:creationId xmlns:a16="http://schemas.microsoft.com/office/drawing/2014/main" id="{556817DD-8257-448B-A648-6DCF78476E78}"/>
+              </a:ext>
+            </a:extLst>
+          </p:cNvPr>
+          <p:cNvCxnSpPr>
+            <a:cxnSpLocks/>
+          </p:cNvCxnSpPr>
           <p:nvPr/>
         </p:nvCxnSpPr>
         <p:spPr>
-          <a:xfrm>
-            <a:off x="7077899" y="4060855"/>
-            <a:ext cx="4124476" cy="0"/>
+          <a:xfrm flipV="1">
+            <a:off x="596246" y="1791510"/>
+            <a:ext cx="10999508" cy="1"/>
           </a:xfrm>
           <a:prstGeom prst="line">
             <a:avLst/>
           </a:prstGeom>
-          <a:ln w="19050">
+          <a:ln>
             <a:solidFill>
               <a:schemeClr val="bg1">
-                <a:alpha val="22000"/>
+                <a:alpha val="12000"/>
               </a:schemeClr>
             </a:solidFill>
           </a:ln>
@@ -9674,92 +14188,475 @@
           </a:fontRef>
         </p:style>
       </p:cxnSp>
+      <p:grpSp>
+        <p:nvGrpSpPr>
+          <p:cNvPr id="34" name="그룹 33">
+            <a:extLst>
+              <a:ext uri="{FF2B5EF4-FFF2-40B4-BE49-F238E27FC236}">
+                <a16:creationId xmlns:a16="http://schemas.microsoft.com/office/drawing/2014/main" id="{3CF7C648-1203-46CD-B1B5-FBCCE76BF946}"/>
+              </a:ext>
+            </a:extLst>
+          </p:cNvPr>
+          <p:cNvGrpSpPr/>
+          <p:nvPr/>
+        </p:nvGrpSpPr>
+        <p:grpSpPr>
+          <a:xfrm>
+            <a:off x="11861799" y="3029566"/>
+            <a:ext cx="101602" cy="798867"/>
+            <a:chOff x="11861799" y="3018615"/>
+            <a:chExt cx="101602" cy="798867"/>
+          </a:xfrm>
+        </p:grpSpPr>
+        <p:sp>
+          <p:nvSpPr>
+            <p:cNvPr id="24" name="타원 23">
+              <a:extLst>
+                <a:ext uri="{FF2B5EF4-FFF2-40B4-BE49-F238E27FC236}">
+                  <a16:creationId xmlns:a16="http://schemas.microsoft.com/office/drawing/2014/main" id="{015AF492-935E-4469-A4B0-E0076A79857E}"/>
+                </a:ext>
+              </a:extLst>
+            </p:cNvPr>
+            <p:cNvSpPr/>
+            <p:nvPr/>
+          </p:nvSpPr>
+          <p:spPr>
+            <a:xfrm>
+              <a:off x="11861799" y="3018615"/>
+              <a:ext cx="101602" cy="101601"/>
+            </a:xfrm>
+            <a:prstGeom prst="roundRect">
+              <a:avLst/>
+            </a:prstGeom>
+            <a:solidFill>
+              <a:schemeClr val="bg1"/>
+            </a:solidFill>
+            <a:ln>
+              <a:noFill/>
+            </a:ln>
+          </p:spPr>
+          <p:style>
+            <a:lnRef idx="2">
+              <a:schemeClr val="accent1">
+                <a:shade val="50000"/>
+              </a:schemeClr>
+            </a:lnRef>
+            <a:fillRef idx="1">
+              <a:schemeClr val="accent1"/>
+            </a:fillRef>
+            <a:effectRef idx="0">
+              <a:schemeClr val="accent1"/>
+            </a:effectRef>
+            <a:fontRef idx="minor">
+              <a:schemeClr val="lt1"/>
+            </a:fontRef>
+          </p:style>
+          <p:txBody>
+            <a:bodyPr rtlCol="0" anchor="ctr"/>
+            <a:lstStyle/>
+            <a:p>
+              <a:pPr algn="ctr"/>
+              <a:endParaRPr lang="ko-KR" altLang="en-US"/>
+            </a:p>
+          </p:txBody>
+        </p:sp>
+        <p:sp>
+          <p:nvSpPr>
+            <p:cNvPr id="28" name="타원 27">
+              <a:extLst>
+                <a:ext uri="{FF2B5EF4-FFF2-40B4-BE49-F238E27FC236}">
+                  <a16:creationId xmlns:a16="http://schemas.microsoft.com/office/drawing/2014/main" id="{FF1CB2F4-25B4-4DEE-A3B8-FD46D262F40F}"/>
+                </a:ext>
+              </a:extLst>
+            </p:cNvPr>
+            <p:cNvSpPr/>
+            <p:nvPr/>
+          </p:nvSpPr>
+          <p:spPr>
+            <a:xfrm>
+              <a:off x="11861799" y="3251037"/>
+              <a:ext cx="101602" cy="101601"/>
+            </a:xfrm>
+            <a:prstGeom prst="roundRect">
+              <a:avLst/>
+            </a:prstGeom>
+            <a:solidFill>
+              <a:schemeClr val="tx1">
+                <a:lumMod val="65000"/>
+                <a:lumOff val="35000"/>
+              </a:schemeClr>
+            </a:solidFill>
+            <a:ln>
+              <a:noFill/>
+            </a:ln>
+          </p:spPr>
+          <p:style>
+            <a:lnRef idx="2">
+              <a:schemeClr val="accent1">
+                <a:shade val="50000"/>
+              </a:schemeClr>
+            </a:lnRef>
+            <a:fillRef idx="1">
+              <a:schemeClr val="accent1"/>
+            </a:fillRef>
+            <a:effectRef idx="0">
+              <a:schemeClr val="accent1"/>
+            </a:effectRef>
+            <a:fontRef idx="minor">
+              <a:schemeClr val="lt1"/>
+            </a:fontRef>
+          </p:style>
+          <p:txBody>
+            <a:bodyPr rtlCol="0" anchor="ctr"/>
+            <a:lstStyle/>
+            <a:p>
+              <a:pPr algn="ctr"/>
+              <a:endParaRPr lang="ko-KR" altLang="en-US"/>
+            </a:p>
+          </p:txBody>
+        </p:sp>
+        <p:sp>
+          <p:nvSpPr>
+            <p:cNvPr id="30" name="타원 29">
+              <a:extLst>
+                <a:ext uri="{FF2B5EF4-FFF2-40B4-BE49-F238E27FC236}">
+                  <a16:creationId xmlns:a16="http://schemas.microsoft.com/office/drawing/2014/main" id="{C46557B9-CC12-487D-A0EA-5BB155CF10CE}"/>
+                </a:ext>
+              </a:extLst>
+            </p:cNvPr>
+            <p:cNvSpPr/>
+            <p:nvPr/>
+          </p:nvSpPr>
+          <p:spPr>
+            <a:xfrm>
+              <a:off x="11861799" y="3483459"/>
+              <a:ext cx="101602" cy="101601"/>
+            </a:xfrm>
+            <a:prstGeom prst="roundRect">
+              <a:avLst/>
+            </a:prstGeom>
+            <a:solidFill>
+              <a:schemeClr val="tx1">
+                <a:lumMod val="65000"/>
+                <a:lumOff val="35000"/>
+              </a:schemeClr>
+            </a:solidFill>
+            <a:ln>
+              <a:noFill/>
+            </a:ln>
+          </p:spPr>
+          <p:style>
+            <a:lnRef idx="2">
+              <a:schemeClr val="accent1">
+                <a:shade val="50000"/>
+              </a:schemeClr>
+            </a:lnRef>
+            <a:fillRef idx="1">
+              <a:schemeClr val="accent1"/>
+            </a:fillRef>
+            <a:effectRef idx="0">
+              <a:schemeClr val="accent1"/>
+            </a:effectRef>
+            <a:fontRef idx="minor">
+              <a:schemeClr val="lt1"/>
+            </a:fontRef>
+          </p:style>
+          <p:txBody>
+            <a:bodyPr rtlCol="0" anchor="ctr"/>
+            <a:lstStyle/>
+            <a:p>
+              <a:pPr algn="ctr"/>
+              <a:endParaRPr lang="ko-KR" altLang="en-US"/>
+            </a:p>
+          </p:txBody>
+        </p:sp>
+        <p:sp>
+          <p:nvSpPr>
+            <p:cNvPr id="31" name="타원 30">
+              <a:extLst>
+                <a:ext uri="{FF2B5EF4-FFF2-40B4-BE49-F238E27FC236}">
+                  <a16:creationId xmlns:a16="http://schemas.microsoft.com/office/drawing/2014/main" id="{CAD48EAD-D539-41BD-827F-65448A29B3E7}"/>
+                </a:ext>
+              </a:extLst>
+            </p:cNvPr>
+            <p:cNvSpPr/>
+            <p:nvPr/>
+          </p:nvSpPr>
+          <p:spPr>
+            <a:xfrm>
+              <a:off x="11861799" y="3715881"/>
+              <a:ext cx="101602" cy="101601"/>
+            </a:xfrm>
+            <a:prstGeom prst="roundRect">
+              <a:avLst/>
+            </a:prstGeom>
+            <a:solidFill>
+              <a:schemeClr val="tx1">
+                <a:lumMod val="65000"/>
+                <a:lumOff val="35000"/>
+              </a:schemeClr>
+            </a:solidFill>
+            <a:ln>
+              <a:noFill/>
+            </a:ln>
+          </p:spPr>
+          <p:style>
+            <a:lnRef idx="2">
+              <a:schemeClr val="accent1">
+                <a:shade val="50000"/>
+              </a:schemeClr>
+            </a:lnRef>
+            <a:fillRef idx="1">
+              <a:schemeClr val="accent1"/>
+            </a:fillRef>
+            <a:effectRef idx="0">
+              <a:schemeClr val="accent1"/>
+            </a:effectRef>
+            <a:fontRef idx="minor">
+              <a:schemeClr val="lt1"/>
+            </a:fontRef>
+          </p:style>
+          <p:txBody>
+            <a:bodyPr rtlCol="0" anchor="ctr"/>
+            <a:lstStyle/>
+            <a:p>
+              <a:pPr algn="ctr"/>
+              <a:endParaRPr lang="ko-KR" altLang="en-US"/>
+            </a:p>
+          </p:txBody>
+        </p:sp>
+      </p:grpSp>
       <p:sp>
         <p:nvSpPr>
-          <p:cNvPr id="27" name="TextBox 26"/>
-          <p:cNvSpPr txBox="1"/>
+          <p:cNvPr id="33" name="직사각형 32">
+            <a:extLst>
+              <a:ext uri="{FF2B5EF4-FFF2-40B4-BE49-F238E27FC236}">
+                <a16:creationId xmlns:a16="http://schemas.microsoft.com/office/drawing/2014/main" id="{22D5687F-74BF-4ADD-A8B7-0D4E7109BEF1}"/>
+              </a:ext>
+            </a:extLst>
+          </p:cNvPr>
+          <p:cNvSpPr/>
           <p:nvPr/>
         </p:nvSpPr>
         <p:spPr>
           <a:xfrm>
-            <a:off x="555626" y="1962004"/>
-            <a:ext cx="4288936" cy="1477328"/>
+            <a:off x="596243" y="1952561"/>
+            <a:ext cx="6087881" cy="4330700"/>
           </a:xfrm>
           <a:prstGeom prst="rect">
             <a:avLst/>
           </a:prstGeom>
-          <a:noFill/>
+          <a:solidFill>
+            <a:schemeClr val="tx1">
+              <a:lumMod val="85000"/>
+              <a:lumOff val="15000"/>
+              <a:alpha val="10000"/>
+            </a:schemeClr>
+          </a:solidFill>
+          <a:ln>
+            <a:solidFill>
+              <a:schemeClr val="bg1">
+                <a:alpha val="12000"/>
+              </a:schemeClr>
+            </a:solidFill>
+          </a:ln>
+        </p:spPr>
+        <p:style>
+          <a:lnRef idx="1">
+            <a:schemeClr val="accent1"/>
+          </a:lnRef>
+          <a:fillRef idx="0">
+            <a:schemeClr val="accent1"/>
+          </a:fillRef>
+          <a:effectRef idx="0">
+            <a:schemeClr val="accent1"/>
+          </a:effectRef>
+          <a:fontRef idx="minor">
+            <a:schemeClr val="tx1"/>
+          </a:fontRef>
+        </p:style>
+        <p:txBody>
+          <a:bodyPr rtlCol="0" anchor="ctr"/>
+          <a:lstStyle/>
+          <a:p>
+            <a:pPr algn="ctr"/>
+            <a:endParaRPr lang="ko-KR" altLang="en-US" dirty="0"/>
+          </a:p>
+        </p:txBody>
+      </p:sp>
+      <p:sp>
+        <p:nvSpPr>
+          <p:cNvPr id="59" name="텍스트 개체 틀 9">
+            <a:extLst>
+              <a:ext uri="{FF2B5EF4-FFF2-40B4-BE49-F238E27FC236}">
+                <a16:creationId xmlns:a16="http://schemas.microsoft.com/office/drawing/2014/main" id="{24DACF00-4650-4587-8067-0A70D73A59DA}"/>
+              </a:ext>
+            </a:extLst>
+          </p:cNvPr>
+          <p:cNvSpPr>
+            <a:spLocks noGrp="1"/>
+          </p:cNvSpPr>
+          <p:nvPr>
+            <p:ph type="body" sz="quarter" idx="13" hasCustomPrompt="1"/>
+          </p:nvPr>
+        </p:nvSpPr>
+        <p:spPr>
+          <a:xfrm>
+            <a:off x="7335536" y="293599"/>
+            <a:ext cx="4562777" cy="161468"/>
+          </a:xfrm>
         </p:spPr>
         <p:txBody>
-          <a:bodyPr wrap="square" lIns="91440" tIns="45720" rIns="91440" bIns="45720" rtlCol="0" anchor="t">
+          <a:bodyPr lIns="0" tIns="0" rIns="0" bIns="0" anchor="b">
+            <a:noAutofit/>
+          </a:bodyPr>
+          <a:lstStyle>
+            <a:lvl1pPr algn="l">
+              <a:lnSpc>
+                <a:spcPct val="120000"/>
+              </a:lnSpc>
+              <a:defRPr lang="ko-KR" altLang="en-US" sz="1100" kern="1200" baseline="0" dirty="0">
+                <a:ln>
+                  <a:solidFill>
+                    <a:schemeClr val="accent1">
+                      <a:alpha val="0"/>
+                    </a:schemeClr>
+                  </a:solidFill>
+                </a:ln>
+                <a:solidFill>
+                  <a:schemeClr val="bg1"/>
+                </a:solidFill>
+                <a:latin typeface="+mn-lt"/>
+                <a:ea typeface="+mn-ea"/>
+                <a:cs typeface="+mn-cs"/>
+              </a:defRPr>
+            </a:lvl1pPr>
+            <a:lvl2pPr>
+              <a:defRPr/>
+            </a:lvl2pPr>
+            <a:lvl3pPr>
+              <a:defRPr/>
+            </a:lvl3pPr>
+            <a:lvl4pPr>
+              <a:defRPr/>
+            </a:lvl4pPr>
+            <a:lvl5pPr>
+              <a:defRPr/>
+            </a:lvl5pPr>
+          </a:lstStyle>
+          <a:p>
+            <a:r>
+              <a:rPr lang="ko-KR" altLang="en-US" sz="1100">
+                <a:solidFill>
+                  <a:schemeClr val="bg1">
+                    <a:alpha val="60000"/>
+                  </a:schemeClr>
+                </a:solidFill>
+              </a:rPr>
+              <a:t>기획의도 </a:t>
+            </a:r>
+            <a:r>
+              <a:rPr lang="en-US" altLang="ko-KR" sz="1100"/>
+              <a:t>	                    </a:t>
+            </a:r>
+            <a:r>
+              <a:rPr lang="ko-KR" altLang="en-US" sz="1100" err="1"/>
+              <a:t>사이트구현</a:t>
+            </a:r>
+            <a:r>
+              <a:rPr lang="ko-KR" altLang="en-US" sz="1100"/>
+              <a:t>                      </a:t>
+            </a:r>
+            <a:r>
+              <a:rPr lang="ko-KR" altLang="en-US" sz="1100">
+                <a:solidFill>
+                  <a:schemeClr val="bg1">
+                    <a:alpha val="60000"/>
+                  </a:schemeClr>
+                </a:solidFill>
+              </a:rPr>
+              <a:t>향후개발방향</a:t>
+            </a:r>
+            <a:endParaRPr lang="en-US" altLang="ko-KR" sz="1100">
+              <a:solidFill>
+                <a:schemeClr val="bg1">
+                  <a:alpha val="60000"/>
+                </a:schemeClr>
+              </a:solidFill>
+            </a:endParaRPr>
+          </a:p>
+        </p:txBody>
+      </p:sp>
+      <p:sp>
+        <p:nvSpPr>
+          <p:cNvPr id="3" name="직사각형 2"/>
+          <p:cNvSpPr/>
+          <p:nvPr/>
+        </p:nvSpPr>
+        <p:spPr>
+          <a:xfrm>
+            <a:off x="833482" y="2196503"/>
+            <a:ext cx="2486578" cy="523220"/>
+          </a:xfrm>
+          <a:prstGeom prst="rect">
+            <a:avLst/>
+          </a:prstGeom>
+        </p:spPr>
+        <p:txBody>
+          <a:bodyPr wrap="none">
             <a:spAutoFit/>
           </a:bodyPr>
           <a:lstStyle/>
           <a:p>
             <a:r>
-              <a:rPr lang="ko-KR" altLang="en-US" dirty="0" smtClean="0">
+              <a:rPr lang="en-US" altLang="ko-KR" sz="2800" dirty="0" smtClean="0">
                 <a:solidFill>
                   <a:schemeClr val="bg1"/>
                 </a:solidFill>
+                <a:latin typeface="+mj-lt"/>
               </a:rPr>
-              <a:t>로그인 기능</a:t>
-            </a:r>
-            <a:r>
-              <a:rPr lang="en-US" altLang="ko-KR" dirty="0">
+              <a:t>REST API </a:t>
+            </a:r>
+            <a:r>
+              <a:rPr lang="ko-KR" altLang="en-US" sz="2800" dirty="0" smtClean="0">
                 <a:solidFill>
                   <a:schemeClr val="bg1"/>
                 </a:solidFill>
+                <a:latin typeface="+mj-lt"/>
               </a:rPr>
-              <a:t> </a:t>
-            </a:r>
-            <a:r>
-              <a:rPr lang="ko-KR" altLang="en-US" dirty="0" smtClean="0">
-                <a:solidFill>
-                  <a:schemeClr val="bg1"/>
-                </a:solidFill>
-              </a:rPr>
-              <a:t>구현</a:t>
-            </a:r>
-            <a:r>
-              <a:rPr lang="en-US" altLang="ko-KR" dirty="0" smtClean="0">
-                <a:solidFill>
-                  <a:schemeClr val="bg1"/>
-                </a:solidFill>
-              </a:rPr>
-              <a:t> </a:t>
-            </a:r>
-          </a:p>
-          <a:p>
-            <a:endParaRPr lang="en-US" altLang="ko-KR" dirty="0">
+              <a:t>방식</a:t>
+            </a:r>
+            <a:endParaRPr lang="ko-KR" altLang="en-US" sz="2800" dirty="0">
               <a:solidFill>
                 <a:schemeClr val="bg1"/>
               </a:solidFill>
+              <a:latin typeface="+mj-lt"/>
             </a:endParaRPr>
           </a:p>
+        </p:txBody>
+      </p:sp>
+      <p:sp>
+        <p:nvSpPr>
+          <p:cNvPr id="4" name="직사각형 3"/>
+          <p:cNvSpPr/>
+          <p:nvPr/>
+        </p:nvSpPr>
+        <p:spPr>
+          <a:xfrm>
+            <a:off x="833482" y="2914757"/>
+            <a:ext cx="184731" cy="523220"/>
+          </a:xfrm>
+          <a:prstGeom prst="rect">
+            <a:avLst/>
+          </a:prstGeom>
+        </p:spPr>
+        <p:txBody>
+          <a:bodyPr wrap="none">
+            <a:spAutoFit/>
+          </a:bodyPr>
+          <a:lstStyle/>
           <a:p>
-            <a:r>
-              <a:rPr lang="ko-KR" altLang="en-US" dirty="0" smtClean="0">
-                <a:solidFill>
-                  <a:schemeClr val="bg1"/>
-                </a:solidFill>
-              </a:rPr>
-              <a:t>장바구니 기능 구현</a:t>
-            </a:r>
-            <a:endParaRPr lang="en-US" altLang="ko-KR" dirty="0" smtClean="0">
-              <a:solidFill>
-                <a:schemeClr val="bg1"/>
-              </a:solidFill>
-            </a:endParaRPr>
-          </a:p>
-          <a:p>
-            <a:endParaRPr lang="en-US" altLang="ko-KR" dirty="0" smtClean="0">
-              <a:solidFill>
-                <a:schemeClr val="bg1"/>
-              </a:solidFill>
-            </a:endParaRPr>
-          </a:p>
-          <a:p>
-            <a:endParaRPr lang="ko-KR" dirty="0">
+            <a:endParaRPr lang="ko-KR" altLang="en-US" sz="2800" dirty="0">
               <a:solidFill>
                 <a:schemeClr val="bg1"/>
               </a:solidFill>
@@ -9767,62 +14664,122 @@
           </a:p>
         </p:txBody>
       </p:sp>
+      <p:pic>
+        <p:nvPicPr>
+          <p:cNvPr id="2" name="그림 1"/>
+          <p:cNvPicPr>
+            <a:picLocks noChangeAspect="1"/>
+          </p:cNvPicPr>
+          <p:nvPr/>
+        </p:nvPicPr>
+        <p:blipFill>
+          <a:blip r:embed="rId2"/>
+          <a:stretch>
+            <a:fillRect/>
+          </a:stretch>
+        </p:blipFill>
+        <p:spPr>
+          <a:xfrm>
+            <a:off x="7751977" y="1952561"/>
+            <a:ext cx="3041969" cy="4265028"/>
+          </a:xfrm>
+          <a:prstGeom prst="rect">
+            <a:avLst/>
+          </a:prstGeom>
+        </p:spPr>
+      </p:pic>
       <p:sp>
         <p:nvSpPr>
-          <p:cNvPr id="33" name="TextBox 32"/>
-          <p:cNvSpPr txBox="1"/>
+          <p:cNvPr id="25" name="직사각형 24"/>
+          <p:cNvSpPr/>
           <p:nvPr/>
         </p:nvSpPr>
         <p:spPr>
           <a:xfrm>
-            <a:off x="7001363" y="4136992"/>
-            <a:ext cx="4288936" cy="923330"/>
+            <a:off x="833482" y="3856301"/>
+            <a:ext cx="2473434" cy="523220"/>
           </a:xfrm>
           <a:prstGeom prst="rect">
             <a:avLst/>
           </a:prstGeom>
-          <a:noFill/>
         </p:spPr>
         <p:txBody>
-          <a:bodyPr wrap="square" lIns="91440" tIns="45720" rIns="91440" bIns="45720" rtlCol="0" anchor="t">
+          <a:bodyPr wrap="none">
             <a:spAutoFit/>
           </a:bodyPr>
           <a:lstStyle/>
           <a:p>
             <a:r>
-              <a:rPr lang="ko-KR" altLang="en-US" dirty="0">
+              <a:rPr lang="en-US" altLang="ko-KR" sz="2800" dirty="0" err="1">
                 <a:solidFill>
                   <a:schemeClr val="bg1"/>
                 </a:solidFill>
+                <a:latin typeface="+mj-lt"/>
               </a:rPr>
-              <a:t>상품 상세 페이지 구현 예정</a:t>
-            </a:r>
-            <a:endParaRPr lang="en-US" altLang="ko-KR" dirty="0">
+              <a:t>a</a:t>
+            </a:r>
+            <a:r>
+              <a:rPr lang="en-US" altLang="ko-KR" sz="2800" dirty="0" err="1" smtClean="0">
+                <a:solidFill>
+                  <a:schemeClr val="bg1"/>
+                </a:solidFill>
+                <a:latin typeface="+mj-lt"/>
+              </a:rPr>
+              <a:t>snyc</a:t>
+            </a:r>
+            <a:r>
+              <a:rPr lang="en-US" altLang="ko-KR" sz="2800" dirty="0" smtClean="0">
+                <a:solidFill>
+                  <a:schemeClr val="bg1"/>
+                </a:solidFill>
+                <a:latin typeface="+mj-lt"/>
+              </a:rPr>
+              <a:t> &amp; await</a:t>
+            </a:r>
+            <a:endParaRPr lang="ko-KR" altLang="en-US" sz="2800" dirty="0">
               <a:solidFill>
                 <a:schemeClr val="bg1"/>
               </a:solidFill>
+              <a:latin typeface="+mj-lt"/>
             </a:endParaRPr>
           </a:p>
+        </p:txBody>
+      </p:sp>
+      <p:sp>
+        <p:nvSpPr>
+          <p:cNvPr id="26" name="직사각형 25"/>
+          <p:cNvSpPr/>
+          <p:nvPr/>
+        </p:nvSpPr>
+        <p:spPr>
+          <a:xfrm>
+            <a:off x="833482" y="3051178"/>
+            <a:ext cx="995785" cy="523220"/>
+          </a:xfrm>
+          <a:prstGeom prst="rect">
+            <a:avLst/>
+          </a:prstGeom>
+        </p:spPr>
+        <p:txBody>
+          <a:bodyPr wrap="none">
+            <a:spAutoFit/>
+          </a:bodyPr>
+          <a:lstStyle/>
           <a:p>
-            <a:endParaRPr lang="en-US" altLang="ko-KR" dirty="0">
+            <a:r>
+              <a:rPr lang="en-US" altLang="ko-KR" sz="2800" dirty="0" err="1" smtClean="0">
+                <a:solidFill>
+                  <a:schemeClr val="bg1"/>
+                </a:solidFill>
+                <a:latin typeface="+mj-lt"/>
+              </a:rPr>
+              <a:t>axios</a:t>
+            </a:r>
+            <a:endParaRPr lang="ko-KR" altLang="en-US" sz="2800" dirty="0">
               <a:solidFill>
                 <a:schemeClr val="bg1"/>
               </a:solidFill>
-            </a:endParaRPr>
-          </a:p>
-          <a:p>
-            <a:r>
-              <a:rPr lang="ko-KR" altLang="en-US" dirty="0">
-                <a:solidFill>
-                  <a:schemeClr val="bg1"/>
-                </a:solidFill>
-              </a:rPr>
-              <a:t>커뮤니티 게시판 구현 예정</a:t>
-            </a:r>
-            <a:endParaRPr lang="en-US" altLang="ko-KR" dirty="0">
-              <a:solidFill>
-                <a:schemeClr val="bg1"/>
-              </a:solidFill>
+              <a:latin typeface="+mj-lt"/>
             </a:endParaRPr>
           </a:p>
         </p:txBody>
@@ -9830,7 +14787,808 @@
     </p:spTree>
     <p:extLst>
       <p:ext uri="{BB962C8B-B14F-4D97-AF65-F5344CB8AC3E}">
-        <p14:creationId xmlns:p14="http://schemas.microsoft.com/office/powerpoint/2010/main" val="231863562"/>
+        <p14:creationId xmlns:p14="http://schemas.microsoft.com/office/powerpoint/2010/main" val="3859359823"/>
+      </p:ext>
+    </p:extLst>
+  </p:cSld>
+  <p:clrMapOvr>
+    <a:masterClrMapping/>
+  </p:clrMapOvr>
+  <p:timing>
+    <p:tnLst>
+      <p:par>
+        <p:cTn id="1" dur="indefinite" restart="never" nodeType="tmRoot"/>
+      </p:par>
+    </p:tnLst>
+  </p:timing>
+</p:sld>
+</file>
+
+<file path=ppt/slides/slide9.xml><?xml version="1.0" encoding="utf-8"?>
+<p:sld xmlns:a="http://schemas.openxmlformats.org/drawingml/2006/main" xmlns:r="http://schemas.openxmlformats.org/officeDocument/2006/relationships" xmlns:p="http://schemas.openxmlformats.org/presentationml/2006/main">
+  <p:cSld>
+    <p:spTree>
+      <p:nvGrpSpPr>
+        <p:cNvPr id="1" name=""/>
+        <p:cNvGrpSpPr/>
+        <p:nvPr/>
+      </p:nvGrpSpPr>
+      <p:grpSpPr>
+        <a:xfrm>
+          <a:off x="0" y="0"/>
+          <a:ext cx="0" cy="0"/>
+          <a:chOff x="0" y="0"/>
+          <a:chExt cx="0" cy="0"/>
+        </a:xfrm>
+      </p:grpSpPr>
+      <p:sp>
+        <p:nvSpPr>
+          <p:cNvPr id="17" name="제목 16">
+            <a:extLst>
+              <a:ext uri="{FF2B5EF4-FFF2-40B4-BE49-F238E27FC236}">
+                <a16:creationId xmlns:a16="http://schemas.microsoft.com/office/drawing/2014/main" id="{538766AC-5FB7-41CD-BE08-06DE8DBE4BB2}"/>
+              </a:ext>
+            </a:extLst>
+          </p:cNvPr>
+          <p:cNvSpPr>
+            <a:spLocks noGrp="1"/>
+          </p:cNvSpPr>
+          <p:nvPr>
+            <p:ph type="title"/>
+          </p:nvPr>
+        </p:nvSpPr>
+        <p:spPr>
+          <a:xfrm>
+            <a:off x="596246" y="661615"/>
+            <a:ext cx="7167362" cy="511062"/>
+          </a:xfrm>
+          <a:solidFill>
+            <a:srgbClr val="262626"/>
+          </a:solidFill>
+        </p:spPr>
+        <p:txBody>
+          <a:bodyPr/>
+          <a:lstStyle/>
+          <a:p>
+            <a:pPr lvl="0"/>
+            <a:r>
+              <a:rPr lang="en-US" altLang="ko-KR" dirty="0"/>
+              <a:t>REST API</a:t>
+            </a:r>
+            <a:endParaRPr lang="en-US" altLang="ko-KR" sz="2000" dirty="0">
+              <a:ln>
+                <a:solidFill>
+                  <a:srgbClr val="4472C4">
+                    <a:alpha val="0"/>
+                  </a:srgbClr>
+                </a:solidFill>
+              </a:ln>
+              <a:solidFill>
+                <a:prstClr val="white"/>
+              </a:solidFill>
+            </a:endParaRPr>
+          </a:p>
+        </p:txBody>
+      </p:sp>
+      <p:sp>
+        <p:nvSpPr>
+          <p:cNvPr id="20" name="슬라이드 번호 개체 틀 19">
+            <a:extLst>
+              <a:ext uri="{FF2B5EF4-FFF2-40B4-BE49-F238E27FC236}">
+                <a16:creationId xmlns:a16="http://schemas.microsoft.com/office/drawing/2014/main" id="{5D10BEF8-C3D2-456C-86E5-CDB9D8098737}"/>
+              </a:ext>
+            </a:extLst>
+          </p:cNvPr>
+          <p:cNvSpPr>
+            <a:spLocks noGrp="1"/>
+          </p:cNvSpPr>
+          <p:nvPr>
+            <p:ph type="sldNum" sz="quarter" idx="12"/>
+          </p:nvPr>
+        </p:nvSpPr>
+        <p:spPr>
+          <a:xfrm>
+            <a:off x="11515883" y="6535564"/>
+            <a:ext cx="406242" cy="223838"/>
+          </a:xfrm>
+        </p:spPr>
+        <p:txBody>
+          <a:bodyPr/>
+          <a:lstStyle/>
+          <a:p>
+            <a:fld id="{143BF621-4FC3-44DB-97C1-2906C2BBA181}" type="slidenum">
+              <a:rPr lang="en-US" altLang="ko-KR" sz="900" b="1" smtClean="0"/>
+              <a:pPr/>
+              <a:t>9</a:t>
+            </a:fld>
+            <a:endParaRPr lang="en-US" sz="900" b="1"/>
+          </a:p>
+        </p:txBody>
+      </p:sp>
+      <p:sp>
+        <p:nvSpPr>
+          <p:cNvPr id="22" name="텍스트 개체 틀 21">
+            <a:extLst>
+              <a:ext uri="{FF2B5EF4-FFF2-40B4-BE49-F238E27FC236}">
+                <a16:creationId xmlns:a16="http://schemas.microsoft.com/office/drawing/2014/main" id="{39A03912-2C30-4A1E-A949-CCA2FA1B86AF}"/>
+              </a:ext>
+            </a:extLst>
+          </p:cNvPr>
+          <p:cNvSpPr>
+            <a:spLocks noGrp="1"/>
+          </p:cNvSpPr>
+          <p:nvPr>
+            <p:ph type="body" sz="quarter" idx="14"/>
+          </p:nvPr>
+        </p:nvSpPr>
+        <p:spPr>
+          <a:xfrm>
+            <a:off x="632162" y="204825"/>
+            <a:ext cx="2365038" cy="334963"/>
+          </a:xfrm>
+        </p:spPr>
+        <p:txBody>
+          <a:bodyPr/>
+          <a:lstStyle/>
+          <a:p>
+            <a:r>
+              <a:rPr lang="en-US" altLang="ko-KR" sz="1600"/>
+              <a:t> </a:t>
+            </a:r>
+            <a:r>
+              <a:rPr lang="ko-KR" altLang="en-US" sz="1600"/>
+              <a:t>사이트 구현</a:t>
+            </a:r>
+            <a:endParaRPr lang="en-US" altLang="ko-KR" sz="1600"/>
+          </a:p>
+        </p:txBody>
+      </p:sp>
+      <p:cxnSp>
+        <p:nvCxnSpPr>
+          <p:cNvPr id="16" name="직선 연결선 15">
+            <a:extLst>
+              <a:ext uri="{FF2B5EF4-FFF2-40B4-BE49-F238E27FC236}">
+                <a16:creationId xmlns:a16="http://schemas.microsoft.com/office/drawing/2014/main" id="{556817DD-8257-448B-A648-6DCF78476E78}"/>
+              </a:ext>
+            </a:extLst>
+          </p:cNvPr>
+          <p:cNvCxnSpPr>
+            <a:cxnSpLocks/>
+          </p:cNvCxnSpPr>
+          <p:nvPr/>
+        </p:nvCxnSpPr>
+        <p:spPr>
+          <a:xfrm flipV="1">
+            <a:off x="596246" y="1791510"/>
+            <a:ext cx="10999508" cy="1"/>
+          </a:xfrm>
+          <a:prstGeom prst="line">
+            <a:avLst/>
+          </a:prstGeom>
+          <a:ln>
+            <a:solidFill>
+              <a:schemeClr val="bg1">
+                <a:alpha val="12000"/>
+              </a:schemeClr>
+            </a:solidFill>
+          </a:ln>
+        </p:spPr>
+        <p:style>
+          <a:lnRef idx="1">
+            <a:schemeClr val="accent1"/>
+          </a:lnRef>
+          <a:fillRef idx="0">
+            <a:schemeClr val="accent1"/>
+          </a:fillRef>
+          <a:effectRef idx="0">
+            <a:schemeClr val="accent1"/>
+          </a:effectRef>
+          <a:fontRef idx="minor">
+            <a:schemeClr val="tx1"/>
+          </a:fontRef>
+        </p:style>
+      </p:cxnSp>
+      <p:grpSp>
+        <p:nvGrpSpPr>
+          <p:cNvPr id="34" name="그룹 33">
+            <a:extLst>
+              <a:ext uri="{FF2B5EF4-FFF2-40B4-BE49-F238E27FC236}">
+                <a16:creationId xmlns:a16="http://schemas.microsoft.com/office/drawing/2014/main" id="{3CF7C648-1203-46CD-B1B5-FBCCE76BF946}"/>
+              </a:ext>
+            </a:extLst>
+          </p:cNvPr>
+          <p:cNvGrpSpPr/>
+          <p:nvPr/>
+        </p:nvGrpSpPr>
+        <p:grpSpPr>
+          <a:xfrm>
+            <a:off x="11861799" y="3029566"/>
+            <a:ext cx="101602" cy="798867"/>
+            <a:chOff x="11861799" y="3018615"/>
+            <a:chExt cx="101602" cy="798867"/>
+          </a:xfrm>
+        </p:grpSpPr>
+        <p:sp>
+          <p:nvSpPr>
+            <p:cNvPr id="24" name="타원 23">
+              <a:extLst>
+                <a:ext uri="{FF2B5EF4-FFF2-40B4-BE49-F238E27FC236}">
+                  <a16:creationId xmlns:a16="http://schemas.microsoft.com/office/drawing/2014/main" id="{015AF492-935E-4469-A4B0-E0076A79857E}"/>
+                </a:ext>
+              </a:extLst>
+            </p:cNvPr>
+            <p:cNvSpPr/>
+            <p:nvPr/>
+          </p:nvSpPr>
+          <p:spPr>
+            <a:xfrm>
+              <a:off x="11861799" y="3018615"/>
+              <a:ext cx="101602" cy="101601"/>
+            </a:xfrm>
+            <a:prstGeom prst="roundRect">
+              <a:avLst/>
+            </a:prstGeom>
+            <a:solidFill>
+              <a:schemeClr val="bg1"/>
+            </a:solidFill>
+            <a:ln>
+              <a:noFill/>
+            </a:ln>
+          </p:spPr>
+          <p:style>
+            <a:lnRef idx="2">
+              <a:schemeClr val="accent1">
+                <a:shade val="50000"/>
+              </a:schemeClr>
+            </a:lnRef>
+            <a:fillRef idx="1">
+              <a:schemeClr val="accent1"/>
+            </a:fillRef>
+            <a:effectRef idx="0">
+              <a:schemeClr val="accent1"/>
+            </a:effectRef>
+            <a:fontRef idx="minor">
+              <a:schemeClr val="lt1"/>
+            </a:fontRef>
+          </p:style>
+          <p:txBody>
+            <a:bodyPr rtlCol="0" anchor="ctr"/>
+            <a:lstStyle/>
+            <a:p>
+              <a:pPr algn="ctr"/>
+              <a:endParaRPr lang="ko-KR" altLang="en-US"/>
+            </a:p>
+          </p:txBody>
+        </p:sp>
+        <p:sp>
+          <p:nvSpPr>
+            <p:cNvPr id="28" name="타원 27">
+              <a:extLst>
+                <a:ext uri="{FF2B5EF4-FFF2-40B4-BE49-F238E27FC236}">
+                  <a16:creationId xmlns:a16="http://schemas.microsoft.com/office/drawing/2014/main" id="{FF1CB2F4-25B4-4DEE-A3B8-FD46D262F40F}"/>
+                </a:ext>
+              </a:extLst>
+            </p:cNvPr>
+            <p:cNvSpPr/>
+            <p:nvPr/>
+          </p:nvSpPr>
+          <p:spPr>
+            <a:xfrm>
+              <a:off x="11861799" y="3251037"/>
+              <a:ext cx="101602" cy="101601"/>
+            </a:xfrm>
+            <a:prstGeom prst="roundRect">
+              <a:avLst/>
+            </a:prstGeom>
+            <a:solidFill>
+              <a:schemeClr val="tx1">
+                <a:lumMod val="65000"/>
+                <a:lumOff val="35000"/>
+              </a:schemeClr>
+            </a:solidFill>
+            <a:ln>
+              <a:noFill/>
+            </a:ln>
+          </p:spPr>
+          <p:style>
+            <a:lnRef idx="2">
+              <a:schemeClr val="accent1">
+                <a:shade val="50000"/>
+              </a:schemeClr>
+            </a:lnRef>
+            <a:fillRef idx="1">
+              <a:schemeClr val="accent1"/>
+            </a:fillRef>
+            <a:effectRef idx="0">
+              <a:schemeClr val="accent1"/>
+            </a:effectRef>
+            <a:fontRef idx="minor">
+              <a:schemeClr val="lt1"/>
+            </a:fontRef>
+          </p:style>
+          <p:txBody>
+            <a:bodyPr rtlCol="0" anchor="ctr"/>
+            <a:lstStyle/>
+            <a:p>
+              <a:pPr algn="ctr"/>
+              <a:endParaRPr lang="ko-KR" altLang="en-US"/>
+            </a:p>
+          </p:txBody>
+        </p:sp>
+        <p:sp>
+          <p:nvSpPr>
+            <p:cNvPr id="30" name="타원 29">
+              <a:extLst>
+                <a:ext uri="{FF2B5EF4-FFF2-40B4-BE49-F238E27FC236}">
+                  <a16:creationId xmlns:a16="http://schemas.microsoft.com/office/drawing/2014/main" id="{C46557B9-CC12-487D-A0EA-5BB155CF10CE}"/>
+                </a:ext>
+              </a:extLst>
+            </p:cNvPr>
+            <p:cNvSpPr/>
+            <p:nvPr/>
+          </p:nvSpPr>
+          <p:spPr>
+            <a:xfrm>
+              <a:off x="11861799" y="3483459"/>
+              <a:ext cx="101602" cy="101601"/>
+            </a:xfrm>
+            <a:prstGeom prst="roundRect">
+              <a:avLst/>
+            </a:prstGeom>
+            <a:solidFill>
+              <a:schemeClr val="tx1">
+                <a:lumMod val="65000"/>
+                <a:lumOff val="35000"/>
+              </a:schemeClr>
+            </a:solidFill>
+            <a:ln>
+              <a:noFill/>
+            </a:ln>
+          </p:spPr>
+          <p:style>
+            <a:lnRef idx="2">
+              <a:schemeClr val="accent1">
+                <a:shade val="50000"/>
+              </a:schemeClr>
+            </a:lnRef>
+            <a:fillRef idx="1">
+              <a:schemeClr val="accent1"/>
+            </a:fillRef>
+            <a:effectRef idx="0">
+              <a:schemeClr val="accent1"/>
+            </a:effectRef>
+            <a:fontRef idx="minor">
+              <a:schemeClr val="lt1"/>
+            </a:fontRef>
+          </p:style>
+          <p:txBody>
+            <a:bodyPr rtlCol="0" anchor="ctr"/>
+            <a:lstStyle/>
+            <a:p>
+              <a:pPr algn="ctr"/>
+              <a:endParaRPr lang="ko-KR" altLang="en-US"/>
+            </a:p>
+          </p:txBody>
+        </p:sp>
+        <p:sp>
+          <p:nvSpPr>
+            <p:cNvPr id="31" name="타원 30">
+              <a:extLst>
+                <a:ext uri="{FF2B5EF4-FFF2-40B4-BE49-F238E27FC236}">
+                  <a16:creationId xmlns:a16="http://schemas.microsoft.com/office/drawing/2014/main" id="{CAD48EAD-D539-41BD-827F-65448A29B3E7}"/>
+                </a:ext>
+              </a:extLst>
+            </p:cNvPr>
+            <p:cNvSpPr/>
+            <p:nvPr/>
+          </p:nvSpPr>
+          <p:spPr>
+            <a:xfrm>
+              <a:off x="11861799" y="3715881"/>
+              <a:ext cx="101602" cy="101601"/>
+            </a:xfrm>
+            <a:prstGeom prst="roundRect">
+              <a:avLst/>
+            </a:prstGeom>
+            <a:solidFill>
+              <a:schemeClr val="tx1">
+                <a:lumMod val="65000"/>
+                <a:lumOff val="35000"/>
+              </a:schemeClr>
+            </a:solidFill>
+            <a:ln>
+              <a:noFill/>
+            </a:ln>
+          </p:spPr>
+          <p:style>
+            <a:lnRef idx="2">
+              <a:schemeClr val="accent1">
+                <a:shade val="50000"/>
+              </a:schemeClr>
+            </a:lnRef>
+            <a:fillRef idx="1">
+              <a:schemeClr val="accent1"/>
+            </a:fillRef>
+            <a:effectRef idx="0">
+              <a:schemeClr val="accent1"/>
+            </a:effectRef>
+            <a:fontRef idx="minor">
+              <a:schemeClr val="lt1"/>
+            </a:fontRef>
+          </p:style>
+          <p:txBody>
+            <a:bodyPr rtlCol="0" anchor="ctr"/>
+            <a:lstStyle/>
+            <a:p>
+              <a:pPr algn="ctr"/>
+              <a:endParaRPr lang="ko-KR" altLang="en-US"/>
+            </a:p>
+          </p:txBody>
+        </p:sp>
+      </p:grpSp>
+      <p:sp>
+        <p:nvSpPr>
+          <p:cNvPr id="59" name="텍스트 개체 틀 9">
+            <a:extLst>
+              <a:ext uri="{FF2B5EF4-FFF2-40B4-BE49-F238E27FC236}">
+                <a16:creationId xmlns:a16="http://schemas.microsoft.com/office/drawing/2014/main" id="{24DACF00-4650-4587-8067-0A70D73A59DA}"/>
+              </a:ext>
+            </a:extLst>
+          </p:cNvPr>
+          <p:cNvSpPr>
+            <a:spLocks noGrp="1"/>
+          </p:cNvSpPr>
+          <p:nvPr>
+            <p:ph type="body" sz="quarter" idx="13" hasCustomPrompt="1"/>
+          </p:nvPr>
+        </p:nvSpPr>
+        <p:spPr>
+          <a:xfrm>
+            <a:off x="7335536" y="293599"/>
+            <a:ext cx="4562777" cy="161468"/>
+          </a:xfrm>
+        </p:spPr>
+        <p:txBody>
+          <a:bodyPr lIns="0" tIns="0" rIns="0" bIns="0" anchor="b">
+            <a:noAutofit/>
+          </a:bodyPr>
+          <a:lstStyle>
+            <a:lvl1pPr algn="l">
+              <a:lnSpc>
+                <a:spcPct val="120000"/>
+              </a:lnSpc>
+              <a:defRPr lang="ko-KR" altLang="en-US" sz="1100" kern="1200" baseline="0" dirty="0">
+                <a:ln>
+                  <a:solidFill>
+                    <a:schemeClr val="accent1">
+                      <a:alpha val="0"/>
+                    </a:schemeClr>
+                  </a:solidFill>
+                </a:ln>
+                <a:solidFill>
+                  <a:schemeClr val="bg1"/>
+                </a:solidFill>
+                <a:latin typeface="+mn-lt"/>
+                <a:ea typeface="+mn-ea"/>
+                <a:cs typeface="+mn-cs"/>
+              </a:defRPr>
+            </a:lvl1pPr>
+            <a:lvl2pPr>
+              <a:defRPr/>
+            </a:lvl2pPr>
+            <a:lvl3pPr>
+              <a:defRPr/>
+            </a:lvl3pPr>
+            <a:lvl4pPr>
+              <a:defRPr/>
+            </a:lvl4pPr>
+            <a:lvl5pPr>
+              <a:defRPr/>
+            </a:lvl5pPr>
+          </a:lstStyle>
+          <a:p>
+            <a:r>
+              <a:rPr lang="ko-KR" altLang="en-US" sz="1100">
+                <a:solidFill>
+                  <a:schemeClr val="bg1">
+                    <a:alpha val="60000"/>
+                  </a:schemeClr>
+                </a:solidFill>
+              </a:rPr>
+              <a:t>기획의도 </a:t>
+            </a:r>
+            <a:r>
+              <a:rPr lang="en-US" altLang="ko-KR" sz="1100"/>
+              <a:t>	                    </a:t>
+            </a:r>
+            <a:r>
+              <a:rPr lang="ko-KR" altLang="en-US" sz="1100" err="1"/>
+              <a:t>사이트구현</a:t>
+            </a:r>
+            <a:r>
+              <a:rPr lang="ko-KR" altLang="en-US" sz="1100"/>
+              <a:t>                      </a:t>
+            </a:r>
+            <a:r>
+              <a:rPr lang="ko-KR" altLang="en-US" sz="1100">
+                <a:solidFill>
+                  <a:schemeClr val="bg1">
+                    <a:alpha val="60000"/>
+                  </a:schemeClr>
+                </a:solidFill>
+              </a:rPr>
+              <a:t>향후개발방향</a:t>
+            </a:r>
+            <a:endParaRPr lang="en-US" altLang="ko-KR" sz="1100">
+              <a:solidFill>
+                <a:schemeClr val="bg1">
+                  <a:alpha val="60000"/>
+                </a:schemeClr>
+              </a:solidFill>
+            </a:endParaRPr>
+          </a:p>
+        </p:txBody>
+      </p:sp>
+      <p:pic>
+        <p:nvPicPr>
+          <p:cNvPr id="2" name="그림 1"/>
+          <p:cNvPicPr>
+            <a:picLocks noChangeAspect="1"/>
+          </p:cNvPicPr>
+          <p:nvPr/>
+        </p:nvPicPr>
+        <p:blipFill>
+          <a:blip r:embed="rId2"/>
+          <a:stretch>
+            <a:fillRect/>
+          </a:stretch>
+        </p:blipFill>
+        <p:spPr>
+          <a:xfrm>
+            <a:off x="596246" y="1872366"/>
+            <a:ext cx="5109961" cy="2446740"/>
+          </a:xfrm>
+          <a:prstGeom prst="rect">
+            <a:avLst/>
+          </a:prstGeom>
+        </p:spPr>
+      </p:pic>
+      <p:sp>
+        <p:nvSpPr>
+          <p:cNvPr id="18" name="제목 16">
+            <a:extLst>
+              <a:ext uri="{FF2B5EF4-FFF2-40B4-BE49-F238E27FC236}">
+                <a16:creationId xmlns:a16="http://schemas.microsoft.com/office/drawing/2014/main" id="{538766AC-5FB7-41CD-BE08-06DE8DBE4BB2}"/>
+              </a:ext>
+            </a:extLst>
+          </p:cNvPr>
+          <p:cNvSpPr txBox="1">
+            <a:spLocks/>
+          </p:cNvSpPr>
+          <p:nvPr/>
+        </p:nvSpPr>
+        <p:spPr>
+          <a:xfrm>
+            <a:off x="5879445" y="1899282"/>
+            <a:ext cx="5409877" cy="511062"/>
+          </a:xfrm>
+          <a:prstGeom prst="rect">
+            <a:avLst/>
+          </a:prstGeom>
+          <a:solidFill>
+            <a:srgbClr val="262626"/>
+          </a:solidFill>
+        </p:spPr>
+        <p:txBody>
+          <a:bodyPr vert="horz" lIns="0" tIns="0" rIns="0" bIns="0" rtlCol="0" anchor="ctr">
+            <a:noAutofit/>
+          </a:bodyPr>
+          <a:lstStyle>
+            <a:lvl1pPr marL="0" indent="0" algn="l" defTabSz="914400" rtl="0" eaLnBrk="1" latinLnBrk="1" hangingPunct="1">
+              <a:lnSpc>
+                <a:spcPct val="125000"/>
+              </a:lnSpc>
+              <a:spcBef>
+                <a:spcPct val="0"/>
+              </a:spcBef>
+              <a:buFont typeface="Arial" panose="020B0604020202020204" pitchFamily="34" charset="0"/>
+              <a:buNone/>
+              <a:defRPr sz="2800" b="1" kern="1200">
+                <a:ln>
+                  <a:solidFill>
+                    <a:schemeClr val="accent1">
+                      <a:alpha val="0"/>
+                    </a:schemeClr>
+                  </a:solidFill>
+                </a:ln>
+                <a:solidFill>
+                  <a:schemeClr val="bg1"/>
+                </a:solidFill>
+                <a:latin typeface="+mj-lt"/>
+                <a:ea typeface="+mj-ea"/>
+                <a:cs typeface="+mj-cs"/>
+              </a:defRPr>
+            </a:lvl1pPr>
+          </a:lstStyle>
+          <a:p>
+            <a:r>
+              <a:rPr lang="en-US" altLang="ko-KR" sz="1600" dirty="0" smtClean="0">
+                <a:ln>
+                  <a:solidFill>
+                    <a:srgbClr val="4472C4">
+                      <a:alpha val="0"/>
+                    </a:srgbClr>
+                  </a:solidFill>
+                </a:ln>
+                <a:solidFill>
+                  <a:prstClr val="white"/>
+                </a:solidFill>
+              </a:rPr>
+              <a:t>GET, POST </a:t>
+            </a:r>
+            <a:r>
+              <a:rPr lang="ko-KR" altLang="en-US" sz="1600" dirty="0" smtClean="0">
+                <a:ln>
+                  <a:solidFill>
+                    <a:srgbClr val="4472C4">
+                      <a:alpha val="0"/>
+                    </a:srgbClr>
+                  </a:solidFill>
+                </a:ln>
+                <a:solidFill>
+                  <a:prstClr val="white"/>
+                </a:solidFill>
+              </a:rPr>
+              <a:t>와</a:t>
+            </a:r>
+            <a:r>
+              <a:rPr lang="en-US" altLang="ko-KR" sz="1600" dirty="0" smtClean="0">
+                <a:ln>
+                  <a:solidFill>
+                    <a:srgbClr val="4472C4">
+                      <a:alpha val="0"/>
+                    </a:srgbClr>
+                  </a:solidFill>
+                </a:ln>
+                <a:solidFill>
+                  <a:prstClr val="white"/>
+                </a:solidFill>
+              </a:rPr>
+              <a:t> </a:t>
+            </a:r>
+            <a:r>
+              <a:rPr lang="ko-KR" altLang="en-US" sz="1600" dirty="0">
+                <a:ln>
+                  <a:solidFill>
+                    <a:srgbClr val="4472C4">
+                      <a:alpha val="0"/>
+                    </a:srgbClr>
+                  </a:solidFill>
+                </a:ln>
+                <a:solidFill>
+                  <a:prstClr val="white"/>
+                </a:solidFill>
+              </a:rPr>
+              <a:t>같은 상태를 </a:t>
+            </a:r>
+            <a:r>
+              <a:rPr lang="ko-KR" altLang="en-US" sz="1600" dirty="0" smtClean="0">
+                <a:ln>
+                  <a:solidFill>
+                    <a:srgbClr val="4472C4">
+                      <a:alpha val="0"/>
+                    </a:srgbClr>
+                  </a:solidFill>
+                </a:ln>
+                <a:solidFill>
+                  <a:prstClr val="white"/>
+                </a:solidFill>
+              </a:rPr>
+              <a:t>주고받으며 </a:t>
+            </a:r>
+            <a:r>
+              <a:rPr lang="en-US" altLang="ko-KR" sz="1600" dirty="0" smtClean="0">
+                <a:ln>
+                  <a:solidFill>
+                    <a:srgbClr val="4472C4">
+                      <a:alpha val="0"/>
+                    </a:srgbClr>
+                  </a:solidFill>
+                </a:ln>
+                <a:solidFill>
+                  <a:prstClr val="white"/>
+                </a:solidFill>
+              </a:rPr>
+              <a:t>API</a:t>
+            </a:r>
+            <a:r>
+              <a:rPr lang="ko-KR" altLang="en-US" sz="1600" dirty="0" smtClean="0">
+                <a:ln>
+                  <a:solidFill>
+                    <a:srgbClr val="4472C4">
+                      <a:alpha val="0"/>
+                    </a:srgbClr>
+                  </a:solidFill>
+                </a:ln>
+                <a:solidFill>
+                  <a:prstClr val="white"/>
+                </a:solidFill>
+              </a:rPr>
+              <a:t>와 통신하는 것</a:t>
+            </a:r>
+            <a:endParaRPr lang="en-US" altLang="ko-KR" sz="1600" dirty="0">
+              <a:ln>
+                <a:solidFill>
+                  <a:srgbClr val="4472C4">
+                    <a:alpha val="0"/>
+                  </a:srgbClr>
+                </a:solidFill>
+              </a:ln>
+              <a:solidFill>
+                <a:prstClr val="white"/>
+              </a:solidFill>
+            </a:endParaRPr>
+          </a:p>
+        </p:txBody>
+      </p:sp>
+      <p:pic>
+        <p:nvPicPr>
+          <p:cNvPr id="4" name="그림 3"/>
+          <p:cNvPicPr>
+            <a:picLocks noChangeAspect="1"/>
+          </p:cNvPicPr>
+          <p:nvPr/>
+        </p:nvPicPr>
+        <p:blipFill>
+          <a:blip r:embed="rId3"/>
+          <a:stretch>
+            <a:fillRect/>
+          </a:stretch>
+        </p:blipFill>
+        <p:spPr>
+          <a:xfrm>
+            <a:off x="5247558" y="3879765"/>
+            <a:ext cx="6268325" cy="1895740"/>
+          </a:xfrm>
+          <a:prstGeom prst="rect">
+            <a:avLst/>
+          </a:prstGeom>
+        </p:spPr>
+      </p:pic>
+      <p:pic>
+        <p:nvPicPr>
+          <p:cNvPr id="21" name="그림 20"/>
+          <p:cNvPicPr>
+            <a:picLocks noChangeAspect="1"/>
+          </p:cNvPicPr>
+          <p:nvPr/>
+        </p:nvPicPr>
+        <p:blipFill>
+          <a:blip r:embed="rId4">
+            <a:extLst>
+              <a:ext uri="{28A0092B-C50C-407E-A947-70E740481C1C}">
+                <a14:useLocalDpi xmlns:a14="http://schemas.microsoft.com/office/drawing/2010/main" val="0"/>
+              </a:ext>
+            </a:extLst>
+          </a:blip>
+          <a:stretch>
+            <a:fillRect/>
+          </a:stretch>
+        </p:blipFill>
+        <p:spPr>
+          <a:xfrm>
+            <a:off x="596246" y="4485748"/>
+            <a:ext cx="2463477" cy="1715635"/>
+          </a:xfrm>
+          <a:prstGeom prst="rect">
+            <a:avLst/>
+          </a:prstGeom>
+        </p:spPr>
+      </p:pic>
+    </p:spTree>
+    <p:extLst>
+      <p:ext uri="{BB962C8B-B14F-4D97-AF65-F5344CB8AC3E}">
+        <p14:creationId xmlns:p14="http://schemas.microsoft.com/office/powerpoint/2010/main" val="239724237"/>
       </p:ext>
     </p:extLst>
   </p:cSld>
